--- a/Android/Lesson17/Дизайн приложения.pptx
+++ b/Android/Lesson17/Дизайн приложения.pptx
@@ -13,6 +13,11 @@
     <p:sldId id="265" r:id="rId7"/>
     <p:sldId id="266" r:id="rId8"/>
     <p:sldId id="267" r:id="rId9"/>
+    <p:sldId id="268" r:id="rId10"/>
+    <p:sldId id="270" r:id="rId11"/>
+    <p:sldId id="269" r:id="rId12"/>
+    <p:sldId id="272" r:id="rId13"/>
+    <p:sldId id="273" r:id="rId14"/>
   </p:sldIdLst>
   <p:sldSz cx="12192000" cy="6858000"/>
   <p:notesSz cx="6858000" cy="9144000"/>
@@ -344,7 +349,7 @@
             <a:fld id="{5586B75A-687E-405C-8A0B-8D00578BA2C3}" type="datetimeFigureOut">
               <a:rPr lang="en-US" dirty="0"/>
               <a:pPr/>
-              <a:t>1/19/2021</a:t>
+              <a:t>1/22/2021</a:t>
             </a:fld>
             <a:endParaRPr lang="en-US" dirty="0"/>
           </a:p>
@@ -511,7 +516,7 @@
             <a:fld id="{5586B75A-687E-405C-8A0B-8D00578BA2C3}" type="datetimeFigureOut">
               <a:rPr lang="en-US" dirty="0"/>
               <a:pPr/>
-              <a:t>1/19/2021</a:t>
+              <a:t>1/22/2021</a:t>
             </a:fld>
             <a:endParaRPr lang="en-US" dirty="0"/>
           </a:p>
@@ -688,7 +693,7 @@
             <a:fld id="{5586B75A-687E-405C-8A0B-8D00578BA2C3}" type="datetimeFigureOut">
               <a:rPr lang="en-US" dirty="0"/>
               <a:pPr/>
-              <a:t>1/19/2021</a:t>
+              <a:t>1/22/2021</a:t>
             </a:fld>
             <a:endParaRPr lang="en-US" dirty="0"/>
           </a:p>
@@ -855,7 +860,7 @@
             <a:fld id="{5586B75A-687E-405C-8A0B-8D00578BA2C3}" type="datetimeFigureOut">
               <a:rPr lang="en-US" dirty="0"/>
               <a:pPr/>
-              <a:t>1/19/2021</a:t>
+              <a:t>1/22/2021</a:t>
             </a:fld>
             <a:endParaRPr lang="en-US" dirty="0"/>
           </a:p>
@@ -1110,7 +1115,7 @@
             <a:fld id="{5586B75A-687E-405C-8A0B-8D00578BA2C3}" type="datetimeFigureOut">
               <a:rPr lang="en-US" dirty="0"/>
               <a:pPr/>
-              <a:t>1/19/2021</a:t>
+              <a:t>1/22/2021</a:t>
             </a:fld>
             <a:endParaRPr lang="en-US" dirty="0"/>
           </a:p>
@@ -1395,7 +1400,7 @@
             <a:fld id="{5586B75A-687E-405C-8A0B-8D00578BA2C3}" type="datetimeFigureOut">
               <a:rPr lang="en-US" dirty="0"/>
               <a:pPr/>
-              <a:t>1/19/2021</a:t>
+              <a:t>1/22/2021</a:t>
             </a:fld>
             <a:endParaRPr lang="en-US" dirty="0"/>
           </a:p>
@@ -1834,7 +1839,7 @@
             <a:fld id="{5586B75A-687E-405C-8A0B-8D00578BA2C3}" type="datetimeFigureOut">
               <a:rPr lang="en-US" dirty="0"/>
               <a:pPr/>
-              <a:t>1/19/2021</a:t>
+              <a:t>1/22/2021</a:t>
             </a:fld>
             <a:endParaRPr lang="en-US" dirty="0"/>
           </a:p>
@@ -1949,7 +1954,7 @@
             <a:fld id="{5586B75A-687E-405C-8A0B-8D00578BA2C3}" type="datetimeFigureOut">
               <a:rPr lang="en-US" dirty="0"/>
               <a:pPr/>
-              <a:t>1/19/2021</a:t>
+              <a:t>1/22/2021</a:t>
             </a:fld>
             <a:endParaRPr lang="en-US" dirty="0"/>
           </a:p>
@@ -2041,7 +2046,7 @@
             <a:fld id="{5586B75A-687E-405C-8A0B-8D00578BA2C3}" type="datetimeFigureOut">
               <a:rPr lang="en-US" dirty="0"/>
               <a:pPr/>
-              <a:t>1/19/2021</a:t>
+              <a:t>1/22/2021</a:t>
             </a:fld>
             <a:endParaRPr lang="en-US" dirty="0"/>
           </a:p>
@@ -2326,7 +2331,7 @@
             <a:fld id="{5586B75A-687E-405C-8A0B-8D00578BA2C3}" type="datetimeFigureOut">
               <a:rPr lang="en-US" dirty="0"/>
               <a:pPr/>
-              <a:t>1/19/2021</a:t>
+              <a:t>1/22/2021</a:t>
             </a:fld>
             <a:endParaRPr lang="en-US" dirty="0"/>
           </a:p>
@@ -2596,7 +2601,7 @@
             <a:fld id="{5586B75A-687E-405C-8A0B-8D00578BA2C3}" type="datetimeFigureOut">
               <a:rPr lang="en-US" dirty="0"/>
               <a:pPr/>
-              <a:t>1/19/2021</a:t>
+              <a:t>1/22/2021</a:t>
             </a:fld>
             <a:endParaRPr lang="en-US" dirty="0"/>
           </a:p>
@@ -2890,7 +2895,7 @@
             <a:fld id="{5586B75A-687E-405C-8A0B-8D00578BA2C3}" type="datetimeFigureOut">
               <a:rPr lang="en-US" dirty="0"/>
               <a:pPr/>
-              <a:t>1/19/2021</a:t>
+              <a:t>1/22/2021</a:t>
             </a:fld>
             <a:endParaRPr lang="en-US" dirty="0"/>
           </a:p>
@@ -3445,6 +3450,4316 @@
 </p:sld>
 </file>
 
+<file path=ppt/slides/slide10.xml><?xml version="1.0" encoding="utf-8"?>
+<p:sld xmlns:a="http://schemas.openxmlformats.org/drawingml/2006/main" xmlns:r="http://schemas.openxmlformats.org/officeDocument/2006/relationships" xmlns:p="http://schemas.openxmlformats.org/presentationml/2006/main">
+  <p:cSld>
+    <p:bg>
+      <p:bgPr>
+        <a:solidFill>
+          <a:schemeClr val="bg1"/>
+        </a:solidFill>
+        <a:effectLst/>
+      </p:bgPr>
+    </p:bg>
+    <p:spTree>
+      <p:nvGrpSpPr>
+        <p:cNvPr id="1" name=""/>
+        <p:cNvGrpSpPr/>
+        <p:nvPr/>
+      </p:nvGrpSpPr>
+      <p:grpSpPr>
+        <a:xfrm>
+          <a:off x="0" y="0"/>
+          <a:ext cx="0" cy="0"/>
+          <a:chOff x="0" y="0"/>
+          <a:chExt cx="0" cy="0"/>
+        </a:xfrm>
+      </p:grpSpPr>
+      <p:sp useBgFill="1">
+        <p:nvSpPr>
+          <p:cNvPr id="199" name="Rectangle 198">
+            <a:extLst>
+              <a:ext uri="{FF2B5EF4-FFF2-40B4-BE49-F238E27FC236}">
+                <a16:creationId xmlns:a16="http://schemas.microsoft.com/office/drawing/2014/main" id="{B5DC95B7-2A72-483B-BA19-2BE751205541}"/>
+              </a:ext>
+              <a:ext uri="{C183D7F6-B498-43B3-948B-1728B52AA6E4}">
+                <adec:decorative xmlns:adec="http://schemas.microsoft.com/office/drawing/2017/decorative" val="1"/>
+              </a:ext>
+            </a:extLst>
+          </p:cNvPr>
+          <p:cNvSpPr>
+            <a:spLocks noGrp="1" noRot="1" noChangeAspect="1" noMove="1" noResize="1" noEditPoints="1" noAdjustHandles="1" noChangeArrowheads="1" noChangeShapeType="1" noTextEdit="1"/>
+          </p:cNvSpPr>
+          <p:nvPr>
+            <p:extLst>
+              <p:ext uri="{386F3935-93C4-4BCD-93E2-E3B085C9AB24}">
+                <p16:designElem xmlns:p16="http://schemas.microsoft.com/office/powerpoint/2015/main" val="1"/>
+              </p:ext>
+            </p:extLst>
+          </p:nvPr>
+        </p:nvSpPr>
+        <p:spPr>
+          <a:xfrm>
+            <a:off x="0" y="0"/>
+            <a:ext cx="12192000" cy="6858000"/>
+          </a:xfrm>
+          <a:prstGeom prst="rect">
+            <a:avLst/>
+          </a:prstGeom>
+          <a:ln>
+            <a:noFill/>
+          </a:ln>
+        </p:spPr>
+        <p:style>
+          <a:lnRef idx="2">
+            <a:schemeClr val="accent1">
+              <a:shade val="50000"/>
+            </a:schemeClr>
+          </a:lnRef>
+          <a:fillRef idx="1">
+            <a:schemeClr val="accent1"/>
+          </a:fillRef>
+          <a:effectRef idx="0">
+            <a:schemeClr val="accent1"/>
+          </a:effectRef>
+          <a:fontRef idx="minor">
+            <a:schemeClr val="lt1"/>
+          </a:fontRef>
+        </p:style>
+        <p:txBody>
+          <a:bodyPr rtlCol="0" anchor="ctr"/>
+          <a:lstStyle/>
+          <a:p>
+            <a:pPr algn="ctr"/>
+            <a:endParaRPr lang="en-US"/>
+          </a:p>
+        </p:txBody>
+      </p:sp>
+      <p:sp>
+        <p:nvSpPr>
+          <p:cNvPr id="201" name="Rectangle 200">
+            <a:extLst>
+              <a:ext uri="{FF2B5EF4-FFF2-40B4-BE49-F238E27FC236}">
+                <a16:creationId xmlns:a16="http://schemas.microsoft.com/office/drawing/2014/main" id="{1C822AFE-7E96-4A51-9E55-FCAEACD21357}"/>
+              </a:ext>
+              <a:ext uri="{C183D7F6-B498-43B3-948B-1728B52AA6E4}">
+                <adec:decorative xmlns:adec="http://schemas.microsoft.com/office/drawing/2017/decorative" val="1"/>
+              </a:ext>
+            </a:extLst>
+          </p:cNvPr>
+          <p:cNvSpPr>
+            <a:spLocks noGrp="1" noRot="1" noChangeAspect="1" noMove="1" noResize="1" noEditPoints="1" noAdjustHandles="1" noChangeArrowheads="1" noChangeShapeType="1" noTextEdit="1"/>
+          </p:cNvSpPr>
+          <p:nvPr>
+            <p:extLst>
+              <p:ext uri="{386F3935-93C4-4BCD-93E2-E3B085C9AB24}">
+                <p16:designElem xmlns:p16="http://schemas.microsoft.com/office/powerpoint/2015/main" val="1"/>
+              </p:ext>
+            </p:extLst>
+          </p:nvPr>
+        </p:nvSpPr>
+        <p:spPr>
+          <a:xfrm>
+            <a:off x="864516" y="4212709"/>
+            <a:ext cx="10764932" cy="1873941"/>
+          </a:xfrm>
+          <a:prstGeom prst="rect">
+            <a:avLst/>
+          </a:prstGeom>
+          <a:solidFill>
+            <a:schemeClr val="accent1"/>
+          </a:solidFill>
+          <a:ln>
+            <a:noFill/>
+          </a:ln>
+        </p:spPr>
+        <p:style>
+          <a:lnRef idx="2">
+            <a:schemeClr val="accent1">
+              <a:shade val="50000"/>
+            </a:schemeClr>
+          </a:lnRef>
+          <a:fillRef idx="1">
+            <a:schemeClr val="accent1"/>
+          </a:fillRef>
+          <a:effectRef idx="0">
+            <a:schemeClr val="accent1"/>
+          </a:effectRef>
+          <a:fontRef idx="minor">
+            <a:schemeClr val="lt1"/>
+          </a:fontRef>
+        </p:style>
+        <p:txBody>
+          <a:bodyPr rtlCol="0" anchor="ctr"/>
+          <a:lstStyle/>
+          <a:p>
+            <a:pPr algn="ctr"/>
+            <a:endParaRPr lang="en-US"/>
+          </a:p>
+        </p:txBody>
+      </p:sp>
+      <p:sp>
+        <p:nvSpPr>
+          <p:cNvPr id="203" name="Rectangle 202">
+            <a:extLst>
+              <a:ext uri="{FF2B5EF4-FFF2-40B4-BE49-F238E27FC236}">
+                <a16:creationId xmlns:a16="http://schemas.microsoft.com/office/drawing/2014/main" id="{9169EA61-C175-4B7E-807B-58199DEA7FB3}"/>
+              </a:ext>
+              <a:ext uri="{C183D7F6-B498-43B3-948B-1728B52AA6E4}">
+                <adec:decorative xmlns:adec="http://schemas.microsoft.com/office/drawing/2017/decorative" val="1"/>
+              </a:ext>
+            </a:extLst>
+          </p:cNvPr>
+          <p:cNvSpPr>
+            <a:spLocks noGrp="1" noRot="1" noChangeAspect="1" noMove="1" noResize="1" noEditPoints="1" noAdjustHandles="1" noChangeArrowheads="1" noChangeShapeType="1" noTextEdit="1"/>
+          </p:cNvSpPr>
+          <p:nvPr>
+            <p:extLst>
+              <p:ext uri="{386F3935-93C4-4BCD-93E2-E3B085C9AB24}">
+                <p16:designElem xmlns:p16="http://schemas.microsoft.com/office/powerpoint/2015/main" val="1"/>
+              </p:ext>
+            </p:extLst>
+          </p:nvPr>
+        </p:nvSpPr>
+        <p:spPr>
+          <a:xfrm>
+            <a:off x="0" y="758952"/>
+            <a:ext cx="384048" cy="5330952"/>
+          </a:xfrm>
+          <a:prstGeom prst="rect">
+            <a:avLst/>
+          </a:prstGeom>
+          <a:solidFill>
+            <a:srgbClr val="C8C8C8">
+              <a:alpha val="49804"/>
+            </a:srgbClr>
+          </a:solidFill>
+          <a:ln>
+            <a:noFill/>
+          </a:ln>
+        </p:spPr>
+        <p:style>
+          <a:lnRef idx="2">
+            <a:schemeClr val="accent1">
+              <a:shade val="50000"/>
+            </a:schemeClr>
+          </a:lnRef>
+          <a:fillRef idx="1">
+            <a:schemeClr val="accent1"/>
+          </a:fillRef>
+          <a:effectRef idx="0">
+            <a:schemeClr val="accent1"/>
+          </a:effectRef>
+          <a:fontRef idx="minor">
+            <a:schemeClr val="lt1"/>
+          </a:fontRef>
+        </p:style>
+      </p:sp>
+      <p:sp>
+        <p:nvSpPr>
+          <p:cNvPr id="1030" name="Content Placeholder 1029">
+            <a:extLst>
+              <a:ext uri="{FF2B5EF4-FFF2-40B4-BE49-F238E27FC236}">
+                <a16:creationId xmlns:a16="http://schemas.microsoft.com/office/drawing/2014/main" id="{6B850C18-2FCB-4A2C-B8BE-915BD9E63334}"/>
+              </a:ext>
+            </a:extLst>
+          </p:cNvPr>
+          <p:cNvSpPr>
+            <a:spLocks noGrp="1"/>
+          </p:cNvSpPr>
+          <p:nvPr>
+            <p:ph idx="1"/>
+          </p:nvPr>
+        </p:nvSpPr>
+        <p:spPr>
+          <a:xfrm>
+            <a:off x="1189608" y="4386720"/>
+            <a:ext cx="10240392" cy="1526582"/>
+          </a:xfrm>
+        </p:spPr>
+        <p:txBody>
+          <a:bodyPr anchor="ctr">
+            <a:normAutofit/>
+          </a:bodyPr>
+          <a:lstStyle/>
+          <a:p>
+            <a:pPr marL="0" indent="0">
+              <a:buNone/>
+            </a:pPr>
+            <a:r>
+              <a:rPr lang="az-Cyrl-AZ" sz="4000" b="1" dirty="0">
+                <a:solidFill>
+                  <a:srgbClr val="FFFFFF"/>
+                </a:solidFill>
+              </a:rPr>
+              <a:t>Компонент</a:t>
+            </a:r>
+          </a:p>
+          <a:p>
+            <a:pPr marL="0" indent="0">
+              <a:buNone/>
+            </a:pPr>
+            <a:r>
+              <a:rPr lang="en-US" sz="4000" b="1" dirty="0" err="1">
+                <a:solidFill>
+                  <a:srgbClr val="FFFFFF"/>
+                </a:solidFill>
+              </a:rPr>
+              <a:t>NavigationView</a:t>
+            </a:r>
+            <a:endParaRPr lang="en-US" sz="4000" b="1" dirty="0">
+              <a:solidFill>
+                <a:srgbClr val="FFFFFF"/>
+              </a:solidFill>
+            </a:endParaRPr>
+          </a:p>
+        </p:txBody>
+      </p:sp>
+      <p:pic>
+        <p:nvPicPr>
+          <p:cNvPr id="7" name="Рисунок 6">
+            <a:extLst>
+              <a:ext uri="{FF2B5EF4-FFF2-40B4-BE49-F238E27FC236}">
+                <a16:creationId xmlns:a16="http://schemas.microsoft.com/office/drawing/2014/main" id="{8D37E119-8319-4D3E-AE56-0BE5A28BAABD}"/>
+              </a:ext>
+            </a:extLst>
+          </p:cNvPr>
+          <p:cNvPicPr>
+            <a:picLocks noChangeAspect="1"/>
+          </p:cNvPicPr>
+          <p:nvPr/>
+        </p:nvPicPr>
+        <p:blipFill>
+          <a:blip r:embed="rId2"/>
+          <a:stretch>
+            <a:fillRect/>
+          </a:stretch>
+        </p:blipFill>
+        <p:spPr>
+          <a:xfrm>
+            <a:off x="864516" y="295038"/>
+            <a:ext cx="2667000" cy="3830666"/>
+          </a:xfrm>
+          <a:prstGeom prst="rect">
+            <a:avLst/>
+          </a:prstGeom>
+        </p:spPr>
+      </p:pic>
+      <p:sp>
+        <p:nvSpPr>
+          <p:cNvPr id="8" name="Прямоугольник 7">
+            <a:extLst>
+              <a:ext uri="{FF2B5EF4-FFF2-40B4-BE49-F238E27FC236}">
+                <a16:creationId xmlns:a16="http://schemas.microsoft.com/office/drawing/2014/main" id="{9232D1C7-3DFF-4ADD-AE83-A469E7620846}"/>
+              </a:ext>
+            </a:extLst>
+          </p:cNvPr>
+          <p:cNvSpPr/>
+          <p:nvPr/>
+        </p:nvSpPr>
+        <p:spPr>
+          <a:xfrm>
+            <a:off x="3600504" y="933694"/>
+            <a:ext cx="8151655" cy="2345322"/>
+          </a:xfrm>
+          <a:prstGeom prst="rect">
+            <a:avLst/>
+          </a:prstGeom>
+        </p:spPr>
+        <p:txBody>
+          <a:bodyPr wrap="none">
+            <a:spAutoFit/>
+          </a:bodyPr>
+          <a:lstStyle/>
+          <a:p>
+            <a:pPr>
+              <a:lnSpc>
+                <a:spcPct val="150000"/>
+              </a:lnSpc>
+            </a:pPr>
+            <a:r>
+              <a:rPr lang="en-US" sz="2000" dirty="0">
+                <a:latin typeface="Times New Roman" panose="02020603050405020304" pitchFamily="18" charset="0"/>
+                <a:cs typeface="Times New Roman" panose="02020603050405020304" pitchFamily="18" charset="0"/>
+              </a:rPr>
+              <a:t>1 </a:t>
+            </a:r>
+            <a:r>
+              <a:rPr lang="az-Cyrl-AZ" sz="2000" dirty="0">
+                <a:latin typeface="Times New Roman" panose="02020603050405020304" pitchFamily="18" charset="0"/>
+                <a:cs typeface="Times New Roman" panose="02020603050405020304" pitchFamily="18" charset="0"/>
+              </a:rPr>
+              <a:t>Реализовать интерфейс активности, содержащую компонент «шторки»</a:t>
+            </a:r>
+          </a:p>
+          <a:p>
+            <a:pPr>
+              <a:lnSpc>
+                <a:spcPct val="150000"/>
+              </a:lnSpc>
+            </a:pPr>
+            <a:r>
+              <a:rPr lang="az-Cyrl-AZ" sz="2000" dirty="0">
+                <a:latin typeface="Times New Roman" panose="02020603050405020304" pitchFamily="18" charset="0"/>
+                <a:cs typeface="Times New Roman" panose="02020603050405020304" pitchFamily="18" charset="0"/>
+              </a:rPr>
+              <a:t> </a:t>
+            </a:r>
+          </a:p>
+          <a:p>
+            <a:pPr>
+              <a:lnSpc>
+                <a:spcPct val="150000"/>
+              </a:lnSpc>
+            </a:pPr>
+            <a:r>
+              <a:rPr lang="en-US" sz="2000" dirty="0">
+                <a:latin typeface="Times New Roman" panose="02020603050405020304" pitchFamily="18" charset="0"/>
+                <a:cs typeface="Times New Roman" panose="02020603050405020304" pitchFamily="18" charset="0"/>
+              </a:rPr>
+              <a:t>2 </a:t>
+            </a:r>
+            <a:r>
+              <a:rPr lang="az-Cyrl-AZ" sz="2000" dirty="0">
+                <a:latin typeface="Times New Roman" panose="02020603050405020304" pitchFamily="18" charset="0"/>
+                <a:cs typeface="Times New Roman" panose="02020603050405020304" pitchFamily="18" charset="0"/>
+              </a:rPr>
+              <a:t>Реализовать интерфейс «шторки»</a:t>
+            </a:r>
+          </a:p>
+          <a:p>
+            <a:pPr>
+              <a:lnSpc>
+                <a:spcPct val="150000"/>
+              </a:lnSpc>
+            </a:pPr>
+            <a:endParaRPr lang="az-Cyrl-AZ" sz="2000" dirty="0">
+              <a:latin typeface="Times New Roman" panose="02020603050405020304" pitchFamily="18" charset="0"/>
+              <a:cs typeface="Times New Roman" panose="02020603050405020304" pitchFamily="18" charset="0"/>
+            </a:endParaRPr>
+          </a:p>
+          <a:p>
+            <a:pPr>
+              <a:lnSpc>
+                <a:spcPct val="150000"/>
+              </a:lnSpc>
+            </a:pPr>
+            <a:r>
+              <a:rPr lang="az-Cyrl-AZ" sz="2000" dirty="0">
+                <a:latin typeface="Times New Roman" panose="02020603050405020304" pitchFamily="18" charset="0"/>
+                <a:cs typeface="Times New Roman" panose="02020603050405020304" pitchFamily="18" charset="0"/>
+              </a:rPr>
+              <a:t>3 Написать код, обрабатывающий выбор пунктов меню «шторки»</a:t>
+            </a:r>
+            <a:endParaRPr lang="ru-RU" sz="2000" dirty="0">
+              <a:latin typeface="Times New Roman" panose="02020603050405020304" pitchFamily="18" charset="0"/>
+              <a:cs typeface="Times New Roman" panose="02020603050405020304" pitchFamily="18" charset="0"/>
+            </a:endParaRPr>
+          </a:p>
+        </p:txBody>
+      </p:sp>
+    </p:spTree>
+    <p:extLst>
+      <p:ext uri="{BB962C8B-B14F-4D97-AF65-F5344CB8AC3E}">
+        <p14:creationId xmlns:p14="http://schemas.microsoft.com/office/powerpoint/2010/main" val="205819252"/>
+      </p:ext>
+    </p:extLst>
+  </p:cSld>
+  <p:clrMapOvr>
+    <a:masterClrMapping/>
+  </p:clrMapOvr>
+</p:sld>
+</file>
+
+<file path=ppt/slides/slide11.xml><?xml version="1.0" encoding="utf-8"?>
+<p:sld xmlns:a="http://schemas.openxmlformats.org/drawingml/2006/main" xmlns:r="http://schemas.openxmlformats.org/officeDocument/2006/relationships" xmlns:p="http://schemas.openxmlformats.org/presentationml/2006/main">
+  <p:cSld>
+    <p:bg>
+      <p:bgPr>
+        <a:solidFill>
+          <a:schemeClr val="bg1"/>
+        </a:solidFill>
+        <a:effectLst/>
+      </p:bgPr>
+    </p:bg>
+    <p:spTree>
+      <p:nvGrpSpPr>
+        <p:cNvPr id="1" name=""/>
+        <p:cNvGrpSpPr/>
+        <p:nvPr/>
+      </p:nvGrpSpPr>
+      <p:grpSpPr>
+        <a:xfrm>
+          <a:off x="0" y="0"/>
+          <a:ext cx="0" cy="0"/>
+          <a:chOff x="0" y="0"/>
+          <a:chExt cx="0" cy="0"/>
+        </a:xfrm>
+      </p:grpSpPr>
+      <p:sp useBgFill="1">
+        <p:nvSpPr>
+          <p:cNvPr id="78" name="Rectangle 77">
+            <a:extLst>
+              <a:ext uri="{FF2B5EF4-FFF2-40B4-BE49-F238E27FC236}">
+                <a16:creationId xmlns:a16="http://schemas.microsoft.com/office/drawing/2014/main" id="{A35CBD63-8F8F-47DC-9CE7-159E6161D872}"/>
+              </a:ext>
+              <a:ext uri="{C183D7F6-B498-43B3-948B-1728B52AA6E4}">
+                <adec:decorative xmlns:adec="http://schemas.microsoft.com/office/drawing/2017/decorative" val="1"/>
+              </a:ext>
+            </a:extLst>
+          </p:cNvPr>
+          <p:cNvSpPr>
+            <a:spLocks noGrp="1" noRot="1" noChangeAspect="1" noMove="1" noResize="1" noEditPoints="1" noAdjustHandles="1" noChangeArrowheads="1" noChangeShapeType="1" noTextEdit="1"/>
+          </p:cNvSpPr>
+          <p:nvPr>
+            <p:extLst>
+              <p:ext uri="{386F3935-93C4-4BCD-93E2-E3B085C9AB24}">
+                <p16:designElem xmlns:p16="http://schemas.microsoft.com/office/powerpoint/2015/main" val="1"/>
+              </p:ext>
+            </p:extLst>
+          </p:nvPr>
+        </p:nvSpPr>
+        <p:spPr>
+          <a:xfrm>
+            <a:off x="0" y="0"/>
+            <a:ext cx="12192000" cy="6858000"/>
+          </a:xfrm>
+          <a:prstGeom prst="rect">
+            <a:avLst/>
+          </a:prstGeom>
+          <a:ln>
+            <a:noFill/>
+          </a:ln>
+        </p:spPr>
+        <p:style>
+          <a:lnRef idx="2">
+            <a:schemeClr val="accent1">
+              <a:shade val="50000"/>
+            </a:schemeClr>
+          </a:lnRef>
+          <a:fillRef idx="1">
+            <a:schemeClr val="accent1"/>
+          </a:fillRef>
+          <a:effectRef idx="0">
+            <a:schemeClr val="accent1"/>
+          </a:effectRef>
+          <a:fontRef idx="minor">
+            <a:schemeClr val="lt1"/>
+          </a:fontRef>
+        </p:style>
+        <p:txBody>
+          <a:bodyPr rtlCol="0" anchor="ctr"/>
+          <a:lstStyle/>
+          <a:p>
+            <a:pPr algn="ctr"/>
+            <a:endParaRPr lang="en-US"/>
+          </a:p>
+        </p:txBody>
+      </p:sp>
+      <p:sp>
+        <p:nvSpPr>
+          <p:cNvPr id="80" name="Rectangle 79">
+            <a:extLst>
+              <a:ext uri="{FF2B5EF4-FFF2-40B4-BE49-F238E27FC236}">
+                <a16:creationId xmlns:a16="http://schemas.microsoft.com/office/drawing/2014/main" id="{CA0E3486-FD49-4921-B4F4-E5BB5C88AC79}"/>
+              </a:ext>
+              <a:ext uri="{C183D7F6-B498-43B3-948B-1728B52AA6E4}">
+                <adec:decorative xmlns:adec="http://schemas.microsoft.com/office/drawing/2017/decorative" val="1"/>
+              </a:ext>
+            </a:extLst>
+          </p:cNvPr>
+          <p:cNvSpPr>
+            <a:spLocks noGrp="1" noRot="1" noChangeAspect="1" noMove="1" noResize="1" noEditPoints="1" noAdjustHandles="1" noChangeArrowheads="1" noChangeShapeType="1" noTextEdit="1"/>
+          </p:cNvSpPr>
+          <p:nvPr>
+            <p:extLst>
+              <p:ext uri="{386F3935-93C4-4BCD-93E2-E3B085C9AB24}">
+                <p16:designElem xmlns:p16="http://schemas.microsoft.com/office/powerpoint/2015/main" val="1"/>
+              </p:ext>
+            </p:extLst>
+          </p:nvPr>
+        </p:nvSpPr>
+        <p:spPr>
+          <a:xfrm>
+            <a:off x="-1" y="758953"/>
+            <a:ext cx="3577575" cy="5330952"/>
+          </a:xfrm>
+          <a:prstGeom prst="rect">
+            <a:avLst/>
+          </a:prstGeom>
+          <a:solidFill>
+            <a:schemeClr val="accent1"/>
+          </a:solidFill>
+          <a:ln>
+            <a:noFill/>
+          </a:ln>
+        </p:spPr>
+        <p:style>
+          <a:lnRef idx="2">
+            <a:schemeClr val="accent1">
+              <a:shade val="50000"/>
+            </a:schemeClr>
+          </a:lnRef>
+          <a:fillRef idx="1">
+            <a:schemeClr val="accent1"/>
+          </a:fillRef>
+          <a:effectRef idx="0">
+            <a:schemeClr val="accent1"/>
+          </a:effectRef>
+          <a:fontRef idx="minor">
+            <a:schemeClr val="lt1"/>
+          </a:fontRef>
+        </p:style>
+      </p:sp>
+      <p:sp>
+        <p:nvSpPr>
+          <p:cNvPr id="1030" name="Content Placeholder 1029">
+            <a:extLst>
+              <a:ext uri="{FF2B5EF4-FFF2-40B4-BE49-F238E27FC236}">
+                <a16:creationId xmlns:a16="http://schemas.microsoft.com/office/drawing/2014/main" id="{6B850C18-2FCB-4A2C-B8BE-915BD9E63334}"/>
+              </a:ext>
+            </a:extLst>
+          </p:cNvPr>
+          <p:cNvSpPr>
+            <a:spLocks noGrp="1"/>
+          </p:cNvSpPr>
+          <p:nvPr>
+            <p:ph idx="1"/>
+          </p:nvPr>
+        </p:nvSpPr>
+        <p:spPr>
+          <a:xfrm>
+            <a:off x="106533" y="2179770"/>
+            <a:ext cx="3382392" cy="3744264"/>
+          </a:xfrm>
+        </p:spPr>
+        <p:txBody>
+          <a:bodyPr anchor="t">
+            <a:normAutofit/>
+          </a:bodyPr>
+          <a:lstStyle/>
+          <a:p>
+            <a:pPr marL="0" indent="0">
+              <a:buNone/>
+            </a:pPr>
+            <a:r>
+              <a:rPr lang="az-Cyrl-AZ" sz="3600" b="1" dirty="0">
+                <a:solidFill>
+                  <a:srgbClr val="FFFFFF"/>
+                </a:solidFill>
+              </a:rPr>
+              <a:t>Интерфейс активности</a:t>
+            </a:r>
+            <a:endParaRPr lang="en-US" sz="3600" b="1" dirty="0">
+              <a:solidFill>
+                <a:srgbClr val="FFFFFF"/>
+              </a:solidFill>
+            </a:endParaRPr>
+          </a:p>
+        </p:txBody>
+      </p:sp>
+      <p:sp>
+        <p:nvSpPr>
+          <p:cNvPr id="82" name="Rectangle 81">
+            <a:extLst>
+              <a:ext uri="{FF2B5EF4-FFF2-40B4-BE49-F238E27FC236}">
+                <a16:creationId xmlns:a16="http://schemas.microsoft.com/office/drawing/2014/main" id="{83B4A72C-2924-4CE2-8674-7E02E182ED6D}"/>
+              </a:ext>
+              <a:ext uri="{C183D7F6-B498-43B3-948B-1728B52AA6E4}">
+                <adec:decorative xmlns:adec="http://schemas.microsoft.com/office/drawing/2017/decorative" val="1"/>
+              </a:ext>
+            </a:extLst>
+          </p:cNvPr>
+          <p:cNvSpPr>
+            <a:spLocks noGrp="1" noRot="1" noChangeAspect="1" noMove="1" noResize="1" noEditPoints="1" noAdjustHandles="1" noChangeArrowheads="1" noChangeShapeType="1" noTextEdit="1"/>
+          </p:cNvSpPr>
+          <p:nvPr>
+            <p:extLst>
+              <p:ext uri="{386F3935-93C4-4BCD-93E2-E3B085C9AB24}">
+                <p16:designElem xmlns:p16="http://schemas.microsoft.com/office/powerpoint/2015/main" val="1"/>
+              </p:ext>
+            </p:extLst>
+          </p:nvPr>
+        </p:nvSpPr>
+        <p:spPr>
+          <a:xfrm>
+            <a:off x="11815864" y="758952"/>
+            <a:ext cx="384048" cy="5330952"/>
+          </a:xfrm>
+          <a:prstGeom prst="rect">
+            <a:avLst/>
+          </a:prstGeom>
+          <a:solidFill>
+            <a:srgbClr val="C8C8C8">
+              <a:alpha val="49804"/>
+            </a:srgbClr>
+          </a:solidFill>
+          <a:ln>
+            <a:noFill/>
+          </a:ln>
+        </p:spPr>
+        <p:style>
+          <a:lnRef idx="2">
+            <a:schemeClr val="accent1">
+              <a:shade val="50000"/>
+            </a:schemeClr>
+          </a:lnRef>
+          <a:fillRef idx="1">
+            <a:schemeClr val="accent1"/>
+          </a:fillRef>
+          <a:effectRef idx="0">
+            <a:schemeClr val="accent1"/>
+          </a:effectRef>
+          <a:fontRef idx="minor">
+            <a:schemeClr val="lt1"/>
+          </a:fontRef>
+        </p:style>
+      </p:sp>
+      <p:sp>
+        <p:nvSpPr>
+          <p:cNvPr id="11" name="Прямоугольник 10">
+            <a:extLst>
+              <a:ext uri="{FF2B5EF4-FFF2-40B4-BE49-F238E27FC236}">
+                <a16:creationId xmlns:a16="http://schemas.microsoft.com/office/drawing/2014/main" id="{7A84073B-3D9B-4B19-8C11-92FC8E0146B9}"/>
+              </a:ext>
+            </a:extLst>
+          </p:cNvPr>
+          <p:cNvSpPr/>
+          <p:nvPr/>
+        </p:nvSpPr>
+        <p:spPr>
+          <a:xfrm>
+            <a:off x="3846301" y="792938"/>
+            <a:ext cx="7969563" cy="5262979"/>
+          </a:xfrm>
+          <a:prstGeom prst="rect">
+            <a:avLst/>
+          </a:prstGeom>
+        </p:spPr>
+        <p:txBody>
+          <a:bodyPr wrap="square">
+            <a:spAutoFit/>
+          </a:bodyPr>
+          <a:lstStyle/>
+          <a:p>
+            <a:pPr lvl="0" defTabSz="914400" eaLnBrk="0" fontAlgn="base" hangingPunct="0">
+              <a:spcBef>
+                <a:spcPct val="0"/>
+              </a:spcBef>
+              <a:spcAft>
+                <a:spcPct val="0"/>
+              </a:spcAft>
+            </a:pPr>
+            <a:r>
+              <a:rPr lang="ru-RU" altLang="ru-RU" sz="1600" b="1" dirty="0">
+                <a:solidFill>
+                  <a:schemeClr val="accent1">
+                    <a:lumMod val="50000"/>
+                  </a:schemeClr>
+                </a:solidFill>
+                <a:latin typeface="Times New Roman" panose="02020603050405020304" pitchFamily="18" charset="0"/>
+                <a:cs typeface="Times New Roman" panose="02020603050405020304" pitchFamily="18" charset="0"/>
+              </a:rPr>
+              <a:t>//Используем контейнер </a:t>
+            </a:r>
+            <a:r>
+              <a:rPr lang="ru-RU" altLang="ru-RU" sz="1600" b="1" dirty="0" err="1">
+                <a:solidFill>
+                  <a:schemeClr val="accent1">
+                    <a:lumMod val="50000"/>
+                  </a:schemeClr>
+                </a:solidFill>
+                <a:latin typeface="Times New Roman" panose="02020603050405020304" pitchFamily="18" charset="0"/>
+                <a:cs typeface="Times New Roman" panose="02020603050405020304" pitchFamily="18" charset="0"/>
+              </a:rPr>
+              <a:t>DrawerLayout</a:t>
+            </a:r>
+            <a:endParaRPr lang="ru-RU" altLang="ru-RU" sz="1600" b="1" dirty="0">
+              <a:solidFill>
+                <a:schemeClr val="accent1">
+                  <a:lumMod val="50000"/>
+                </a:schemeClr>
+              </a:solidFill>
+              <a:latin typeface="Times New Roman" panose="02020603050405020304" pitchFamily="18" charset="0"/>
+              <a:cs typeface="Times New Roman" panose="02020603050405020304" pitchFamily="18" charset="0"/>
+            </a:endParaRPr>
+          </a:p>
+          <a:p>
+            <a:pPr lvl="0" defTabSz="914400" eaLnBrk="0" fontAlgn="base" hangingPunct="0">
+              <a:spcBef>
+                <a:spcPct val="0"/>
+              </a:spcBef>
+              <a:spcAft>
+                <a:spcPct val="0"/>
+              </a:spcAft>
+            </a:pPr>
+            <a:r>
+              <a:rPr lang="ru-RU" altLang="ru-RU" sz="1600" dirty="0">
+                <a:solidFill>
+                  <a:srgbClr val="080808"/>
+                </a:solidFill>
+                <a:latin typeface="Times New Roman" panose="02020603050405020304" pitchFamily="18" charset="0"/>
+                <a:cs typeface="Times New Roman" panose="02020603050405020304" pitchFamily="18" charset="0"/>
+              </a:rPr>
+              <a:t>&lt;</a:t>
+            </a:r>
+            <a:r>
+              <a:rPr lang="ru-RU" altLang="ru-RU" sz="1600" dirty="0" err="1">
+                <a:solidFill>
+                  <a:srgbClr val="0033B3"/>
+                </a:solidFill>
+                <a:latin typeface="Times New Roman" panose="02020603050405020304" pitchFamily="18" charset="0"/>
+                <a:cs typeface="Times New Roman" panose="02020603050405020304" pitchFamily="18" charset="0"/>
+              </a:rPr>
+              <a:t>androidx.drawerlayout.widget.DrawerLayout</a:t>
+            </a:r>
+            <a:endParaRPr lang="ru-RU" altLang="ru-RU" sz="1600" dirty="0">
+              <a:solidFill>
+                <a:srgbClr val="0033B3"/>
+              </a:solidFill>
+              <a:latin typeface="Times New Roman" panose="02020603050405020304" pitchFamily="18" charset="0"/>
+              <a:cs typeface="Times New Roman" panose="02020603050405020304" pitchFamily="18" charset="0"/>
+            </a:endParaRPr>
+          </a:p>
+          <a:p>
+            <a:pPr lvl="0" defTabSz="914400" eaLnBrk="0" fontAlgn="base" hangingPunct="0">
+              <a:spcBef>
+                <a:spcPct val="0"/>
+              </a:spcBef>
+              <a:spcAft>
+                <a:spcPct val="0"/>
+              </a:spcAft>
+            </a:pPr>
+            <a:r>
+              <a:rPr lang="ru-RU" altLang="ru-RU" sz="1600" dirty="0">
+                <a:solidFill>
+                  <a:srgbClr val="0033B3"/>
+                </a:solidFill>
+                <a:latin typeface="Times New Roman" panose="02020603050405020304" pitchFamily="18" charset="0"/>
+                <a:cs typeface="Times New Roman" panose="02020603050405020304" pitchFamily="18" charset="0"/>
+              </a:rPr>
+              <a:t>		…</a:t>
+            </a:r>
+          </a:p>
+          <a:p>
+            <a:pPr lvl="0" defTabSz="914400" eaLnBrk="0" fontAlgn="base" hangingPunct="0">
+              <a:spcBef>
+                <a:spcPct val="0"/>
+              </a:spcBef>
+              <a:spcAft>
+                <a:spcPct val="0"/>
+              </a:spcAft>
+            </a:pPr>
+            <a:r>
+              <a:rPr lang="ru-RU" altLang="ru-RU" sz="1600" dirty="0">
+                <a:solidFill>
+                  <a:srgbClr val="080808"/>
+                </a:solidFill>
+                <a:latin typeface="Times New Roman" panose="02020603050405020304" pitchFamily="18" charset="0"/>
+                <a:cs typeface="Times New Roman" panose="02020603050405020304" pitchFamily="18" charset="0"/>
+              </a:rPr>
+              <a:t>&gt;</a:t>
+            </a:r>
+            <a:br>
+              <a:rPr lang="ru-RU" altLang="ru-RU" sz="1600" dirty="0">
+                <a:solidFill>
+                  <a:srgbClr val="080808"/>
+                </a:solidFill>
+                <a:latin typeface="Times New Roman" panose="02020603050405020304" pitchFamily="18" charset="0"/>
+                <a:cs typeface="Times New Roman" panose="02020603050405020304" pitchFamily="18" charset="0"/>
+              </a:rPr>
+            </a:br>
+            <a:endParaRPr lang="ru-RU" altLang="ru-RU" sz="1600" dirty="0">
+              <a:solidFill>
+                <a:srgbClr val="080808"/>
+              </a:solidFill>
+              <a:latin typeface="Times New Roman" panose="02020603050405020304" pitchFamily="18" charset="0"/>
+              <a:cs typeface="Times New Roman" panose="02020603050405020304" pitchFamily="18" charset="0"/>
+            </a:endParaRPr>
+          </a:p>
+          <a:p>
+            <a:pPr lvl="0" defTabSz="914400" eaLnBrk="0" fontAlgn="base" hangingPunct="0">
+              <a:spcBef>
+                <a:spcPct val="0"/>
+              </a:spcBef>
+              <a:spcAft>
+                <a:spcPct val="0"/>
+              </a:spcAft>
+            </a:pPr>
+            <a:r>
+              <a:rPr lang="ru-RU" altLang="ru-RU" sz="1600" dirty="0">
+                <a:solidFill>
+                  <a:srgbClr val="080808"/>
+                </a:solidFill>
+                <a:latin typeface="Times New Roman" panose="02020603050405020304" pitchFamily="18" charset="0"/>
+                <a:cs typeface="Times New Roman" panose="02020603050405020304" pitchFamily="18" charset="0"/>
+              </a:rPr>
+              <a:t>    </a:t>
+            </a:r>
+            <a:r>
+              <a:rPr lang="ru-RU" altLang="ru-RU" sz="1600" b="1" dirty="0">
+                <a:solidFill>
+                  <a:schemeClr val="accent1">
+                    <a:lumMod val="50000"/>
+                  </a:schemeClr>
+                </a:solidFill>
+                <a:latin typeface="Times New Roman" panose="02020603050405020304" pitchFamily="18" charset="0"/>
+                <a:cs typeface="Times New Roman" panose="02020603050405020304" pitchFamily="18" charset="0"/>
+              </a:rPr>
+              <a:t>//Создаем основной интерфейс активности</a:t>
+            </a:r>
+            <a:br>
+              <a:rPr lang="ru-RU" altLang="ru-RU" sz="1600" dirty="0">
+                <a:solidFill>
+                  <a:srgbClr val="080808"/>
+                </a:solidFill>
+                <a:latin typeface="Times New Roman" panose="02020603050405020304" pitchFamily="18" charset="0"/>
+                <a:cs typeface="Times New Roman" panose="02020603050405020304" pitchFamily="18" charset="0"/>
+              </a:rPr>
+            </a:br>
+            <a:r>
+              <a:rPr lang="ru-RU" altLang="ru-RU" sz="1600" dirty="0">
+                <a:solidFill>
+                  <a:srgbClr val="080808"/>
+                </a:solidFill>
+                <a:latin typeface="Times New Roman" panose="02020603050405020304" pitchFamily="18" charset="0"/>
+                <a:cs typeface="Times New Roman" panose="02020603050405020304" pitchFamily="18" charset="0"/>
+              </a:rPr>
+              <a:t>    &lt;</a:t>
+            </a:r>
+            <a:r>
+              <a:rPr lang="ru-RU" altLang="ru-RU" sz="1600" dirty="0" err="1">
+                <a:solidFill>
+                  <a:srgbClr val="0033B3"/>
+                </a:solidFill>
+                <a:latin typeface="Times New Roman" panose="02020603050405020304" pitchFamily="18" charset="0"/>
+                <a:cs typeface="Times New Roman" panose="02020603050405020304" pitchFamily="18" charset="0"/>
+              </a:rPr>
+              <a:t>LinearLayout</a:t>
+            </a:r>
+            <a:br>
+              <a:rPr lang="ru-RU" altLang="ru-RU" sz="1600" dirty="0">
+                <a:solidFill>
+                  <a:srgbClr val="0033B3"/>
+                </a:solidFill>
+                <a:latin typeface="Times New Roman" panose="02020603050405020304" pitchFamily="18" charset="0"/>
+                <a:cs typeface="Times New Roman" panose="02020603050405020304" pitchFamily="18" charset="0"/>
+              </a:rPr>
+            </a:br>
+            <a:r>
+              <a:rPr lang="ru-RU" altLang="ru-RU" sz="1600" dirty="0">
+                <a:solidFill>
+                  <a:srgbClr val="0033B3"/>
+                </a:solidFill>
+                <a:latin typeface="Times New Roman" panose="02020603050405020304" pitchFamily="18" charset="0"/>
+                <a:cs typeface="Times New Roman" panose="02020603050405020304" pitchFamily="18" charset="0"/>
+              </a:rPr>
+              <a:t>	…</a:t>
+            </a:r>
+          </a:p>
+          <a:p>
+            <a:pPr lvl="0" defTabSz="914400" eaLnBrk="0" fontAlgn="base" hangingPunct="0">
+              <a:spcBef>
+                <a:spcPct val="0"/>
+              </a:spcBef>
+              <a:spcAft>
+                <a:spcPct val="0"/>
+              </a:spcAft>
+            </a:pPr>
+            <a:r>
+              <a:rPr lang="ru-RU" altLang="ru-RU" sz="1600" dirty="0">
+                <a:solidFill>
+                  <a:srgbClr val="0033B3"/>
+                </a:solidFill>
+                <a:latin typeface="Times New Roman" panose="02020603050405020304" pitchFamily="18" charset="0"/>
+                <a:cs typeface="Times New Roman" panose="02020603050405020304" pitchFamily="18" charset="0"/>
+              </a:rPr>
+              <a:t>   </a:t>
+            </a:r>
+            <a:r>
+              <a:rPr lang="ru-RU" altLang="ru-RU" sz="1600" dirty="0">
+                <a:solidFill>
+                  <a:srgbClr val="080808"/>
+                </a:solidFill>
+                <a:latin typeface="Times New Roman" panose="02020603050405020304" pitchFamily="18" charset="0"/>
+                <a:cs typeface="Times New Roman" panose="02020603050405020304" pitchFamily="18" charset="0"/>
+              </a:rPr>
+              <a:t>&lt;/</a:t>
+            </a:r>
+            <a:r>
+              <a:rPr lang="ru-RU" altLang="ru-RU" sz="1600" dirty="0" err="1">
+                <a:solidFill>
+                  <a:srgbClr val="0033B3"/>
+                </a:solidFill>
+                <a:latin typeface="Times New Roman" panose="02020603050405020304" pitchFamily="18" charset="0"/>
+                <a:cs typeface="Times New Roman" panose="02020603050405020304" pitchFamily="18" charset="0"/>
+              </a:rPr>
+              <a:t>LinearLayout</a:t>
+            </a:r>
+            <a:r>
+              <a:rPr lang="ru-RU" altLang="ru-RU" sz="1600" dirty="0">
+                <a:solidFill>
+                  <a:srgbClr val="080808"/>
+                </a:solidFill>
+                <a:latin typeface="Times New Roman" panose="02020603050405020304" pitchFamily="18" charset="0"/>
+                <a:cs typeface="Times New Roman" panose="02020603050405020304" pitchFamily="18" charset="0"/>
+              </a:rPr>
+              <a:t>&gt;</a:t>
+            </a:r>
+            <a:br>
+              <a:rPr lang="ru-RU" altLang="ru-RU" sz="1600" dirty="0">
+                <a:solidFill>
+                  <a:srgbClr val="080808"/>
+                </a:solidFill>
+                <a:latin typeface="Times New Roman" panose="02020603050405020304" pitchFamily="18" charset="0"/>
+                <a:cs typeface="Times New Roman" panose="02020603050405020304" pitchFamily="18" charset="0"/>
+              </a:rPr>
+            </a:br>
+            <a:endParaRPr lang="ru-RU" altLang="ru-RU" sz="1600" dirty="0">
+              <a:solidFill>
+                <a:srgbClr val="080808"/>
+              </a:solidFill>
+              <a:latin typeface="Times New Roman" panose="02020603050405020304" pitchFamily="18" charset="0"/>
+              <a:cs typeface="Times New Roman" panose="02020603050405020304" pitchFamily="18" charset="0"/>
+            </a:endParaRPr>
+          </a:p>
+          <a:p>
+            <a:pPr lvl="0" defTabSz="914400" eaLnBrk="0" fontAlgn="base" hangingPunct="0">
+              <a:spcBef>
+                <a:spcPct val="0"/>
+              </a:spcBef>
+              <a:spcAft>
+                <a:spcPct val="0"/>
+              </a:spcAft>
+            </a:pPr>
+            <a:r>
+              <a:rPr lang="ru-RU" altLang="ru-RU" sz="1600" dirty="0">
+                <a:solidFill>
+                  <a:srgbClr val="080808"/>
+                </a:solidFill>
+                <a:latin typeface="Times New Roman" panose="02020603050405020304" pitchFamily="18" charset="0"/>
+                <a:cs typeface="Times New Roman" panose="02020603050405020304" pitchFamily="18" charset="0"/>
+              </a:rPr>
+              <a:t>   </a:t>
+            </a:r>
+          </a:p>
+          <a:p>
+            <a:pPr lvl="0" defTabSz="914400" eaLnBrk="0" fontAlgn="base" hangingPunct="0">
+              <a:spcBef>
+                <a:spcPct val="0"/>
+              </a:spcBef>
+              <a:spcAft>
+                <a:spcPct val="0"/>
+              </a:spcAft>
+            </a:pPr>
+            <a:r>
+              <a:rPr lang="ru-RU" altLang="ru-RU" sz="1600" dirty="0">
+                <a:solidFill>
+                  <a:srgbClr val="080808"/>
+                </a:solidFill>
+                <a:latin typeface="Times New Roman" panose="02020603050405020304" pitchFamily="18" charset="0"/>
+                <a:cs typeface="Times New Roman" panose="02020603050405020304" pitchFamily="18" charset="0"/>
+              </a:rPr>
+              <a:t>    </a:t>
+            </a:r>
+            <a:r>
+              <a:rPr lang="ru-RU" altLang="ru-RU" sz="1600" b="1" dirty="0">
+                <a:solidFill>
+                  <a:schemeClr val="accent1">
+                    <a:lumMod val="50000"/>
+                  </a:schemeClr>
+                </a:solidFill>
+                <a:latin typeface="Times New Roman" panose="02020603050405020304" pitchFamily="18" charset="0"/>
+                <a:cs typeface="Times New Roman" panose="02020603050405020304" pitchFamily="18" charset="0"/>
+              </a:rPr>
+              <a:t>//Создаем компонент «шторки»</a:t>
+            </a:r>
+            <a:br>
+              <a:rPr lang="ru-RU" altLang="ru-RU" sz="1600" b="1" dirty="0">
+                <a:solidFill>
+                  <a:srgbClr val="080808"/>
+                </a:solidFill>
+                <a:latin typeface="Times New Roman" panose="02020603050405020304" pitchFamily="18" charset="0"/>
+                <a:cs typeface="Times New Roman" panose="02020603050405020304" pitchFamily="18" charset="0"/>
+              </a:rPr>
+            </a:br>
+            <a:r>
+              <a:rPr lang="ru-RU" altLang="ru-RU" sz="1600" dirty="0">
+                <a:solidFill>
+                  <a:srgbClr val="080808"/>
+                </a:solidFill>
+                <a:latin typeface="Times New Roman" panose="02020603050405020304" pitchFamily="18" charset="0"/>
+                <a:cs typeface="Times New Roman" panose="02020603050405020304" pitchFamily="18" charset="0"/>
+              </a:rPr>
+              <a:t>    &lt;</a:t>
+            </a:r>
+            <a:r>
+              <a:rPr lang="ru-RU" altLang="ru-RU" sz="1600" dirty="0" err="1">
+                <a:solidFill>
+                  <a:srgbClr val="0033B3"/>
+                </a:solidFill>
+                <a:latin typeface="Times New Roman" panose="02020603050405020304" pitchFamily="18" charset="0"/>
+                <a:cs typeface="Times New Roman" panose="02020603050405020304" pitchFamily="18" charset="0"/>
+              </a:rPr>
+              <a:t>com.google.android.material.navigation.NavigationView</a:t>
+            </a:r>
+            <a:br>
+              <a:rPr lang="ru-RU" altLang="ru-RU" sz="1600" dirty="0">
+                <a:solidFill>
+                  <a:srgbClr val="0033B3"/>
+                </a:solidFill>
+                <a:latin typeface="Times New Roman" panose="02020603050405020304" pitchFamily="18" charset="0"/>
+                <a:cs typeface="Times New Roman" panose="02020603050405020304" pitchFamily="18" charset="0"/>
+              </a:rPr>
+            </a:br>
+            <a:r>
+              <a:rPr lang="ru-RU" altLang="ru-RU" sz="1600" dirty="0">
+                <a:solidFill>
+                  <a:srgbClr val="0033B3"/>
+                </a:solidFill>
+                <a:latin typeface="Times New Roman" panose="02020603050405020304" pitchFamily="18" charset="0"/>
+                <a:cs typeface="Times New Roman" panose="02020603050405020304" pitchFamily="18" charset="0"/>
+              </a:rPr>
+              <a:t>        </a:t>
+            </a:r>
+            <a:r>
+              <a:rPr lang="ru-RU" altLang="ru-RU" sz="1600" dirty="0" err="1">
+                <a:solidFill>
+                  <a:srgbClr val="871094"/>
+                </a:solidFill>
+                <a:latin typeface="Times New Roman" panose="02020603050405020304" pitchFamily="18" charset="0"/>
+                <a:cs typeface="Times New Roman" panose="02020603050405020304" pitchFamily="18" charset="0"/>
+              </a:rPr>
+              <a:t>android</a:t>
+            </a:r>
+            <a:r>
+              <a:rPr lang="ru-RU" altLang="ru-RU" sz="1600" dirty="0" err="1">
+                <a:solidFill>
+                  <a:srgbClr val="174AD4"/>
+                </a:solidFill>
+                <a:latin typeface="Times New Roman" panose="02020603050405020304" pitchFamily="18" charset="0"/>
+                <a:cs typeface="Times New Roman" panose="02020603050405020304" pitchFamily="18" charset="0"/>
+              </a:rPr>
+              <a:t>:id</a:t>
+            </a:r>
+            <a:r>
+              <a:rPr lang="ru-RU" altLang="ru-RU" sz="1600" dirty="0">
+                <a:solidFill>
+                  <a:srgbClr val="067D17"/>
+                </a:solidFill>
+                <a:latin typeface="Times New Roman" panose="02020603050405020304" pitchFamily="18" charset="0"/>
+                <a:cs typeface="Times New Roman" panose="02020603050405020304" pitchFamily="18" charset="0"/>
+              </a:rPr>
+              <a:t>="@+</a:t>
+            </a:r>
+            <a:r>
+              <a:rPr lang="ru-RU" altLang="ru-RU" sz="1600" dirty="0" err="1">
+                <a:solidFill>
+                  <a:srgbClr val="067D17"/>
+                </a:solidFill>
+                <a:latin typeface="Times New Roman" panose="02020603050405020304" pitchFamily="18" charset="0"/>
+                <a:cs typeface="Times New Roman" panose="02020603050405020304" pitchFamily="18" charset="0"/>
+              </a:rPr>
+              <a:t>id</a:t>
+            </a:r>
+            <a:r>
+              <a:rPr lang="ru-RU" altLang="ru-RU" sz="1600" dirty="0">
+                <a:solidFill>
+                  <a:srgbClr val="067D17"/>
+                </a:solidFill>
+                <a:latin typeface="Times New Roman" panose="02020603050405020304" pitchFamily="18" charset="0"/>
+                <a:cs typeface="Times New Roman" panose="02020603050405020304" pitchFamily="18" charset="0"/>
+              </a:rPr>
+              <a:t>/</a:t>
+            </a:r>
+            <a:r>
+              <a:rPr lang="ru-RU" altLang="ru-RU" sz="1600" dirty="0" err="1">
+                <a:solidFill>
+                  <a:srgbClr val="067D17"/>
+                </a:solidFill>
+                <a:latin typeface="Times New Roman" panose="02020603050405020304" pitchFamily="18" charset="0"/>
+                <a:cs typeface="Times New Roman" panose="02020603050405020304" pitchFamily="18" charset="0"/>
+              </a:rPr>
+              <a:t>nav_view</a:t>
+            </a:r>
+            <a:r>
+              <a:rPr lang="ru-RU" altLang="ru-RU" sz="1600" dirty="0">
+                <a:solidFill>
+                  <a:srgbClr val="067D17"/>
+                </a:solidFill>
+                <a:latin typeface="Times New Roman" panose="02020603050405020304" pitchFamily="18" charset="0"/>
+                <a:cs typeface="Times New Roman" panose="02020603050405020304" pitchFamily="18" charset="0"/>
+              </a:rPr>
+              <a:t>"</a:t>
+            </a:r>
+            <a:br>
+              <a:rPr lang="ru-RU" altLang="ru-RU" sz="1600" dirty="0">
+                <a:solidFill>
+                  <a:srgbClr val="067D17"/>
+                </a:solidFill>
+                <a:latin typeface="Times New Roman" panose="02020603050405020304" pitchFamily="18" charset="0"/>
+                <a:cs typeface="Times New Roman" panose="02020603050405020304" pitchFamily="18" charset="0"/>
+              </a:rPr>
+            </a:br>
+            <a:r>
+              <a:rPr lang="ru-RU" altLang="ru-RU" sz="1600" dirty="0">
+                <a:solidFill>
+                  <a:srgbClr val="067D17"/>
+                </a:solidFill>
+                <a:latin typeface="Times New Roman" panose="02020603050405020304" pitchFamily="18" charset="0"/>
+                <a:cs typeface="Times New Roman" panose="02020603050405020304" pitchFamily="18" charset="0"/>
+              </a:rPr>
+              <a:t>        </a:t>
+            </a:r>
+            <a:r>
+              <a:rPr lang="ru-RU" altLang="ru-RU" sz="1600" dirty="0" err="1">
+                <a:solidFill>
+                  <a:srgbClr val="871094"/>
+                </a:solidFill>
+                <a:latin typeface="Times New Roman" panose="02020603050405020304" pitchFamily="18" charset="0"/>
+                <a:cs typeface="Times New Roman" panose="02020603050405020304" pitchFamily="18" charset="0"/>
+              </a:rPr>
+              <a:t>android</a:t>
+            </a:r>
+            <a:r>
+              <a:rPr lang="ru-RU" altLang="ru-RU" sz="1600" dirty="0" err="1">
+                <a:solidFill>
+                  <a:srgbClr val="174AD4"/>
+                </a:solidFill>
+                <a:latin typeface="Times New Roman" panose="02020603050405020304" pitchFamily="18" charset="0"/>
+                <a:cs typeface="Times New Roman" panose="02020603050405020304" pitchFamily="18" charset="0"/>
+              </a:rPr>
+              <a:t>:layout_width</a:t>
+            </a:r>
+            <a:r>
+              <a:rPr lang="ru-RU" altLang="ru-RU" sz="1600" dirty="0">
+                <a:solidFill>
+                  <a:srgbClr val="067D17"/>
+                </a:solidFill>
+                <a:latin typeface="Times New Roman" panose="02020603050405020304" pitchFamily="18" charset="0"/>
+                <a:cs typeface="Times New Roman" panose="02020603050405020304" pitchFamily="18" charset="0"/>
+              </a:rPr>
+              <a:t>="</a:t>
+            </a:r>
+            <a:r>
+              <a:rPr lang="ru-RU" altLang="ru-RU" sz="1600" dirty="0" err="1">
+                <a:solidFill>
+                  <a:srgbClr val="067D17"/>
+                </a:solidFill>
+                <a:latin typeface="Times New Roman" panose="02020603050405020304" pitchFamily="18" charset="0"/>
+                <a:cs typeface="Times New Roman" panose="02020603050405020304" pitchFamily="18" charset="0"/>
+              </a:rPr>
+              <a:t>wrap_content</a:t>
+            </a:r>
+            <a:r>
+              <a:rPr lang="ru-RU" altLang="ru-RU" sz="1600" dirty="0">
+                <a:solidFill>
+                  <a:srgbClr val="067D17"/>
+                </a:solidFill>
+                <a:latin typeface="Times New Roman" panose="02020603050405020304" pitchFamily="18" charset="0"/>
+                <a:cs typeface="Times New Roman" panose="02020603050405020304" pitchFamily="18" charset="0"/>
+              </a:rPr>
+              <a:t>"</a:t>
+            </a:r>
+            <a:br>
+              <a:rPr lang="ru-RU" altLang="ru-RU" sz="1600" dirty="0">
+                <a:solidFill>
+                  <a:srgbClr val="067D17"/>
+                </a:solidFill>
+                <a:latin typeface="Times New Roman" panose="02020603050405020304" pitchFamily="18" charset="0"/>
+                <a:cs typeface="Times New Roman" panose="02020603050405020304" pitchFamily="18" charset="0"/>
+              </a:rPr>
+            </a:br>
+            <a:r>
+              <a:rPr lang="ru-RU" altLang="ru-RU" sz="1600" dirty="0">
+                <a:solidFill>
+                  <a:srgbClr val="067D17"/>
+                </a:solidFill>
+                <a:latin typeface="Times New Roman" panose="02020603050405020304" pitchFamily="18" charset="0"/>
+                <a:cs typeface="Times New Roman" panose="02020603050405020304" pitchFamily="18" charset="0"/>
+              </a:rPr>
+              <a:t>        </a:t>
+            </a:r>
+            <a:r>
+              <a:rPr lang="ru-RU" altLang="ru-RU" sz="1600" dirty="0" err="1">
+                <a:solidFill>
+                  <a:srgbClr val="871094"/>
+                </a:solidFill>
+                <a:latin typeface="Times New Roman" panose="02020603050405020304" pitchFamily="18" charset="0"/>
+                <a:cs typeface="Times New Roman" panose="02020603050405020304" pitchFamily="18" charset="0"/>
+              </a:rPr>
+              <a:t>android</a:t>
+            </a:r>
+            <a:r>
+              <a:rPr lang="ru-RU" altLang="ru-RU" sz="1600" dirty="0" err="1">
+                <a:solidFill>
+                  <a:srgbClr val="174AD4"/>
+                </a:solidFill>
+                <a:latin typeface="Times New Roman" panose="02020603050405020304" pitchFamily="18" charset="0"/>
+                <a:cs typeface="Times New Roman" panose="02020603050405020304" pitchFamily="18" charset="0"/>
+              </a:rPr>
+              <a:t>:layout_height</a:t>
+            </a:r>
+            <a:r>
+              <a:rPr lang="ru-RU" altLang="ru-RU" sz="1600" dirty="0">
+                <a:solidFill>
+                  <a:srgbClr val="067D17"/>
+                </a:solidFill>
+                <a:latin typeface="Times New Roman" panose="02020603050405020304" pitchFamily="18" charset="0"/>
+                <a:cs typeface="Times New Roman" panose="02020603050405020304" pitchFamily="18" charset="0"/>
+              </a:rPr>
+              <a:t>="</a:t>
+            </a:r>
+            <a:r>
+              <a:rPr lang="ru-RU" altLang="ru-RU" sz="1600" dirty="0" err="1">
+                <a:solidFill>
+                  <a:srgbClr val="067D17"/>
+                </a:solidFill>
+                <a:latin typeface="Times New Roman" panose="02020603050405020304" pitchFamily="18" charset="0"/>
+                <a:cs typeface="Times New Roman" panose="02020603050405020304" pitchFamily="18" charset="0"/>
+              </a:rPr>
+              <a:t>match_parent</a:t>
+            </a:r>
+            <a:r>
+              <a:rPr lang="ru-RU" altLang="ru-RU" sz="1600" dirty="0">
+                <a:solidFill>
+                  <a:srgbClr val="067D17"/>
+                </a:solidFill>
+                <a:latin typeface="Times New Roman" panose="02020603050405020304" pitchFamily="18" charset="0"/>
+                <a:cs typeface="Times New Roman" panose="02020603050405020304" pitchFamily="18" charset="0"/>
+              </a:rPr>
+              <a:t>"</a:t>
+            </a:r>
+            <a:br>
+              <a:rPr lang="ru-RU" altLang="ru-RU" sz="1600" dirty="0">
+                <a:solidFill>
+                  <a:srgbClr val="067D17"/>
+                </a:solidFill>
+                <a:latin typeface="Times New Roman" panose="02020603050405020304" pitchFamily="18" charset="0"/>
+                <a:cs typeface="Times New Roman" panose="02020603050405020304" pitchFamily="18" charset="0"/>
+              </a:rPr>
+            </a:br>
+            <a:r>
+              <a:rPr lang="ru-RU" altLang="ru-RU" sz="1600" dirty="0">
+                <a:solidFill>
+                  <a:srgbClr val="067D17"/>
+                </a:solidFill>
+                <a:latin typeface="Times New Roman" panose="02020603050405020304" pitchFamily="18" charset="0"/>
+                <a:cs typeface="Times New Roman" panose="02020603050405020304" pitchFamily="18" charset="0"/>
+              </a:rPr>
+              <a:t>        </a:t>
+            </a:r>
+            <a:r>
+              <a:rPr lang="ru-RU" altLang="ru-RU" sz="1600" dirty="0" err="1">
+                <a:solidFill>
+                  <a:srgbClr val="871094"/>
+                </a:solidFill>
+                <a:latin typeface="Times New Roman" panose="02020603050405020304" pitchFamily="18" charset="0"/>
+                <a:cs typeface="Times New Roman" panose="02020603050405020304" pitchFamily="18" charset="0"/>
+              </a:rPr>
+              <a:t>android</a:t>
+            </a:r>
+            <a:r>
+              <a:rPr lang="ru-RU" altLang="ru-RU" sz="1600" dirty="0" err="1">
+                <a:solidFill>
+                  <a:srgbClr val="174AD4"/>
+                </a:solidFill>
+                <a:latin typeface="Times New Roman" panose="02020603050405020304" pitchFamily="18" charset="0"/>
+                <a:cs typeface="Times New Roman" panose="02020603050405020304" pitchFamily="18" charset="0"/>
+              </a:rPr>
+              <a:t>:layout_gravity</a:t>
+            </a:r>
+            <a:r>
+              <a:rPr lang="ru-RU" altLang="ru-RU" sz="1600" dirty="0">
+                <a:solidFill>
+                  <a:srgbClr val="067D17"/>
+                </a:solidFill>
+                <a:latin typeface="Times New Roman" panose="02020603050405020304" pitchFamily="18" charset="0"/>
+                <a:cs typeface="Times New Roman" panose="02020603050405020304" pitchFamily="18" charset="0"/>
+              </a:rPr>
+              <a:t>="</a:t>
+            </a:r>
+            <a:r>
+              <a:rPr lang="ru-RU" altLang="ru-RU" sz="1600" dirty="0" err="1">
+                <a:solidFill>
+                  <a:srgbClr val="067D17"/>
+                </a:solidFill>
+                <a:latin typeface="Times New Roman" panose="02020603050405020304" pitchFamily="18" charset="0"/>
+                <a:cs typeface="Times New Roman" panose="02020603050405020304" pitchFamily="18" charset="0"/>
+              </a:rPr>
+              <a:t>start</a:t>
+            </a:r>
+            <a:r>
+              <a:rPr lang="ru-RU" altLang="ru-RU" sz="1600" dirty="0">
+                <a:solidFill>
+                  <a:srgbClr val="067D17"/>
+                </a:solidFill>
+                <a:latin typeface="Times New Roman" panose="02020603050405020304" pitchFamily="18" charset="0"/>
+                <a:cs typeface="Times New Roman" panose="02020603050405020304" pitchFamily="18" charset="0"/>
+              </a:rPr>
+              <a:t>"</a:t>
+            </a:r>
+            <a:br>
+              <a:rPr lang="ru-RU" altLang="ru-RU" sz="1600" dirty="0">
+                <a:solidFill>
+                  <a:srgbClr val="067D17"/>
+                </a:solidFill>
+                <a:latin typeface="Times New Roman" panose="02020603050405020304" pitchFamily="18" charset="0"/>
+                <a:cs typeface="Times New Roman" panose="02020603050405020304" pitchFamily="18" charset="0"/>
+              </a:rPr>
+            </a:br>
+            <a:r>
+              <a:rPr lang="ru-RU" altLang="ru-RU" sz="1600" dirty="0">
+                <a:solidFill>
+                  <a:srgbClr val="067D17"/>
+                </a:solidFill>
+                <a:latin typeface="Times New Roman" panose="02020603050405020304" pitchFamily="18" charset="0"/>
+                <a:cs typeface="Times New Roman" panose="02020603050405020304" pitchFamily="18" charset="0"/>
+              </a:rPr>
+              <a:t>        </a:t>
+            </a:r>
+            <a:r>
+              <a:rPr lang="ru-RU" altLang="ru-RU" sz="1600" dirty="0" err="1">
+                <a:solidFill>
+                  <a:srgbClr val="871094"/>
+                </a:solidFill>
+                <a:latin typeface="Times New Roman" panose="02020603050405020304" pitchFamily="18" charset="0"/>
+                <a:cs typeface="Times New Roman" panose="02020603050405020304" pitchFamily="18" charset="0"/>
+              </a:rPr>
+              <a:t>android</a:t>
+            </a:r>
+            <a:r>
+              <a:rPr lang="ru-RU" altLang="ru-RU" sz="1600" dirty="0" err="1">
+                <a:solidFill>
+                  <a:srgbClr val="174AD4"/>
+                </a:solidFill>
+                <a:latin typeface="Times New Roman" panose="02020603050405020304" pitchFamily="18" charset="0"/>
+                <a:cs typeface="Times New Roman" panose="02020603050405020304" pitchFamily="18" charset="0"/>
+              </a:rPr>
+              <a:t>:fitsSystemWindows</a:t>
+            </a:r>
+            <a:r>
+              <a:rPr lang="ru-RU" altLang="ru-RU" sz="1600" dirty="0">
+                <a:solidFill>
+                  <a:srgbClr val="067D17"/>
+                </a:solidFill>
+                <a:latin typeface="Times New Roman" panose="02020603050405020304" pitchFamily="18" charset="0"/>
+                <a:cs typeface="Times New Roman" panose="02020603050405020304" pitchFamily="18" charset="0"/>
+              </a:rPr>
+              <a:t>="</a:t>
+            </a:r>
+            <a:r>
+              <a:rPr lang="ru-RU" altLang="ru-RU" sz="1600" dirty="0" err="1">
+                <a:solidFill>
+                  <a:srgbClr val="067D17"/>
+                </a:solidFill>
+                <a:latin typeface="Times New Roman" panose="02020603050405020304" pitchFamily="18" charset="0"/>
+                <a:cs typeface="Times New Roman" panose="02020603050405020304" pitchFamily="18" charset="0"/>
+              </a:rPr>
+              <a:t>true</a:t>
+            </a:r>
+            <a:r>
+              <a:rPr lang="ru-RU" altLang="ru-RU" sz="1600" dirty="0">
+                <a:solidFill>
+                  <a:srgbClr val="067D17"/>
+                </a:solidFill>
+                <a:latin typeface="Times New Roman" panose="02020603050405020304" pitchFamily="18" charset="0"/>
+                <a:cs typeface="Times New Roman" panose="02020603050405020304" pitchFamily="18" charset="0"/>
+              </a:rPr>
+              <a:t>"</a:t>
+            </a:r>
+            <a:br>
+              <a:rPr lang="ru-RU" altLang="ru-RU" sz="1600" dirty="0">
+                <a:solidFill>
+                  <a:srgbClr val="067D17"/>
+                </a:solidFill>
+                <a:latin typeface="Times New Roman" panose="02020603050405020304" pitchFamily="18" charset="0"/>
+                <a:cs typeface="Times New Roman" panose="02020603050405020304" pitchFamily="18" charset="0"/>
+              </a:rPr>
+            </a:br>
+            <a:r>
+              <a:rPr lang="ru-RU" altLang="ru-RU" sz="1600" dirty="0">
+                <a:solidFill>
+                  <a:srgbClr val="067D17"/>
+                </a:solidFill>
+                <a:latin typeface="Times New Roman" panose="02020603050405020304" pitchFamily="18" charset="0"/>
+                <a:cs typeface="Times New Roman" panose="02020603050405020304" pitchFamily="18" charset="0"/>
+              </a:rPr>
+              <a:t>        </a:t>
+            </a:r>
+            <a:r>
+              <a:rPr lang="ru-RU" altLang="ru-RU" sz="1600" dirty="0" err="1">
+                <a:solidFill>
+                  <a:srgbClr val="871094"/>
+                </a:solidFill>
+                <a:latin typeface="Times New Roman" panose="02020603050405020304" pitchFamily="18" charset="0"/>
+                <a:cs typeface="Times New Roman" panose="02020603050405020304" pitchFamily="18" charset="0"/>
+              </a:rPr>
+              <a:t>app</a:t>
+            </a:r>
+            <a:r>
+              <a:rPr lang="ru-RU" altLang="ru-RU" sz="1600" dirty="0" err="1">
+                <a:solidFill>
+                  <a:srgbClr val="174AD4"/>
+                </a:solidFill>
+                <a:latin typeface="Times New Roman" panose="02020603050405020304" pitchFamily="18" charset="0"/>
+                <a:cs typeface="Times New Roman" panose="02020603050405020304" pitchFamily="18" charset="0"/>
+              </a:rPr>
+              <a:t>:menu</a:t>
+            </a:r>
+            <a:r>
+              <a:rPr lang="ru-RU" altLang="ru-RU" sz="1600" dirty="0">
+                <a:solidFill>
+                  <a:srgbClr val="067D17"/>
+                </a:solidFill>
+                <a:latin typeface="Times New Roman" panose="02020603050405020304" pitchFamily="18" charset="0"/>
+                <a:cs typeface="Times New Roman" panose="02020603050405020304" pitchFamily="18" charset="0"/>
+              </a:rPr>
+              <a:t>="</a:t>
+            </a:r>
+            <a:r>
+              <a:rPr lang="ru-RU" altLang="ru-RU" sz="1600" dirty="0">
+                <a:solidFill>
+                  <a:srgbClr val="C00000"/>
+                </a:solidFill>
+                <a:latin typeface="Times New Roman" panose="02020603050405020304" pitchFamily="18" charset="0"/>
+                <a:cs typeface="Times New Roman" panose="02020603050405020304" pitchFamily="18" charset="0"/>
+              </a:rPr>
+              <a:t>@</a:t>
+            </a:r>
+            <a:r>
+              <a:rPr lang="ru-RU" altLang="ru-RU" sz="1600" dirty="0" err="1">
+                <a:solidFill>
+                  <a:srgbClr val="C00000"/>
+                </a:solidFill>
+                <a:latin typeface="Times New Roman" panose="02020603050405020304" pitchFamily="18" charset="0"/>
+                <a:cs typeface="Times New Roman" panose="02020603050405020304" pitchFamily="18" charset="0"/>
+              </a:rPr>
+              <a:t>menu</a:t>
+            </a:r>
+            <a:r>
+              <a:rPr lang="ru-RU" altLang="ru-RU" sz="1600" dirty="0">
+                <a:solidFill>
+                  <a:srgbClr val="C00000"/>
+                </a:solidFill>
+                <a:latin typeface="Times New Roman" panose="02020603050405020304" pitchFamily="18" charset="0"/>
+                <a:cs typeface="Times New Roman" panose="02020603050405020304" pitchFamily="18" charset="0"/>
+              </a:rPr>
+              <a:t>/</a:t>
+            </a:r>
+            <a:r>
+              <a:rPr lang="ru-RU" altLang="ru-RU" sz="1600" dirty="0" err="1">
+                <a:solidFill>
+                  <a:srgbClr val="C00000"/>
+                </a:solidFill>
+                <a:latin typeface="Times New Roman" panose="02020603050405020304" pitchFamily="18" charset="0"/>
+                <a:cs typeface="Times New Roman" panose="02020603050405020304" pitchFamily="18" charset="0"/>
+              </a:rPr>
+              <a:t>navigation_drawer</a:t>
+            </a:r>
+            <a:r>
+              <a:rPr lang="ru-RU" altLang="ru-RU" sz="1600" dirty="0">
+                <a:solidFill>
+                  <a:srgbClr val="067D17"/>
+                </a:solidFill>
+                <a:latin typeface="Times New Roman" panose="02020603050405020304" pitchFamily="18" charset="0"/>
+                <a:cs typeface="Times New Roman" panose="02020603050405020304" pitchFamily="18" charset="0"/>
+              </a:rPr>
+              <a:t>" </a:t>
+            </a:r>
+            <a:r>
+              <a:rPr lang="ru-RU" altLang="ru-RU" sz="1600" dirty="0">
+                <a:solidFill>
+                  <a:srgbClr val="080808"/>
+                </a:solidFill>
+                <a:latin typeface="Times New Roman" panose="02020603050405020304" pitchFamily="18" charset="0"/>
+                <a:cs typeface="Times New Roman" panose="02020603050405020304" pitchFamily="18" charset="0"/>
+              </a:rPr>
+              <a:t>/&gt;</a:t>
+            </a:r>
+          </a:p>
+          <a:p>
+            <a:pPr lvl="0" defTabSz="914400" eaLnBrk="0" fontAlgn="base" hangingPunct="0">
+              <a:spcBef>
+                <a:spcPct val="0"/>
+              </a:spcBef>
+              <a:spcAft>
+                <a:spcPct val="0"/>
+              </a:spcAft>
+            </a:pPr>
+            <a:br>
+              <a:rPr lang="ru-RU" altLang="ru-RU" sz="1600" dirty="0">
+                <a:solidFill>
+                  <a:srgbClr val="080808"/>
+                </a:solidFill>
+                <a:latin typeface="Times New Roman" panose="02020603050405020304" pitchFamily="18" charset="0"/>
+                <a:cs typeface="Times New Roman" panose="02020603050405020304" pitchFamily="18" charset="0"/>
+              </a:rPr>
+            </a:br>
+            <a:r>
+              <a:rPr lang="ru-RU" altLang="ru-RU" sz="1600" dirty="0">
+                <a:solidFill>
+                  <a:srgbClr val="080808"/>
+                </a:solidFill>
+                <a:latin typeface="Times New Roman" panose="02020603050405020304" pitchFamily="18" charset="0"/>
+                <a:cs typeface="Times New Roman" panose="02020603050405020304" pitchFamily="18" charset="0"/>
+              </a:rPr>
+              <a:t>&lt;/</a:t>
+            </a:r>
+            <a:r>
+              <a:rPr lang="ru-RU" altLang="ru-RU" sz="1600" dirty="0" err="1">
+                <a:solidFill>
+                  <a:srgbClr val="0033B3"/>
+                </a:solidFill>
+                <a:latin typeface="Times New Roman" panose="02020603050405020304" pitchFamily="18" charset="0"/>
+                <a:cs typeface="Times New Roman" panose="02020603050405020304" pitchFamily="18" charset="0"/>
+              </a:rPr>
+              <a:t>androidx.drawerlayout.widget.DrawerLayout</a:t>
+            </a:r>
+            <a:r>
+              <a:rPr lang="ru-RU" altLang="ru-RU" sz="1600" dirty="0">
+                <a:solidFill>
+                  <a:srgbClr val="080808"/>
+                </a:solidFill>
+                <a:latin typeface="Times New Roman" panose="02020603050405020304" pitchFamily="18" charset="0"/>
+                <a:cs typeface="Times New Roman" panose="02020603050405020304" pitchFamily="18" charset="0"/>
+              </a:rPr>
+              <a:t>&gt;</a:t>
+            </a:r>
+            <a:endParaRPr lang="ru-RU" altLang="ru-RU" sz="1600" dirty="0">
+              <a:latin typeface="Times New Roman" panose="02020603050405020304" pitchFamily="18" charset="0"/>
+              <a:cs typeface="Times New Roman" panose="02020603050405020304" pitchFamily="18" charset="0"/>
+            </a:endParaRPr>
+          </a:p>
+        </p:txBody>
+      </p:sp>
+    </p:spTree>
+    <p:extLst>
+      <p:ext uri="{BB962C8B-B14F-4D97-AF65-F5344CB8AC3E}">
+        <p14:creationId xmlns:p14="http://schemas.microsoft.com/office/powerpoint/2010/main" val="3711890606"/>
+      </p:ext>
+    </p:extLst>
+  </p:cSld>
+  <p:clrMapOvr>
+    <a:masterClrMapping/>
+  </p:clrMapOvr>
+</p:sld>
+</file>
+
+<file path=ppt/slides/slide12.xml><?xml version="1.0" encoding="utf-8"?>
+<p:sld xmlns:a="http://schemas.openxmlformats.org/drawingml/2006/main" xmlns:r="http://schemas.openxmlformats.org/officeDocument/2006/relationships" xmlns:p="http://schemas.openxmlformats.org/presentationml/2006/main">
+  <p:cSld>
+    <p:bg>
+      <p:bgPr>
+        <a:solidFill>
+          <a:schemeClr val="bg1"/>
+        </a:solidFill>
+        <a:effectLst/>
+      </p:bgPr>
+    </p:bg>
+    <p:spTree>
+      <p:nvGrpSpPr>
+        <p:cNvPr id="1" name=""/>
+        <p:cNvGrpSpPr/>
+        <p:nvPr/>
+      </p:nvGrpSpPr>
+      <p:grpSpPr>
+        <a:xfrm>
+          <a:off x="0" y="0"/>
+          <a:ext cx="0" cy="0"/>
+          <a:chOff x="0" y="0"/>
+          <a:chExt cx="0" cy="0"/>
+        </a:xfrm>
+      </p:grpSpPr>
+      <p:sp useBgFill="1">
+        <p:nvSpPr>
+          <p:cNvPr id="78" name="Rectangle 77">
+            <a:extLst>
+              <a:ext uri="{FF2B5EF4-FFF2-40B4-BE49-F238E27FC236}">
+                <a16:creationId xmlns:a16="http://schemas.microsoft.com/office/drawing/2014/main" id="{A35CBD63-8F8F-47DC-9CE7-159E6161D872}"/>
+              </a:ext>
+              <a:ext uri="{C183D7F6-B498-43B3-948B-1728B52AA6E4}">
+                <adec:decorative xmlns:adec="http://schemas.microsoft.com/office/drawing/2017/decorative" val="1"/>
+              </a:ext>
+            </a:extLst>
+          </p:cNvPr>
+          <p:cNvSpPr>
+            <a:spLocks noGrp="1" noRot="1" noChangeAspect="1" noMove="1" noResize="1" noEditPoints="1" noAdjustHandles="1" noChangeArrowheads="1" noChangeShapeType="1" noTextEdit="1"/>
+          </p:cNvSpPr>
+          <p:nvPr>
+            <p:extLst>
+              <p:ext uri="{386F3935-93C4-4BCD-93E2-E3B085C9AB24}">
+                <p16:designElem xmlns:p16="http://schemas.microsoft.com/office/powerpoint/2015/main" val="1"/>
+              </p:ext>
+            </p:extLst>
+          </p:nvPr>
+        </p:nvSpPr>
+        <p:spPr>
+          <a:xfrm>
+            <a:off x="0" y="0"/>
+            <a:ext cx="12192000" cy="6858000"/>
+          </a:xfrm>
+          <a:prstGeom prst="rect">
+            <a:avLst/>
+          </a:prstGeom>
+          <a:ln>
+            <a:noFill/>
+          </a:ln>
+        </p:spPr>
+        <p:style>
+          <a:lnRef idx="2">
+            <a:schemeClr val="accent1">
+              <a:shade val="50000"/>
+            </a:schemeClr>
+          </a:lnRef>
+          <a:fillRef idx="1">
+            <a:schemeClr val="accent1"/>
+          </a:fillRef>
+          <a:effectRef idx="0">
+            <a:schemeClr val="accent1"/>
+          </a:effectRef>
+          <a:fontRef idx="minor">
+            <a:schemeClr val="lt1"/>
+          </a:fontRef>
+        </p:style>
+        <p:txBody>
+          <a:bodyPr rtlCol="0" anchor="ctr"/>
+          <a:lstStyle/>
+          <a:p>
+            <a:pPr algn="ctr"/>
+            <a:endParaRPr lang="en-US"/>
+          </a:p>
+        </p:txBody>
+      </p:sp>
+      <p:sp>
+        <p:nvSpPr>
+          <p:cNvPr id="80" name="Rectangle 79">
+            <a:extLst>
+              <a:ext uri="{FF2B5EF4-FFF2-40B4-BE49-F238E27FC236}">
+                <a16:creationId xmlns:a16="http://schemas.microsoft.com/office/drawing/2014/main" id="{CA0E3486-FD49-4921-B4F4-E5BB5C88AC79}"/>
+              </a:ext>
+              <a:ext uri="{C183D7F6-B498-43B3-948B-1728B52AA6E4}">
+                <adec:decorative xmlns:adec="http://schemas.microsoft.com/office/drawing/2017/decorative" val="1"/>
+              </a:ext>
+            </a:extLst>
+          </p:cNvPr>
+          <p:cNvSpPr>
+            <a:spLocks noGrp="1" noRot="1" noChangeAspect="1" noMove="1" noResize="1" noEditPoints="1" noAdjustHandles="1" noChangeArrowheads="1" noChangeShapeType="1" noTextEdit="1"/>
+          </p:cNvSpPr>
+          <p:nvPr>
+            <p:extLst>
+              <p:ext uri="{386F3935-93C4-4BCD-93E2-E3B085C9AB24}">
+                <p16:designElem xmlns:p16="http://schemas.microsoft.com/office/powerpoint/2015/main" val="1"/>
+              </p:ext>
+            </p:extLst>
+          </p:nvPr>
+        </p:nvSpPr>
+        <p:spPr>
+          <a:xfrm>
+            <a:off x="-1" y="758953"/>
+            <a:ext cx="3577575" cy="5330952"/>
+          </a:xfrm>
+          <a:prstGeom prst="rect">
+            <a:avLst/>
+          </a:prstGeom>
+          <a:solidFill>
+            <a:schemeClr val="accent1"/>
+          </a:solidFill>
+          <a:ln>
+            <a:noFill/>
+          </a:ln>
+        </p:spPr>
+        <p:style>
+          <a:lnRef idx="2">
+            <a:schemeClr val="accent1">
+              <a:shade val="50000"/>
+            </a:schemeClr>
+          </a:lnRef>
+          <a:fillRef idx="1">
+            <a:schemeClr val="accent1"/>
+          </a:fillRef>
+          <a:effectRef idx="0">
+            <a:schemeClr val="accent1"/>
+          </a:effectRef>
+          <a:fontRef idx="minor">
+            <a:schemeClr val="lt1"/>
+          </a:fontRef>
+        </p:style>
+      </p:sp>
+      <p:sp>
+        <p:nvSpPr>
+          <p:cNvPr id="1030" name="Content Placeholder 1029">
+            <a:extLst>
+              <a:ext uri="{FF2B5EF4-FFF2-40B4-BE49-F238E27FC236}">
+                <a16:creationId xmlns:a16="http://schemas.microsoft.com/office/drawing/2014/main" id="{6B850C18-2FCB-4A2C-B8BE-915BD9E63334}"/>
+              </a:ext>
+            </a:extLst>
+          </p:cNvPr>
+          <p:cNvSpPr>
+            <a:spLocks noGrp="1"/>
+          </p:cNvSpPr>
+          <p:nvPr>
+            <p:ph idx="1"/>
+          </p:nvPr>
+        </p:nvSpPr>
+        <p:spPr>
+          <a:xfrm>
+            <a:off x="87773" y="1931195"/>
+            <a:ext cx="3382392" cy="3744264"/>
+          </a:xfrm>
+        </p:spPr>
+        <p:txBody>
+          <a:bodyPr anchor="t">
+            <a:normAutofit/>
+          </a:bodyPr>
+          <a:lstStyle/>
+          <a:p>
+            <a:pPr marL="0" indent="0">
+              <a:buNone/>
+            </a:pPr>
+            <a:r>
+              <a:rPr lang="az-Cyrl-AZ" sz="3600" b="1" dirty="0">
+                <a:solidFill>
+                  <a:srgbClr val="FFFFFF"/>
+                </a:solidFill>
+              </a:rPr>
+              <a:t>Интерфейс «шторки»</a:t>
+            </a:r>
+            <a:endParaRPr lang="en-US" sz="3600" b="1" dirty="0">
+              <a:solidFill>
+                <a:srgbClr val="FFFFFF"/>
+              </a:solidFill>
+            </a:endParaRPr>
+          </a:p>
+        </p:txBody>
+      </p:sp>
+      <p:sp>
+        <p:nvSpPr>
+          <p:cNvPr id="82" name="Rectangle 81">
+            <a:extLst>
+              <a:ext uri="{FF2B5EF4-FFF2-40B4-BE49-F238E27FC236}">
+                <a16:creationId xmlns:a16="http://schemas.microsoft.com/office/drawing/2014/main" id="{83B4A72C-2924-4CE2-8674-7E02E182ED6D}"/>
+              </a:ext>
+              <a:ext uri="{C183D7F6-B498-43B3-948B-1728B52AA6E4}">
+                <adec:decorative xmlns:adec="http://schemas.microsoft.com/office/drawing/2017/decorative" val="1"/>
+              </a:ext>
+            </a:extLst>
+          </p:cNvPr>
+          <p:cNvSpPr>
+            <a:spLocks noGrp="1" noRot="1" noChangeAspect="1" noMove="1" noResize="1" noEditPoints="1" noAdjustHandles="1" noChangeArrowheads="1" noChangeShapeType="1" noTextEdit="1"/>
+          </p:cNvSpPr>
+          <p:nvPr>
+            <p:extLst>
+              <p:ext uri="{386F3935-93C4-4BCD-93E2-E3B085C9AB24}">
+                <p16:designElem xmlns:p16="http://schemas.microsoft.com/office/powerpoint/2015/main" val="1"/>
+              </p:ext>
+            </p:extLst>
+          </p:nvPr>
+        </p:nvSpPr>
+        <p:spPr>
+          <a:xfrm>
+            <a:off x="11815864" y="758952"/>
+            <a:ext cx="384048" cy="5330952"/>
+          </a:xfrm>
+          <a:prstGeom prst="rect">
+            <a:avLst/>
+          </a:prstGeom>
+          <a:solidFill>
+            <a:srgbClr val="C8C8C8">
+              <a:alpha val="49804"/>
+            </a:srgbClr>
+          </a:solidFill>
+          <a:ln>
+            <a:noFill/>
+          </a:ln>
+        </p:spPr>
+        <p:style>
+          <a:lnRef idx="2">
+            <a:schemeClr val="accent1">
+              <a:shade val="50000"/>
+            </a:schemeClr>
+          </a:lnRef>
+          <a:fillRef idx="1">
+            <a:schemeClr val="accent1"/>
+          </a:fillRef>
+          <a:effectRef idx="0">
+            <a:schemeClr val="accent1"/>
+          </a:effectRef>
+          <a:fontRef idx="minor">
+            <a:schemeClr val="lt1"/>
+          </a:fontRef>
+        </p:style>
+      </p:sp>
+      <p:sp>
+        <p:nvSpPr>
+          <p:cNvPr id="11" name="Прямоугольник 10">
+            <a:extLst>
+              <a:ext uri="{FF2B5EF4-FFF2-40B4-BE49-F238E27FC236}">
+                <a16:creationId xmlns:a16="http://schemas.microsoft.com/office/drawing/2014/main" id="{7A84073B-3D9B-4B19-8C11-92FC8E0146B9}"/>
+              </a:ext>
+            </a:extLst>
+          </p:cNvPr>
+          <p:cNvSpPr/>
+          <p:nvPr/>
+        </p:nvSpPr>
+        <p:spPr>
+          <a:xfrm>
+            <a:off x="3846301" y="669828"/>
+            <a:ext cx="7969563" cy="5509200"/>
+          </a:xfrm>
+          <a:prstGeom prst="rect">
+            <a:avLst/>
+          </a:prstGeom>
+        </p:spPr>
+        <p:txBody>
+          <a:bodyPr wrap="square">
+            <a:spAutoFit/>
+          </a:bodyPr>
+          <a:lstStyle/>
+          <a:p>
+            <a:pPr lvl="0" defTabSz="914400" eaLnBrk="0" fontAlgn="base" hangingPunct="0">
+              <a:spcBef>
+                <a:spcPct val="0"/>
+              </a:spcBef>
+              <a:spcAft>
+                <a:spcPct val="0"/>
+              </a:spcAft>
+            </a:pPr>
+            <a:r>
+              <a:rPr lang="ru-RU" altLang="ru-RU" sz="1600" b="1" dirty="0">
+                <a:solidFill>
+                  <a:schemeClr val="accent1">
+                    <a:lumMod val="50000"/>
+                  </a:schemeClr>
+                </a:solidFill>
+                <a:latin typeface="Times New Roman" panose="02020603050405020304" pitchFamily="18" charset="0"/>
+                <a:cs typeface="Times New Roman" panose="02020603050405020304" pitchFamily="18" charset="0"/>
+              </a:rPr>
+              <a:t>//Создаем меню</a:t>
+            </a:r>
+          </a:p>
+          <a:p>
+            <a:pPr lvl="0" defTabSz="914400" eaLnBrk="0" fontAlgn="base" hangingPunct="0">
+              <a:spcBef>
+                <a:spcPct val="0"/>
+              </a:spcBef>
+              <a:spcAft>
+                <a:spcPct val="0"/>
+              </a:spcAft>
+            </a:pPr>
+            <a:r>
+              <a:rPr lang="ru-RU" altLang="ru-RU" sz="1600" dirty="0">
+                <a:solidFill>
+                  <a:srgbClr val="080808"/>
+                </a:solidFill>
+                <a:latin typeface="Times New Roman" panose="02020603050405020304" pitchFamily="18" charset="0"/>
+                <a:cs typeface="Times New Roman" panose="02020603050405020304" pitchFamily="18" charset="0"/>
+              </a:rPr>
+              <a:t>&lt;</a:t>
+            </a:r>
+            <a:r>
+              <a:rPr lang="ru-RU" altLang="ru-RU" sz="1600" dirty="0" err="1">
+                <a:solidFill>
+                  <a:srgbClr val="0033B3"/>
+                </a:solidFill>
+                <a:latin typeface="Times New Roman" panose="02020603050405020304" pitchFamily="18" charset="0"/>
+                <a:cs typeface="Times New Roman" panose="02020603050405020304" pitchFamily="18" charset="0"/>
+              </a:rPr>
+              <a:t>menu</a:t>
+            </a:r>
+            <a:r>
+              <a:rPr lang="ru-RU" altLang="ru-RU" sz="1600" dirty="0">
+                <a:solidFill>
+                  <a:srgbClr val="0033B3"/>
+                </a:solidFill>
+                <a:latin typeface="Times New Roman" panose="02020603050405020304" pitchFamily="18" charset="0"/>
+                <a:cs typeface="Times New Roman" panose="02020603050405020304" pitchFamily="18" charset="0"/>
+              </a:rPr>
+              <a:t> </a:t>
+            </a:r>
+            <a:r>
+              <a:rPr lang="ru-RU" altLang="ru-RU" sz="1600" dirty="0" err="1">
+                <a:solidFill>
+                  <a:srgbClr val="174AD4"/>
+                </a:solidFill>
+                <a:latin typeface="Times New Roman" panose="02020603050405020304" pitchFamily="18" charset="0"/>
+                <a:cs typeface="Times New Roman" panose="02020603050405020304" pitchFamily="18" charset="0"/>
+              </a:rPr>
+              <a:t>xmlns:</a:t>
+            </a:r>
+            <a:r>
+              <a:rPr lang="ru-RU" altLang="ru-RU" sz="1600" dirty="0" err="1">
+                <a:solidFill>
+                  <a:srgbClr val="871094"/>
+                </a:solidFill>
+                <a:latin typeface="Times New Roman" panose="02020603050405020304" pitchFamily="18" charset="0"/>
+                <a:cs typeface="Times New Roman" panose="02020603050405020304" pitchFamily="18" charset="0"/>
+              </a:rPr>
+              <a:t>android</a:t>
+            </a:r>
+            <a:r>
+              <a:rPr lang="ru-RU" altLang="ru-RU" sz="1600" dirty="0">
+                <a:solidFill>
+                  <a:srgbClr val="067D17"/>
+                </a:solidFill>
+                <a:latin typeface="Times New Roman" panose="02020603050405020304" pitchFamily="18" charset="0"/>
+                <a:cs typeface="Times New Roman" panose="02020603050405020304" pitchFamily="18" charset="0"/>
+              </a:rPr>
+              <a:t>="http://schemas.android.com/apk/res/android"</a:t>
+            </a:r>
+            <a:r>
+              <a:rPr lang="ru-RU" altLang="ru-RU" sz="1600" dirty="0">
+                <a:solidFill>
+                  <a:srgbClr val="080808"/>
+                </a:solidFill>
+                <a:latin typeface="Times New Roman" panose="02020603050405020304" pitchFamily="18" charset="0"/>
+                <a:cs typeface="Times New Roman" panose="02020603050405020304" pitchFamily="18" charset="0"/>
+              </a:rPr>
+              <a:t>&gt;</a:t>
+            </a:r>
+          </a:p>
+          <a:p>
+            <a:pPr defTabSz="914400" eaLnBrk="0" fontAlgn="base" hangingPunct="0">
+              <a:spcBef>
+                <a:spcPct val="0"/>
+              </a:spcBef>
+              <a:spcAft>
+                <a:spcPct val="0"/>
+              </a:spcAft>
+            </a:pPr>
+            <a:endParaRPr lang="ru-RU" altLang="ru-RU" sz="1600" b="1" dirty="0">
+              <a:solidFill>
+                <a:schemeClr val="accent1">
+                  <a:lumMod val="50000"/>
+                </a:schemeClr>
+              </a:solidFill>
+              <a:latin typeface="Times New Roman" panose="02020603050405020304" pitchFamily="18" charset="0"/>
+              <a:cs typeface="Times New Roman" panose="02020603050405020304" pitchFamily="18" charset="0"/>
+            </a:endParaRPr>
+          </a:p>
+          <a:p>
+            <a:pPr defTabSz="914400" eaLnBrk="0" fontAlgn="base" hangingPunct="0">
+              <a:spcBef>
+                <a:spcPct val="0"/>
+              </a:spcBef>
+              <a:spcAft>
+                <a:spcPct val="0"/>
+              </a:spcAft>
+            </a:pPr>
+            <a:r>
+              <a:rPr lang="ru-RU" altLang="ru-RU" sz="1600" b="1" dirty="0">
+                <a:solidFill>
+                  <a:schemeClr val="accent1">
+                    <a:lumMod val="50000"/>
+                  </a:schemeClr>
+                </a:solidFill>
+                <a:latin typeface="Times New Roman" panose="02020603050405020304" pitchFamily="18" charset="0"/>
+                <a:cs typeface="Times New Roman" panose="02020603050405020304" pitchFamily="18" charset="0"/>
+              </a:rPr>
+              <a:t>//В меню создаем группу элементов</a:t>
+            </a:r>
+          </a:p>
+          <a:p>
+            <a:pPr lvl="0" defTabSz="914400" eaLnBrk="0" fontAlgn="base" hangingPunct="0">
+              <a:spcBef>
+                <a:spcPct val="0"/>
+              </a:spcBef>
+              <a:spcAft>
+                <a:spcPct val="0"/>
+              </a:spcAft>
+            </a:pPr>
+            <a:r>
+              <a:rPr lang="ru-RU" altLang="ru-RU" sz="1600" dirty="0">
+                <a:solidFill>
+                  <a:srgbClr val="080808"/>
+                </a:solidFill>
+                <a:latin typeface="Times New Roman" panose="02020603050405020304" pitchFamily="18" charset="0"/>
+                <a:cs typeface="Times New Roman" panose="02020603050405020304" pitchFamily="18" charset="0"/>
+              </a:rPr>
+              <a:t>    &lt;</a:t>
+            </a:r>
+            <a:r>
+              <a:rPr lang="ru-RU" altLang="ru-RU" sz="1600" dirty="0" err="1">
+                <a:solidFill>
+                  <a:srgbClr val="0033B3"/>
+                </a:solidFill>
+                <a:latin typeface="Times New Roman" panose="02020603050405020304" pitchFamily="18" charset="0"/>
+                <a:cs typeface="Times New Roman" panose="02020603050405020304" pitchFamily="18" charset="0"/>
+              </a:rPr>
+              <a:t>group</a:t>
+            </a:r>
+            <a:br>
+              <a:rPr lang="ru-RU" altLang="ru-RU" sz="1600" dirty="0">
+                <a:solidFill>
+                  <a:srgbClr val="0033B3"/>
+                </a:solidFill>
+                <a:latin typeface="Times New Roman" panose="02020603050405020304" pitchFamily="18" charset="0"/>
+                <a:cs typeface="Times New Roman" panose="02020603050405020304" pitchFamily="18" charset="0"/>
+              </a:rPr>
+            </a:br>
+            <a:r>
+              <a:rPr lang="ru-RU" altLang="ru-RU" sz="1600" dirty="0">
+                <a:solidFill>
+                  <a:srgbClr val="0033B3"/>
+                </a:solidFill>
+                <a:latin typeface="Times New Roman" panose="02020603050405020304" pitchFamily="18" charset="0"/>
+                <a:cs typeface="Times New Roman" panose="02020603050405020304" pitchFamily="18" charset="0"/>
+              </a:rPr>
+              <a:t>        </a:t>
+            </a:r>
+            <a:r>
+              <a:rPr lang="ru-RU" altLang="ru-RU" sz="1600" dirty="0" err="1">
+                <a:solidFill>
+                  <a:srgbClr val="871094"/>
+                </a:solidFill>
+                <a:latin typeface="Times New Roman" panose="02020603050405020304" pitchFamily="18" charset="0"/>
+                <a:cs typeface="Times New Roman" panose="02020603050405020304" pitchFamily="18" charset="0"/>
+              </a:rPr>
+              <a:t>android</a:t>
+            </a:r>
+            <a:r>
+              <a:rPr lang="ru-RU" altLang="ru-RU" sz="1600" dirty="0" err="1">
+                <a:solidFill>
+                  <a:srgbClr val="174AD4"/>
+                </a:solidFill>
+                <a:latin typeface="Times New Roman" panose="02020603050405020304" pitchFamily="18" charset="0"/>
+                <a:cs typeface="Times New Roman" panose="02020603050405020304" pitchFamily="18" charset="0"/>
+              </a:rPr>
+              <a:t>:id</a:t>
+            </a:r>
+            <a:r>
+              <a:rPr lang="ru-RU" altLang="ru-RU" sz="1600" dirty="0">
+                <a:solidFill>
+                  <a:srgbClr val="067D17"/>
+                </a:solidFill>
+                <a:latin typeface="Times New Roman" panose="02020603050405020304" pitchFamily="18" charset="0"/>
+                <a:cs typeface="Times New Roman" panose="02020603050405020304" pitchFamily="18" charset="0"/>
+              </a:rPr>
+              <a:t>="@+</a:t>
+            </a:r>
+            <a:r>
+              <a:rPr lang="ru-RU" altLang="ru-RU" sz="1600" dirty="0" err="1">
+                <a:solidFill>
+                  <a:srgbClr val="067D17"/>
+                </a:solidFill>
+                <a:latin typeface="Times New Roman" panose="02020603050405020304" pitchFamily="18" charset="0"/>
+                <a:cs typeface="Times New Roman" panose="02020603050405020304" pitchFamily="18" charset="0"/>
+              </a:rPr>
+              <a:t>id</a:t>
+            </a:r>
+            <a:r>
+              <a:rPr lang="ru-RU" altLang="ru-RU" sz="1600" dirty="0">
+                <a:solidFill>
+                  <a:srgbClr val="067D17"/>
+                </a:solidFill>
+                <a:latin typeface="Times New Roman" panose="02020603050405020304" pitchFamily="18" charset="0"/>
+                <a:cs typeface="Times New Roman" panose="02020603050405020304" pitchFamily="18" charset="0"/>
+              </a:rPr>
+              <a:t>/group1"</a:t>
+            </a:r>
+            <a:br>
+              <a:rPr lang="ru-RU" altLang="ru-RU" sz="1600" dirty="0">
+                <a:solidFill>
+                  <a:srgbClr val="067D17"/>
+                </a:solidFill>
+                <a:latin typeface="Times New Roman" panose="02020603050405020304" pitchFamily="18" charset="0"/>
+                <a:cs typeface="Times New Roman" panose="02020603050405020304" pitchFamily="18" charset="0"/>
+              </a:rPr>
+            </a:br>
+            <a:r>
+              <a:rPr lang="ru-RU" altLang="ru-RU" sz="1600" dirty="0">
+                <a:solidFill>
+                  <a:srgbClr val="067D17"/>
+                </a:solidFill>
+                <a:latin typeface="Times New Roman" panose="02020603050405020304" pitchFamily="18" charset="0"/>
+                <a:cs typeface="Times New Roman" panose="02020603050405020304" pitchFamily="18" charset="0"/>
+              </a:rPr>
+              <a:t>        </a:t>
+            </a:r>
+            <a:r>
+              <a:rPr lang="ru-RU" altLang="ru-RU" sz="1600" dirty="0" err="1">
+                <a:solidFill>
+                  <a:srgbClr val="871094"/>
+                </a:solidFill>
+                <a:latin typeface="Times New Roman" panose="02020603050405020304" pitchFamily="18" charset="0"/>
+                <a:cs typeface="Times New Roman" panose="02020603050405020304" pitchFamily="18" charset="0"/>
+              </a:rPr>
+              <a:t>android</a:t>
+            </a:r>
+            <a:r>
+              <a:rPr lang="ru-RU" altLang="ru-RU" sz="1600" dirty="0" err="1">
+                <a:solidFill>
+                  <a:srgbClr val="174AD4"/>
+                </a:solidFill>
+                <a:latin typeface="Times New Roman" panose="02020603050405020304" pitchFamily="18" charset="0"/>
+                <a:cs typeface="Times New Roman" panose="02020603050405020304" pitchFamily="18" charset="0"/>
+              </a:rPr>
+              <a:t>:checkableBehavior</a:t>
+            </a:r>
+            <a:r>
+              <a:rPr lang="ru-RU" altLang="ru-RU" sz="1600" dirty="0">
+                <a:solidFill>
+                  <a:srgbClr val="067D17"/>
+                </a:solidFill>
+                <a:latin typeface="Times New Roman" panose="02020603050405020304" pitchFamily="18" charset="0"/>
+                <a:cs typeface="Times New Roman" panose="02020603050405020304" pitchFamily="18" charset="0"/>
+              </a:rPr>
+              <a:t>="</a:t>
+            </a:r>
+            <a:r>
+              <a:rPr lang="ru-RU" altLang="ru-RU" sz="1600" dirty="0" err="1">
+                <a:solidFill>
+                  <a:srgbClr val="067D17"/>
+                </a:solidFill>
+                <a:latin typeface="Times New Roman" panose="02020603050405020304" pitchFamily="18" charset="0"/>
+                <a:cs typeface="Times New Roman" panose="02020603050405020304" pitchFamily="18" charset="0"/>
+              </a:rPr>
+              <a:t>single</a:t>
+            </a:r>
+            <a:r>
+              <a:rPr lang="ru-RU" altLang="ru-RU" sz="1600" dirty="0">
+                <a:solidFill>
+                  <a:srgbClr val="067D17"/>
+                </a:solidFill>
+                <a:latin typeface="Times New Roman" panose="02020603050405020304" pitchFamily="18" charset="0"/>
+                <a:cs typeface="Times New Roman" panose="02020603050405020304" pitchFamily="18" charset="0"/>
+              </a:rPr>
+              <a:t>"</a:t>
+            </a:r>
+            <a:r>
+              <a:rPr lang="ru-RU" altLang="ru-RU" sz="1600" dirty="0">
+                <a:solidFill>
+                  <a:srgbClr val="080808"/>
+                </a:solidFill>
+                <a:latin typeface="Times New Roman" panose="02020603050405020304" pitchFamily="18" charset="0"/>
+                <a:cs typeface="Times New Roman" panose="02020603050405020304" pitchFamily="18" charset="0"/>
+              </a:rPr>
+              <a:t>&gt;</a:t>
+            </a:r>
+          </a:p>
+          <a:p>
+            <a:pPr defTabSz="914400" eaLnBrk="0" fontAlgn="base" hangingPunct="0">
+              <a:spcBef>
+                <a:spcPct val="0"/>
+              </a:spcBef>
+              <a:spcAft>
+                <a:spcPct val="0"/>
+              </a:spcAft>
+            </a:pPr>
+            <a:endParaRPr lang="ru-RU" altLang="ru-RU" sz="1600" b="1" dirty="0">
+              <a:solidFill>
+                <a:schemeClr val="accent1">
+                  <a:lumMod val="50000"/>
+                </a:schemeClr>
+              </a:solidFill>
+              <a:latin typeface="Times New Roman" panose="02020603050405020304" pitchFamily="18" charset="0"/>
+              <a:cs typeface="Times New Roman" panose="02020603050405020304" pitchFamily="18" charset="0"/>
+            </a:endParaRPr>
+          </a:p>
+          <a:p>
+            <a:pPr defTabSz="914400" eaLnBrk="0" fontAlgn="base" hangingPunct="0">
+              <a:spcBef>
+                <a:spcPct val="0"/>
+              </a:spcBef>
+              <a:spcAft>
+                <a:spcPct val="0"/>
+              </a:spcAft>
+            </a:pPr>
+            <a:r>
+              <a:rPr lang="ru-RU" altLang="ru-RU" sz="1600" b="1" dirty="0">
+                <a:solidFill>
+                  <a:schemeClr val="accent1">
+                    <a:lumMod val="50000"/>
+                  </a:schemeClr>
+                </a:solidFill>
+                <a:latin typeface="Times New Roman" panose="02020603050405020304" pitchFamily="18" charset="0"/>
+                <a:cs typeface="Times New Roman" panose="02020603050405020304" pitchFamily="18" charset="0"/>
+              </a:rPr>
+              <a:t>        //Каждый элемент – это пункт меню</a:t>
+            </a:r>
+          </a:p>
+          <a:p>
+            <a:pPr lvl="0" defTabSz="914400" eaLnBrk="0" fontAlgn="base" hangingPunct="0">
+              <a:spcBef>
+                <a:spcPct val="0"/>
+              </a:spcBef>
+              <a:spcAft>
+                <a:spcPct val="0"/>
+              </a:spcAft>
+            </a:pPr>
+            <a:r>
+              <a:rPr lang="ru-RU" altLang="ru-RU" sz="1600" dirty="0">
+                <a:solidFill>
+                  <a:srgbClr val="080808"/>
+                </a:solidFill>
+                <a:latin typeface="Times New Roman" panose="02020603050405020304" pitchFamily="18" charset="0"/>
+                <a:cs typeface="Times New Roman" panose="02020603050405020304" pitchFamily="18" charset="0"/>
+              </a:rPr>
+              <a:t>        &lt;</a:t>
+            </a:r>
+            <a:r>
+              <a:rPr lang="ru-RU" altLang="ru-RU" sz="1600" dirty="0" err="1">
+                <a:solidFill>
+                  <a:srgbClr val="0033B3"/>
+                </a:solidFill>
+                <a:latin typeface="Times New Roman" panose="02020603050405020304" pitchFamily="18" charset="0"/>
+                <a:cs typeface="Times New Roman" panose="02020603050405020304" pitchFamily="18" charset="0"/>
+              </a:rPr>
+              <a:t>item</a:t>
+            </a:r>
+            <a:br>
+              <a:rPr lang="ru-RU" altLang="ru-RU" sz="1600" dirty="0">
+                <a:solidFill>
+                  <a:srgbClr val="0033B3"/>
+                </a:solidFill>
+                <a:latin typeface="Times New Roman" panose="02020603050405020304" pitchFamily="18" charset="0"/>
+                <a:cs typeface="Times New Roman" panose="02020603050405020304" pitchFamily="18" charset="0"/>
+              </a:rPr>
+            </a:br>
+            <a:r>
+              <a:rPr lang="ru-RU" altLang="ru-RU" sz="1600" dirty="0">
+                <a:solidFill>
+                  <a:srgbClr val="0033B3"/>
+                </a:solidFill>
+                <a:latin typeface="Times New Roman" panose="02020603050405020304" pitchFamily="18" charset="0"/>
+                <a:cs typeface="Times New Roman" panose="02020603050405020304" pitchFamily="18" charset="0"/>
+              </a:rPr>
+              <a:t>            </a:t>
+            </a:r>
+            <a:r>
+              <a:rPr lang="ru-RU" altLang="ru-RU" sz="1600" dirty="0" err="1">
+                <a:solidFill>
+                  <a:srgbClr val="871094"/>
+                </a:solidFill>
+                <a:latin typeface="Times New Roman" panose="02020603050405020304" pitchFamily="18" charset="0"/>
+                <a:cs typeface="Times New Roman" panose="02020603050405020304" pitchFamily="18" charset="0"/>
+              </a:rPr>
+              <a:t>android</a:t>
+            </a:r>
+            <a:r>
+              <a:rPr lang="ru-RU" altLang="ru-RU" sz="1600" dirty="0" err="1">
+                <a:solidFill>
+                  <a:srgbClr val="174AD4"/>
+                </a:solidFill>
+                <a:latin typeface="Times New Roman" panose="02020603050405020304" pitchFamily="18" charset="0"/>
+                <a:cs typeface="Times New Roman" panose="02020603050405020304" pitchFamily="18" charset="0"/>
+              </a:rPr>
+              <a:t>:id</a:t>
+            </a:r>
+            <a:r>
+              <a:rPr lang="ru-RU" altLang="ru-RU" sz="1600" dirty="0">
+                <a:solidFill>
+                  <a:srgbClr val="067D17"/>
+                </a:solidFill>
+                <a:latin typeface="Times New Roman" panose="02020603050405020304" pitchFamily="18" charset="0"/>
+                <a:cs typeface="Times New Roman" panose="02020603050405020304" pitchFamily="18" charset="0"/>
+              </a:rPr>
+              <a:t>="@+</a:t>
+            </a:r>
+            <a:r>
+              <a:rPr lang="ru-RU" altLang="ru-RU" sz="1600" dirty="0" err="1">
+                <a:solidFill>
+                  <a:srgbClr val="067D17"/>
+                </a:solidFill>
+                <a:latin typeface="Times New Roman" panose="02020603050405020304" pitchFamily="18" charset="0"/>
+                <a:cs typeface="Times New Roman" panose="02020603050405020304" pitchFamily="18" charset="0"/>
+              </a:rPr>
+              <a:t>id</a:t>
+            </a:r>
+            <a:r>
+              <a:rPr lang="ru-RU" altLang="ru-RU" sz="1600" dirty="0">
+                <a:solidFill>
+                  <a:srgbClr val="067D17"/>
+                </a:solidFill>
+                <a:latin typeface="Times New Roman" panose="02020603050405020304" pitchFamily="18" charset="0"/>
+                <a:cs typeface="Times New Roman" panose="02020603050405020304" pitchFamily="18" charset="0"/>
+              </a:rPr>
+              <a:t>/item1"</a:t>
+            </a:r>
+            <a:br>
+              <a:rPr lang="ru-RU" altLang="ru-RU" sz="1600" dirty="0">
+                <a:solidFill>
+                  <a:srgbClr val="067D17"/>
+                </a:solidFill>
+                <a:latin typeface="Times New Roman" panose="02020603050405020304" pitchFamily="18" charset="0"/>
+                <a:cs typeface="Times New Roman" panose="02020603050405020304" pitchFamily="18" charset="0"/>
+              </a:rPr>
+            </a:br>
+            <a:r>
+              <a:rPr lang="ru-RU" altLang="ru-RU" sz="1600" dirty="0">
+                <a:solidFill>
+                  <a:srgbClr val="067D17"/>
+                </a:solidFill>
+                <a:latin typeface="Times New Roman" panose="02020603050405020304" pitchFamily="18" charset="0"/>
+                <a:cs typeface="Times New Roman" panose="02020603050405020304" pitchFamily="18" charset="0"/>
+              </a:rPr>
+              <a:t>            </a:t>
+            </a:r>
+            <a:r>
+              <a:rPr lang="ru-RU" altLang="ru-RU" sz="1600" dirty="0" err="1">
+                <a:solidFill>
+                  <a:srgbClr val="871094"/>
+                </a:solidFill>
+                <a:latin typeface="Times New Roman" panose="02020603050405020304" pitchFamily="18" charset="0"/>
+                <a:cs typeface="Times New Roman" panose="02020603050405020304" pitchFamily="18" charset="0"/>
+              </a:rPr>
+              <a:t>android</a:t>
+            </a:r>
+            <a:r>
+              <a:rPr lang="ru-RU" altLang="ru-RU" sz="1600" dirty="0" err="1">
+                <a:solidFill>
+                  <a:srgbClr val="174AD4"/>
+                </a:solidFill>
+                <a:latin typeface="Times New Roman" panose="02020603050405020304" pitchFamily="18" charset="0"/>
+                <a:cs typeface="Times New Roman" panose="02020603050405020304" pitchFamily="18" charset="0"/>
+              </a:rPr>
+              <a:t>:icon</a:t>
+            </a:r>
+            <a:r>
+              <a:rPr lang="ru-RU" altLang="ru-RU" sz="1600" dirty="0">
+                <a:solidFill>
+                  <a:srgbClr val="067D17"/>
+                </a:solidFill>
+                <a:latin typeface="Times New Roman" panose="02020603050405020304" pitchFamily="18" charset="0"/>
+                <a:cs typeface="Times New Roman" panose="02020603050405020304" pitchFamily="18" charset="0"/>
+              </a:rPr>
+              <a:t>="@</a:t>
+            </a:r>
+            <a:r>
+              <a:rPr lang="ru-RU" altLang="ru-RU" sz="1600" dirty="0" err="1">
+                <a:solidFill>
+                  <a:srgbClr val="067D17"/>
+                </a:solidFill>
+                <a:latin typeface="Times New Roman" panose="02020603050405020304" pitchFamily="18" charset="0"/>
+                <a:cs typeface="Times New Roman" panose="02020603050405020304" pitchFamily="18" charset="0"/>
+              </a:rPr>
+              <a:t>drawable</a:t>
+            </a:r>
+            <a:r>
+              <a:rPr lang="ru-RU" altLang="ru-RU" sz="1600" dirty="0">
+                <a:solidFill>
+                  <a:srgbClr val="067D17"/>
+                </a:solidFill>
+                <a:latin typeface="Times New Roman" panose="02020603050405020304" pitchFamily="18" charset="0"/>
+                <a:cs typeface="Times New Roman" panose="02020603050405020304" pitchFamily="18" charset="0"/>
+              </a:rPr>
+              <a:t>/</a:t>
+            </a:r>
+            <a:r>
+              <a:rPr lang="ru-RU" altLang="ru-RU" sz="1600" dirty="0" err="1">
+                <a:solidFill>
+                  <a:srgbClr val="067D17"/>
+                </a:solidFill>
+                <a:latin typeface="Times New Roman" panose="02020603050405020304" pitchFamily="18" charset="0"/>
+                <a:cs typeface="Times New Roman" panose="02020603050405020304" pitchFamily="18" charset="0"/>
+              </a:rPr>
+              <a:t>ic</a:t>
+            </a:r>
+            <a:r>
+              <a:rPr lang="en-US" altLang="ru-RU" sz="1600" dirty="0">
+                <a:solidFill>
+                  <a:srgbClr val="067D17"/>
+                </a:solidFill>
+                <a:latin typeface="Times New Roman" panose="02020603050405020304" pitchFamily="18" charset="0"/>
+                <a:cs typeface="Times New Roman" panose="02020603050405020304" pitchFamily="18" charset="0"/>
+              </a:rPr>
+              <a:t>on_1</a:t>
+            </a:r>
+            <a:r>
+              <a:rPr lang="ru-RU" altLang="ru-RU" sz="1600" dirty="0">
+                <a:solidFill>
+                  <a:srgbClr val="067D17"/>
+                </a:solidFill>
+                <a:latin typeface="Times New Roman" panose="02020603050405020304" pitchFamily="18" charset="0"/>
+                <a:cs typeface="Times New Roman" panose="02020603050405020304" pitchFamily="18" charset="0"/>
+              </a:rPr>
+              <a:t>"</a:t>
+            </a:r>
+            <a:br>
+              <a:rPr lang="ru-RU" altLang="ru-RU" sz="1600" dirty="0">
+                <a:solidFill>
+                  <a:srgbClr val="067D17"/>
+                </a:solidFill>
+                <a:latin typeface="Times New Roman" panose="02020603050405020304" pitchFamily="18" charset="0"/>
+                <a:cs typeface="Times New Roman" panose="02020603050405020304" pitchFamily="18" charset="0"/>
+              </a:rPr>
+            </a:br>
+            <a:r>
+              <a:rPr lang="ru-RU" altLang="ru-RU" sz="1600" dirty="0">
+                <a:solidFill>
+                  <a:srgbClr val="067D17"/>
+                </a:solidFill>
+                <a:latin typeface="Times New Roman" panose="02020603050405020304" pitchFamily="18" charset="0"/>
+                <a:cs typeface="Times New Roman" panose="02020603050405020304" pitchFamily="18" charset="0"/>
+              </a:rPr>
+              <a:t>            </a:t>
+            </a:r>
+            <a:r>
+              <a:rPr lang="ru-RU" altLang="ru-RU" sz="1600" dirty="0" err="1">
+                <a:solidFill>
+                  <a:srgbClr val="871094"/>
+                </a:solidFill>
+                <a:latin typeface="Times New Roman" panose="02020603050405020304" pitchFamily="18" charset="0"/>
+                <a:cs typeface="Times New Roman" panose="02020603050405020304" pitchFamily="18" charset="0"/>
+              </a:rPr>
+              <a:t>android</a:t>
+            </a:r>
+            <a:r>
+              <a:rPr lang="ru-RU" altLang="ru-RU" sz="1600" dirty="0" err="1">
+                <a:solidFill>
+                  <a:srgbClr val="174AD4"/>
+                </a:solidFill>
+                <a:latin typeface="Times New Roman" panose="02020603050405020304" pitchFamily="18" charset="0"/>
+                <a:cs typeface="Times New Roman" panose="02020603050405020304" pitchFamily="18" charset="0"/>
+              </a:rPr>
+              <a:t>:title</a:t>
+            </a:r>
+            <a:r>
+              <a:rPr lang="ru-RU" altLang="ru-RU" sz="1600" dirty="0">
+                <a:solidFill>
+                  <a:srgbClr val="067D17"/>
+                </a:solidFill>
+                <a:latin typeface="Times New Roman" panose="02020603050405020304" pitchFamily="18" charset="0"/>
+                <a:cs typeface="Times New Roman" panose="02020603050405020304" pitchFamily="18" charset="0"/>
+              </a:rPr>
+              <a:t>="@</a:t>
+            </a:r>
+            <a:r>
+              <a:rPr lang="ru-RU" altLang="ru-RU" sz="1600" dirty="0" err="1">
+                <a:solidFill>
+                  <a:srgbClr val="067D17"/>
+                </a:solidFill>
+                <a:latin typeface="Times New Roman" panose="02020603050405020304" pitchFamily="18" charset="0"/>
+                <a:cs typeface="Times New Roman" panose="02020603050405020304" pitchFamily="18" charset="0"/>
+              </a:rPr>
+              <a:t>string</a:t>
+            </a:r>
+            <a:r>
+              <a:rPr lang="ru-RU" altLang="ru-RU" sz="1600" dirty="0">
+                <a:solidFill>
+                  <a:srgbClr val="067D17"/>
+                </a:solidFill>
+                <a:latin typeface="Times New Roman" panose="02020603050405020304" pitchFamily="18" charset="0"/>
+                <a:cs typeface="Times New Roman" panose="02020603050405020304" pitchFamily="18" charset="0"/>
+              </a:rPr>
+              <a:t>/title_1"</a:t>
+            </a:r>
+            <a:br>
+              <a:rPr lang="ru-RU" altLang="ru-RU" sz="1600" dirty="0">
+                <a:solidFill>
+                  <a:srgbClr val="067D17"/>
+                </a:solidFill>
+                <a:latin typeface="Times New Roman" panose="02020603050405020304" pitchFamily="18" charset="0"/>
+                <a:cs typeface="Times New Roman" panose="02020603050405020304" pitchFamily="18" charset="0"/>
+              </a:rPr>
+            </a:br>
+            <a:r>
+              <a:rPr lang="ru-RU" altLang="ru-RU" sz="1600" dirty="0">
+                <a:solidFill>
+                  <a:srgbClr val="067D17"/>
+                </a:solidFill>
+                <a:latin typeface="Times New Roman" panose="02020603050405020304" pitchFamily="18" charset="0"/>
+                <a:cs typeface="Times New Roman" panose="02020603050405020304" pitchFamily="18" charset="0"/>
+              </a:rPr>
+              <a:t>            </a:t>
+            </a:r>
+            <a:r>
+              <a:rPr lang="ru-RU" altLang="ru-RU" sz="1600" dirty="0" err="1">
+                <a:solidFill>
+                  <a:srgbClr val="871094"/>
+                </a:solidFill>
+                <a:latin typeface="Times New Roman" panose="02020603050405020304" pitchFamily="18" charset="0"/>
+                <a:cs typeface="Times New Roman" panose="02020603050405020304" pitchFamily="18" charset="0"/>
+              </a:rPr>
+              <a:t>android</a:t>
+            </a:r>
+            <a:r>
+              <a:rPr lang="ru-RU" altLang="ru-RU" sz="1600" dirty="0" err="1">
+                <a:solidFill>
+                  <a:srgbClr val="174AD4"/>
+                </a:solidFill>
+                <a:latin typeface="Times New Roman" panose="02020603050405020304" pitchFamily="18" charset="0"/>
+                <a:cs typeface="Times New Roman" panose="02020603050405020304" pitchFamily="18" charset="0"/>
+              </a:rPr>
+              <a:t>:checked</a:t>
+            </a:r>
+            <a:r>
+              <a:rPr lang="ru-RU" altLang="ru-RU" sz="1600" dirty="0">
+                <a:solidFill>
+                  <a:srgbClr val="067D17"/>
+                </a:solidFill>
+                <a:latin typeface="Times New Roman" panose="02020603050405020304" pitchFamily="18" charset="0"/>
+                <a:cs typeface="Times New Roman" panose="02020603050405020304" pitchFamily="18" charset="0"/>
+              </a:rPr>
+              <a:t>="</a:t>
+            </a:r>
+            <a:r>
+              <a:rPr lang="ru-RU" altLang="ru-RU" sz="1600" dirty="0" err="1">
+                <a:solidFill>
+                  <a:srgbClr val="067D17"/>
+                </a:solidFill>
+                <a:latin typeface="Times New Roman" panose="02020603050405020304" pitchFamily="18" charset="0"/>
+                <a:cs typeface="Times New Roman" panose="02020603050405020304" pitchFamily="18" charset="0"/>
+              </a:rPr>
+              <a:t>true</a:t>
+            </a:r>
+            <a:r>
+              <a:rPr lang="ru-RU" altLang="ru-RU" sz="1600" dirty="0">
+                <a:solidFill>
+                  <a:srgbClr val="067D17"/>
+                </a:solidFill>
+                <a:latin typeface="Times New Roman" panose="02020603050405020304" pitchFamily="18" charset="0"/>
+                <a:cs typeface="Times New Roman" panose="02020603050405020304" pitchFamily="18" charset="0"/>
+              </a:rPr>
+              <a:t>" </a:t>
+            </a:r>
+            <a:r>
+              <a:rPr lang="ru-RU" altLang="ru-RU" sz="1600" dirty="0">
+                <a:solidFill>
+                  <a:srgbClr val="080808"/>
+                </a:solidFill>
+                <a:latin typeface="Times New Roman" panose="02020603050405020304" pitchFamily="18" charset="0"/>
+                <a:cs typeface="Times New Roman" panose="02020603050405020304" pitchFamily="18" charset="0"/>
+              </a:rPr>
+              <a:t>/&gt;</a:t>
+            </a:r>
+          </a:p>
+          <a:p>
+            <a:pPr lvl="0" defTabSz="914400" eaLnBrk="0" fontAlgn="base" hangingPunct="0">
+              <a:spcBef>
+                <a:spcPct val="0"/>
+              </a:spcBef>
+              <a:spcAft>
+                <a:spcPct val="0"/>
+              </a:spcAft>
+            </a:pPr>
+            <a:br>
+              <a:rPr lang="ru-RU" altLang="ru-RU" sz="1600" dirty="0">
+                <a:solidFill>
+                  <a:srgbClr val="080808"/>
+                </a:solidFill>
+                <a:latin typeface="Times New Roman" panose="02020603050405020304" pitchFamily="18" charset="0"/>
+                <a:cs typeface="Times New Roman" panose="02020603050405020304" pitchFamily="18" charset="0"/>
+              </a:rPr>
+            </a:br>
+            <a:r>
+              <a:rPr lang="ru-RU" altLang="ru-RU" sz="1600" dirty="0">
+                <a:solidFill>
+                  <a:srgbClr val="080808"/>
+                </a:solidFill>
+                <a:latin typeface="Times New Roman" panose="02020603050405020304" pitchFamily="18" charset="0"/>
+                <a:cs typeface="Times New Roman" panose="02020603050405020304" pitchFamily="18" charset="0"/>
+              </a:rPr>
+              <a:t>        &lt;</a:t>
+            </a:r>
+            <a:r>
+              <a:rPr lang="ru-RU" altLang="ru-RU" sz="1600" dirty="0" err="1">
+                <a:solidFill>
+                  <a:srgbClr val="0033B3"/>
+                </a:solidFill>
+                <a:latin typeface="Times New Roman" panose="02020603050405020304" pitchFamily="18" charset="0"/>
+                <a:cs typeface="Times New Roman" panose="02020603050405020304" pitchFamily="18" charset="0"/>
+              </a:rPr>
+              <a:t>item</a:t>
+            </a:r>
+            <a:br>
+              <a:rPr lang="ru-RU" altLang="ru-RU" sz="1600" dirty="0">
+                <a:solidFill>
+                  <a:srgbClr val="0033B3"/>
+                </a:solidFill>
+                <a:latin typeface="Times New Roman" panose="02020603050405020304" pitchFamily="18" charset="0"/>
+                <a:cs typeface="Times New Roman" panose="02020603050405020304" pitchFamily="18" charset="0"/>
+              </a:rPr>
+            </a:br>
+            <a:r>
+              <a:rPr lang="ru-RU" altLang="ru-RU" sz="1600" dirty="0">
+                <a:solidFill>
+                  <a:srgbClr val="0033B3"/>
+                </a:solidFill>
+                <a:latin typeface="Times New Roman" panose="02020603050405020304" pitchFamily="18" charset="0"/>
+                <a:cs typeface="Times New Roman" panose="02020603050405020304" pitchFamily="18" charset="0"/>
+              </a:rPr>
+              <a:t>            </a:t>
+            </a:r>
+            <a:r>
+              <a:rPr lang="ru-RU" altLang="ru-RU" sz="1600" dirty="0" err="1">
+                <a:solidFill>
+                  <a:srgbClr val="871094"/>
+                </a:solidFill>
+                <a:latin typeface="Times New Roman" panose="02020603050405020304" pitchFamily="18" charset="0"/>
+                <a:cs typeface="Times New Roman" panose="02020603050405020304" pitchFamily="18" charset="0"/>
+              </a:rPr>
+              <a:t>android</a:t>
+            </a:r>
+            <a:r>
+              <a:rPr lang="ru-RU" altLang="ru-RU" sz="1600" dirty="0" err="1">
+                <a:solidFill>
+                  <a:srgbClr val="174AD4"/>
+                </a:solidFill>
+                <a:latin typeface="Times New Roman" panose="02020603050405020304" pitchFamily="18" charset="0"/>
+                <a:cs typeface="Times New Roman" panose="02020603050405020304" pitchFamily="18" charset="0"/>
+              </a:rPr>
+              <a:t>:id</a:t>
+            </a:r>
+            <a:r>
+              <a:rPr lang="ru-RU" altLang="ru-RU" sz="1600" dirty="0">
+                <a:solidFill>
+                  <a:srgbClr val="067D17"/>
+                </a:solidFill>
+                <a:latin typeface="Times New Roman" panose="02020603050405020304" pitchFamily="18" charset="0"/>
+                <a:cs typeface="Times New Roman" panose="02020603050405020304" pitchFamily="18" charset="0"/>
+              </a:rPr>
+              <a:t>="@+</a:t>
+            </a:r>
+            <a:r>
+              <a:rPr lang="ru-RU" altLang="ru-RU" sz="1600" dirty="0" err="1">
+                <a:solidFill>
+                  <a:srgbClr val="067D17"/>
+                </a:solidFill>
+                <a:latin typeface="Times New Roman" panose="02020603050405020304" pitchFamily="18" charset="0"/>
+                <a:cs typeface="Times New Roman" panose="02020603050405020304" pitchFamily="18" charset="0"/>
+              </a:rPr>
+              <a:t>id</a:t>
+            </a:r>
+            <a:r>
+              <a:rPr lang="ru-RU" altLang="ru-RU" sz="1600" dirty="0">
+                <a:solidFill>
+                  <a:srgbClr val="067D17"/>
+                </a:solidFill>
+                <a:latin typeface="Times New Roman" panose="02020603050405020304" pitchFamily="18" charset="0"/>
+                <a:cs typeface="Times New Roman" panose="02020603050405020304" pitchFamily="18" charset="0"/>
+              </a:rPr>
+              <a:t>/item2"</a:t>
+            </a:r>
+            <a:br>
+              <a:rPr lang="ru-RU" altLang="ru-RU" sz="1600" dirty="0">
+                <a:solidFill>
+                  <a:srgbClr val="067D17"/>
+                </a:solidFill>
+                <a:latin typeface="Times New Roman" panose="02020603050405020304" pitchFamily="18" charset="0"/>
+                <a:cs typeface="Times New Roman" panose="02020603050405020304" pitchFamily="18" charset="0"/>
+              </a:rPr>
+            </a:br>
+            <a:r>
+              <a:rPr lang="ru-RU" altLang="ru-RU" sz="1600" dirty="0">
+                <a:solidFill>
+                  <a:srgbClr val="067D17"/>
+                </a:solidFill>
+                <a:latin typeface="Times New Roman" panose="02020603050405020304" pitchFamily="18" charset="0"/>
+                <a:cs typeface="Times New Roman" panose="02020603050405020304" pitchFamily="18" charset="0"/>
+              </a:rPr>
+              <a:t>            </a:t>
+            </a:r>
+            <a:r>
+              <a:rPr lang="ru-RU" altLang="ru-RU" sz="1600" dirty="0" err="1">
+                <a:solidFill>
+                  <a:srgbClr val="871094"/>
+                </a:solidFill>
+                <a:latin typeface="Times New Roman" panose="02020603050405020304" pitchFamily="18" charset="0"/>
+                <a:cs typeface="Times New Roman" panose="02020603050405020304" pitchFamily="18" charset="0"/>
+              </a:rPr>
+              <a:t>android</a:t>
+            </a:r>
+            <a:r>
+              <a:rPr lang="ru-RU" altLang="ru-RU" sz="1600" dirty="0" err="1">
+                <a:solidFill>
+                  <a:srgbClr val="174AD4"/>
+                </a:solidFill>
+                <a:latin typeface="Times New Roman" panose="02020603050405020304" pitchFamily="18" charset="0"/>
+                <a:cs typeface="Times New Roman" panose="02020603050405020304" pitchFamily="18" charset="0"/>
+              </a:rPr>
+              <a:t>:icon</a:t>
+            </a:r>
+            <a:r>
+              <a:rPr lang="ru-RU" altLang="ru-RU" sz="1600" dirty="0">
+                <a:solidFill>
+                  <a:srgbClr val="067D17"/>
+                </a:solidFill>
+                <a:latin typeface="Times New Roman" panose="02020603050405020304" pitchFamily="18" charset="0"/>
+                <a:cs typeface="Times New Roman" panose="02020603050405020304" pitchFamily="18" charset="0"/>
+              </a:rPr>
+              <a:t>="@</a:t>
+            </a:r>
+            <a:r>
+              <a:rPr lang="ru-RU" altLang="ru-RU" sz="1600" dirty="0" err="1">
+                <a:solidFill>
+                  <a:srgbClr val="067D17"/>
+                </a:solidFill>
+                <a:latin typeface="Times New Roman" panose="02020603050405020304" pitchFamily="18" charset="0"/>
+                <a:cs typeface="Times New Roman" panose="02020603050405020304" pitchFamily="18" charset="0"/>
+              </a:rPr>
+              <a:t>drawable</a:t>
+            </a:r>
+            <a:r>
+              <a:rPr lang="ru-RU" altLang="ru-RU" sz="1600" dirty="0">
+                <a:solidFill>
+                  <a:srgbClr val="067D17"/>
+                </a:solidFill>
+                <a:latin typeface="Times New Roman" panose="02020603050405020304" pitchFamily="18" charset="0"/>
+                <a:cs typeface="Times New Roman" panose="02020603050405020304" pitchFamily="18" charset="0"/>
+              </a:rPr>
+              <a:t>/</a:t>
+            </a:r>
+            <a:r>
+              <a:rPr lang="ru-RU" altLang="ru-RU" sz="1600" dirty="0" err="1">
+                <a:solidFill>
+                  <a:srgbClr val="067D17"/>
+                </a:solidFill>
+                <a:latin typeface="Times New Roman" panose="02020603050405020304" pitchFamily="18" charset="0"/>
+                <a:cs typeface="Times New Roman" panose="02020603050405020304" pitchFamily="18" charset="0"/>
+              </a:rPr>
+              <a:t>ic</a:t>
+            </a:r>
+            <a:r>
+              <a:rPr lang="en-US" altLang="ru-RU" sz="1600" dirty="0">
+                <a:solidFill>
+                  <a:srgbClr val="067D17"/>
+                </a:solidFill>
+                <a:latin typeface="Times New Roman" panose="02020603050405020304" pitchFamily="18" charset="0"/>
+                <a:cs typeface="Times New Roman" panose="02020603050405020304" pitchFamily="18" charset="0"/>
+              </a:rPr>
+              <a:t>on_2</a:t>
+            </a:r>
+            <a:r>
+              <a:rPr lang="ru-RU" altLang="ru-RU" sz="1600" dirty="0">
+                <a:solidFill>
+                  <a:srgbClr val="067D17"/>
+                </a:solidFill>
+                <a:latin typeface="Times New Roman" panose="02020603050405020304" pitchFamily="18" charset="0"/>
+                <a:cs typeface="Times New Roman" panose="02020603050405020304" pitchFamily="18" charset="0"/>
+              </a:rPr>
+              <a:t>"</a:t>
+            </a:r>
+            <a:br>
+              <a:rPr lang="ru-RU" altLang="ru-RU" sz="1600" dirty="0">
+                <a:solidFill>
+                  <a:srgbClr val="067D17"/>
+                </a:solidFill>
+                <a:latin typeface="Times New Roman" panose="02020603050405020304" pitchFamily="18" charset="0"/>
+                <a:cs typeface="Times New Roman" panose="02020603050405020304" pitchFamily="18" charset="0"/>
+              </a:rPr>
+            </a:br>
+            <a:r>
+              <a:rPr lang="ru-RU" altLang="ru-RU" sz="1600" dirty="0">
+                <a:solidFill>
+                  <a:srgbClr val="067D17"/>
+                </a:solidFill>
+                <a:latin typeface="Times New Roman" panose="02020603050405020304" pitchFamily="18" charset="0"/>
+                <a:cs typeface="Times New Roman" panose="02020603050405020304" pitchFamily="18" charset="0"/>
+              </a:rPr>
+              <a:t>            </a:t>
+            </a:r>
+            <a:r>
+              <a:rPr lang="ru-RU" altLang="ru-RU" sz="1600" dirty="0" err="1">
+                <a:solidFill>
+                  <a:srgbClr val="871094"/>
+                </a:solidFill>
+                <a:latin typeface="Times New Roman" panose="02020603050405020304" pitchFamily="18" charset="0"/>
+                <a:cs typeface="Times New Roman" panose="02020603050405020304" pitchFamily="18" charset="0"/>
+              </a:rPr>
+              <a:t>android</a:t>
+            </a:r>
+            <a:r>
+              <a:rPr lang="ru-RU" altLang="ru-RU" sz="1600" dirty="0" err="1">
+                <a:solidFill>
+                  <a:srgbClr val="174AD4"/>
+                </a:solidFill>
+                <a:latin typeface="Times New Roman" panose="02020603050405020304" pitchFamily="18" charset="0"/>
+                <a:cs typeface="Times New Roman" panose="02020603050405020304" pitchFamily="18" charset="0"/>
+              </a:rPr>
+              <a:t>:title</a:t>
+            </a:r>
+            <a:r>
+              <a:rPr lang="ru-RU" altLang="ru-RU" sz="1600" dirty="0">
+                <a:solidFill>
+                  <a:srgbClr val="067D17"/>
+                </a:solidFill>
+                <a:latin typeface="Times New Roman" panose="02020603050405020304" pitchFamily="18" charset="0"/>
+                <a:cs typeface="Times New Roman" panose="02020603050405020304" pitchFamily="18" charset="0"/>
+              </a:rPr>
+              <a:t>="@</a:t>
+            </a:r>
+            <a:r>
+              <a:rPr lang="ru-RU" altLang="ru-RU" sz="1600" dirty="0" err="1">
+                <a:solidFill>
+                  <a:srgbClr val="067D17"/>
+                </a:solidFill>
+                <a:latin typeface="Times New Roman" panose="02020603050405020304" pitchFamily="18" charset="0"/>
+                <a:cs typeface="Times New Roman" panose="02020603050405020304" pitchFamily="18" charset="0"/>
+              </a:rPr>
+              <a:t>string</a:t>
+            </a:r>
+            <a:r>
+              <a:rPr lang="ru-RU" altLang="ru-RU" sz="1600" dirty="0">
+                <a:solidFill>
+                  <a:srgbClr val="067D17"/>
+                </a:solidFill>
+                <a:latin typeface="Times New Roman" panose="02020603050405020304" pitchFamily="18" charset="0"/>
+                <a:cs typeface="Times New Roman" panose="02020603050405020304" pitchFamily="18" charset="0"/>
+              </a:rPr>
+              <a:t>/title_2" </a:t>
+            </a:r>
+            <a:r>
+              <a:rPr lang="ru-RU" altLang="ru-RU" sz="1600" dirty="0">
+                <a:solidFill>
+                  <a:srgbClr val="080808"/>
+                </a:solidFill>
+                <a:latin typeface="Times New Roman" panose="02020603050405020304" pitchFamily="18" charset="0"/>
+                <a:cs typeface="Times New Roman" panose="02020603050405020304" pitchFamily="18" charset="0"/>
+              </a:rPr>
+              <a:t>/&gt;</a:t>
+            </a:r>
+          </a:p>
+          <a:p>
+            <a:pPr lvl="0" defTabSz="914400" eaLnBrk="0" fontAlgn="base" hangingPunct="0">
+              <a:spcBef>
+                <a:spcPct val="0"/>
+              </a:spcBef>
+              <a:spcAft>
+                <a:spcPct val="0"/>
+              </a:spcAft>
+            </a:pPr>
+            <a:br>
+              <a:rPr lang="ru-RU" altLang="ru-RU" sz="1600" dirty="0">
+                <a:solidFill>
+                  <a:srgbClr val="080808"/>
+                </a:solidFill>
+                <a:latin typeface="Times New Roman" panose="02020603050405020304" pitchFamily="18" charset="0"/>
+                <a:cs typeface="Times New Roman" panose="02020603050405020304" pitchFamily="18" charset="0"/>
+              </a:rPr>
+            </a:br>
+            <a:r>
+              <a:rPr lang="ru-RU" altLang="ru-RU" sz="1600" dirty="0">
+                <a:solidFill>
+                  <a:srgbClr val="080808"/>
+                </a:solidFill>
+                <a:latin typeface="Times New Roman" panose="02020603050405020304" pitchFamily="18" charset="0"/>
+                <a:cs typeface="Times New Roman" panose="02020603050405020304" pitchFamily="18" charset="0"/>
+              </a:rPr>
+              <a:t>    &lt;/</a:t>
+            </a:r>
+            <a:r>
+              <a:rPr lang="ru-RU" altLang="ru-RU" sz="1600" dirty="0" err="1">
+                <a:solidFill>
+                  <a:srgbClr val="0033B3"/>
+                </a:solidFill>
+                <a:latin typeface="Times New Roman" panose="02020603050405020304" pitchFamily="18" charset="0"/>
+                <a:cs typeface="Times New Roman" panose="02020603050405020304" pitchFamily="18" charset="0"/>
+              </a:rPr>
+              <a:t>group</a:t>
+            </a:r>
+            <a:r>
+              <a:rPr lang="ru-RU" altLang="ru-RU" sz="1600" dirty="0">
+                <a:solidFill>
+                  <a:srgbClr val="080808"/>
+                </a:solidFill>
+                <a:latin typeface="Times New Roman" panose="02020603050405020304" pitchFamily="18" charset="0"/>
+                <a:cs typeface="Times New Roman" panose="02020603050405020304" pitchFamily="18" charset="0"/>
+              </a:rPr>
+              <a:t>&gt;</a:t>
+            </a:r>
+            <a:br>
+              <a:rPr lang="ru-RU" altLang="ru-RU" sz="1600" dirty="0">
+                <a:solidFill>
+                  <a:srgbClr val="080808"/>
+                </a:solidFill>
+                <a:latin typeface="Times New Roman" panose="02020603050405020304" pitchFamily="18" charset="0"/>
+                <a:cs typeface="Times New Roman" panose="02020603050405020304" pitchFamily="18" charset="0"/>
+              </a:rPr>
+            </a:br>
+            <a:r>
+              <a:rPr lang="ru-RU" altLang="ru-RU" sz="1600" dirty="0">
+                <a:solidFill>
+                  <a:srgbClr val="080808"/>
+                </a:solidFill>
+                <a:latin typeface="Times New Roman" panose="02020603050405020304" pitchFamily="18" charset="0"/>
+                <a:cs typeface="Times New Roman" panose="02020603050405020304" pitchFamily="18" charset="0"/>
+              </a:rPr>
+              <a:t>&lt;/</a:t>
+            </a:r>
+            <a:r>
+              <a:rPr lang="ru-RU" altLang="ru-RU" sz="1600" dirty="0" err="1">
+                <a:solidFill>
+                  <a:srgbClr val="0033B3"/>
+                </a:solidFill>
+                <a:latin typeface="Times New Roman" panose="02020603050405020304" pitchFamily="18" charset="0"/>
+                <a:cs typeface="Times New Roman" panose="02020603050405020304" pitchFamily="18" charset="0"/>
+              </a:rPr>
+              <a:t>menu</a:t>
+            </a:r>
+            <a:r>
+              <a:rPr lang="ru-RU" altLang="ru-RU" sz="1600" dirty="0">
+                <a:solidFill>
+                  <a:srgbClr val="080808"/>
+                </a:solidFill>
+                <a:latin typeface="Times New Roman" panose="02020603050405020304" pitchFamily="18" charset="0"/>
+                <a:cs typeface="Times New Roman" panose="02020603050405020304" pitchFamily="18" charset="0"/>
+              </a:rPr>
+              <a:t>&gt;</a:t>
+            </a:r>
+            <a:endParaRPr lang="ru-RU" altLang="ru-RU" sz="3600" dirty="0">
+              <a:latin typeface="Times New Roman" panose="02020603050405020304" pitchFamily="18" charset="0"/>
+              <a:cs typeface="Times New Roman" panose="02020603050405020304" pitchFamily="18" charset="0"/>
+            </a:endParaRPr>
+          </a:p>
+        </p:txBody>
+      </p:sp>
+    </p:spTree>
+    <p:extLst>
+      <p:ext uri="{BB962C8B-B14F-4D97-AF65-F5344CB8AC3E}">
+        <p14:creationId xmlns:p14="http://schemas.microsoft.com/office/powerpoint/2010/main" val="2942839008"/>
+      </p:ext>
+    </p:extLst>
+  </p:cSld>
+  <p:clrMapOvr>
+    <a:masterClrMapping/>
+  </p:clrMapOvr>
+</p:sld>
+</file>
+
+<file path=ppt/slides/slide13.xml><?xml version="1.0" encoding="utf-8"?>
+<p:sld xmlns:a="http://schemas.openxmlformats.org/drawingml/2006/main" xmlns:r="http://schemas.openxmlformats.org/officeDocument/2006/relationships" xmlns:p="http://schemas.openxmlformats.org/presentationml/2006/main">
+  <p:cSld>
+    <p:bg>
+      <p:bgPr>
+        <a:solidFill>
+          <a:schemeClr val="bg1"/>
+        </a:solidFill>
+        <a:effectLst/>
+      </p:bgPr>
+    </p:bg>
+    <p:spTree>
+      <p:nvGrpSpPr>
+        <p:cNvPr id="1" name=""/>
+        <p:cNvGrpSpPr/>
+        <p:nvPr/>
+      </p:nvGrpSpPr>
+      <p:grpSpPr>
+        <a:xfrm>
+          <a:off x="0" y="0"/>
+          <a:ext cx="0" cy="0"/>
+          <a:chOff x="0" y="0"/>
+          <a:chExt cx="0" cy="0"/>
+        </a:xfrm>
+      </p:grpSpPr>
+      <p:sp useBgFill="1">
+        <p:nvSpPr>
+          <p:cNvPr id="78" name="Rectangle 77">
+            <a:extLst>
+              <a:ext uri="{FF2B5EF4-FFF2-40B4-BE49-F238E27FC236}">
+                <a16:creationId xmlns:a16="http://schemas.microsoft.com/office/drawing/2014/main" id="{A35CBD63-8F8F-47DC-9CE7-159E6161D872}"/>
+              </a:ext>
+              <a:ext uri="{C183D7F6-B498-43B3-948B-1728B52AA6E4}">
+                <adec:decorative xmlns:adec="http://schemas.microsoft.com/office/drawing/2017/decorative" val="1"/>
+              </a:ext>
+            </a:extLst>
+          </p:cNvPr>
+          <p:cNvSpPr>
+            <a:spLocks noGrp="1" noRot="1" noChangeAspect="1" noMove="1" noResize="1" noEditPoints="1" noAdjustHandles="1" noChangeArrowheads="1" noChangeShapeType="1" noTextEdit="1"/>
+          </p:cNvSpPr>
+          <p:nvPr>
+            <p:extLst>
+              <p:ext uri="{386F3935-93C4-4BCD-93E2-E3B085C9AB24}">
+                <p16:designElem xmlns:p16="http://schemas.microsoft.com/office/powerpoint/2015/main" val="1"/>
+              </p:ext>
+            </p:extLst>
+          </p:nvPr>
+        </p:nvSpPr>
+        <p:spPr>
+          <a:xfrm>
+            <a:off x="0" y="0"/>
+            <a:ext cx="12192000" cy="6858000"/>
+          </a:xfrm>
+          <a:prstGeom prst="rect">
+            <a:avLst/>
+          </a:prstGeom>
+          <a:ln>
+            <a:noFill/>
+          </a:ln>
+        </p:spPr>
+        <p:style>
+          <a:lnRef idx="2">
+            <a:schemeClr val="accent1">
+              <a:shade val="50000"/>
+            </a:schemeClr>
+          </a:lnRef>
+          <a:fillRef idx="1">
+            <a:schemeClr val="accent1"/>
+          </a:fillRef>
+          <a:effectRef idx="0">
+            <a:schemeClr val="accent1"/>
+          </a:effectRef>
+          <a:fontRef idx="minor">
+            <a:schemeClr val="lt1"/>
+          </a:fontRef>
+        </p:style>
+        <p:txBody>
+          <a:bodyPr rtlCol="0" anchor="ctr"/>
+          <a:lstStyle/>
+          <a:p>
+            <a:pPr algn="ctr"/>
+            <a:endParaRPr lang="en-US"/>
+          </a:p>
+        </p:txBody>
+      </p:sp>
+      <p:sp>
+        <p:nvSpPr>
+          <p:cNvPr id="80" name="Rectangle 79">
+            <a:extLst>
+              <a:ext uri="{FF2B5EF4-FFF2-40B4-BE49-F238E27FC236}">
+                <a16:creationId xmlns:a16="http://schemas.microsoft.com/office/drawing/2014/main" id="{CA0E3486-FD49-4921-B4F4-E5BB5C88AC79}"/>
+              </a:ext>
+              <a:ext uri="{C183D7F6-B498-43B3-948B-1728B52AA6E4}">
+                <adec:decorative xmlns:adec="http://schemas.microsoft.com/office/drawing/2017/decorative" val="1"/>
+              </a:ext>
+            </a:extLst>
+          </p:cNvPr>
+          <p:cNvSpPr>
+            <a:spLocks noGrp="1" noRot="1" noChangeAspect="1" noMove="1" noResize="1" noEditPoints="1" noAdjustHandles="1" noChangeArrowheads="1" noChangeShapeType="1" noTextEdit="1"/>
+          </p:cNvSpPr>
+          <p:nvPr>
+            <p:extLst>
+              <p:ext uri="{386F3935-93C4-4BCD-93E2-E3B085C9AB24}">
+                <p16:designElem xmlns:p16="http://schemas.microsoft.com/office/powerpoint/2015/main" val="1"/>
+              </p:ext>
+            </p:extLst>
+          </p:nvPr>
+        </p:nvSpPr>
+        <p:spPr>
+          <a:xfrm>
+            <a:off x="-1" y="758953"/>
+            <a:ext cx="3577575" cy="5330952"/>
+          </a:xfrm>
+          <a:prstGeom prst="rect">
+            <a:avLst/>
+          </a:prstGeom>
+          <a:solidFill>
+            <a:schemeClr val="accent1"/>
+          </a:solidFill>
+          <a:ln>
+            <a:noFill/>
+          </a:ln>
+        </p:spPr>
+        <p:style>
+          <a:lnRef idx="2">
+            <a:schemeClr val="accent1">
+              <a:shade val="50000"/>
+            </a:schemeClr>
+          </a:lnRef>
+          <a:fillRef idx="1">
+            <a:schemeClr val="accent1"/>
+          </a:fillRef>
+          <a:effectRef idx="0">
+            <a:schemeClr val="accent1"/>
+          </a:effectRef>
+          <a:fontRef idx="minor">
+            <a:schemeClr val="lt1"/>
+          </a:fontRef>
+        </p:style>
+      </p:sp>
+      <p:sp>
+        <p:nvSpPr>
+          <p:cNvPr id="1030" name="Content Placeholder 1029">
+            <a:extLst>
+              <a:ext uri="{FF2B5EF4-FFF2-40B4-BE49-F238E27FC236}">
+                <a16:creationId xmlns:a16="http://schemas.microsoft.com/office/drawing/2014/main" id="{6B850C18-2FCB-4A2C-B8BE-915BD9E63334}"/>
+              </a:ext>
+            </a:extLst>
+          </p:cNvPr>
+          <p:cNvSpPr>
+            <a:spLocks noGrp="1"/>
+          </p:cNvSpPr>
+          <p:nvPr>
+            <p:ph idx="1"/>
+          </p:nvPr>
+        </p:nvSpPr>
+        <p:spPr>
+          <a:xfrm>
+            <a:off x="87773" y="1931195"/>
+            <a:ext cx="3382392" cy="3744264"/>
+          </a:xfrm>
+        </p:spPr>
+        <p:txBody>
+          <a:bodyPr anchor="t">
+            <a:normAutofit/>
+          </a:bodyPr>
+          <a:lstStyle/>
+          <a:p>
+            <a:pPr marL="0" indent="0">
+              <a:buNone/>
+            </a:pPr>
+            <a:r>
+              <a:rPr lang="az-Cyrl-AZ" sz="3600" b="1" dirty="0">
+                <a:solidFill>
+                  <a:srgbClr val="FFFFFF"/>
+                </a:solidFill>
+              </a:rPr>
+              <a:t>Обработка выбора пунктов меню</a:t>
+            </a:r>
+            <a:endParaRPr lang="en-US" sz="3600" b="1" dirty="0">
+              <a:solidFill>
+                <a:srgbClr val="FFFFFF"/>
+              </a:solidFill>
+            </a:endParaRPr>
+          </a:p>
+        </p:txBody>
+      </p:sp>
+      <p:sp>
+        <p:nvSpPr>
+          <p:cNvPr id="82" name="Rectangle 81">
+            <a:extLst>
+              <a:ext uri="{FF2B5EF4-FFF2-40B4-BE49-F238E27FC236}">
+                <a16:creationId xmlns:a16="http://schemas.microsoft.com/office/drawing/2014/main" id="{83B4A72C-2924-4CE2-8674-7E02E182ED6D}"/>
+              </a:ext>
+              <a:ext uri="{C183D7F6-B498-43B3-948B-1728B52AA6E4}">
+                <adec:decorative xmlns:adec="http://schemas.microsoft.com/office/drawing/2017/decorative" val="1"/>
+              </a:ext>
+            </a:extLst>
+          </p:cNvPr>
+          <p:cNvSpPr>
+            <a:spLocks noGrp="1" noRot="1" noChangeAspect="1" noMove="1" noResize="1" noEditPoints="1" noAdjustHandles="1" noChangeArrowheads="1" noChangeShapeType="1" noTextEdit="1"/>
+          </p:cNvSpPr>
+          <p:nvPr>
+            <p:extLst>
+              <p:ext uri="{386F3935-93C4-4BCD-93E2-E3B085C9AB24}">
+                <p16:designElem xmlns:p16="http://schemas.microsoft.com/office/powerpoint/2015/main" val="1"/>
+              </p:ext>
+            </p:extLst>
+          </p:nvPr>
+        </p:nvSpPr>
+        <p:spPr>
+          <a:xfrm>
+            <a:off x="11815864" y="758952"/>
+            <a:ext cx="384048" cy="5330952"/>
+          </a:xfrm>
+          <a:prstGeom prst="rect">
+            <a:avLst/>
+          </a:prstGeom>
+          <a:solidFill>
+            <a:srgbClr val="C8C8C8">
+              <a:alpha val="49804"/>
+            </a:srgbClr>
+          </a:solidFill>
+          <a:ln>
+            <a:noFill/>
+          </a:ln>
+        </p:spPr>
+        <p:style>
+          <a:lnRef idx="2">
+            <a:schemeClr val="accent1">
+              <a:shade val="50000"/>
+            </a:schemeClr>
+          </a:lnRef>
+          <a:fillRef idx="1">
+            <a:schemeClr val="accent1"/>
+          </a:fillRef>
+          <a:effectRef idx="0">
+            <a:schemeClr val="accent1"/>
+          </a:effectRef>
+          <a:fontRef idx="minor">
+            <a:schemeClr val="lt1"/>
+          </a:fontRef>
+        </p:style>
+      </p:sp>
+      <p:sp>
+        <p:nvSpPr>
+          <p:cNvPr id="11" name="Прямоугольник 10">
+            <a:extLst>
+              <a:ext uri="{FF2B5EF4-FFF2-40B4-BE49-F238E27FC236}">
+                <a16:creationId xmlns:a16="http://schemas.microsoft.com/office/drawing/2014/main" id="{7A84073B-3D9B-4B19-8C11-92FC8E0146B9}"/>
+              </a:ext>
+            </a:extLst>
+          </p:cNvPr>
+          <p:cNvSpPr/>
+          <p:nvPr/>
+        </p:nvSpPr>
+        <p:spPr>
+          <a:xfrm>
+            <a:off x="3711937" y="1229734"/>
+            <a:ext cx="8103927" cy="4247317"/>
+          </a:xfrm>
+          <a:prstGeom prst="rect">
+            <a:avLst/>
+          </a:prstGeom>
+        </p:spPr>
+        <p:txBody>
+          <a:bodyPr wrap="square">
+            <a:spAutoFit/>
+          </a:bodyPr>
+          <a:lstStyle/>
+          <a:p>
+            <a:pPr lvl="0" defTabSz="914400" eaLnBrk="0" fontAlgn="base" hangingPunct="0">
+              <a:spcBef>
+                <a:spcPct val="0"/>
+              </a:spcBef>
+              <a:spcAft>
+                <a:spcPct val="0"/>
+              </a:spcAft>
+            </a:pPr>
+            <a:r>
+              <a:rPr lang="ru-RU" altLang="ru-RU" b="1" dirty="0">
+                <a:solidFill>
+                  <a:schemeClr val="accent1">
+                    <a:lumMod val="50000"/>
+                  </a:schemeClr>
+                </a:solidFill>
+                <a:latin typeface="Times New Roman" panose="02020603050405020304" pitchFamily="18" charset="0"/>
+                <a:cs typeface="Times New Roman" panose="02020603050405020304" pitchFamily="18" charset="0"/>
+              </a:rPr>
+              <a:t>//</a:t>
+            </a:r>
+            <a:r>
+              <a:rPr lang="az-Cyrl-AZ" altLang="ru-RU" b="1" dirty="0">
+                <a:solidFill>
+                  <a:schemeClr val="accent1">
+                    <a:lumMod val="50000"/>
+                  </a:schemeClr>
+                </a:solidFill>
+                <a:latin typeface="Times New Roman" panose="02020603050405020304" pitchFamily="18" charset="0"/>
+                <a:cs typeface="Times New Roman" panose="02020603050405020304" pitchFamily="18" charset="0"/>
+              </a:rPr>
+              <a:t>Находим компоненты</a:t>
+            </a:r>
+            <a:endParaRPr lang="ru-RU" altLang="ru-RU" b="1" dirty="0">
+              <a:solidFill>
+                <a:schemeClr val="accent1">
+                  <a:lumMod val="50000"/>
+                </a:schemeClr>
+              </a:solidFill>
+              <a:latin typeface="Times New Roman" panose="02020603050405020304" pitchFamily="18" charset="0"/>
+              <a:cs typeface="Times New Roman" panose="02020603050405020304" pitchFamily="18" charset="0"/>
+            </a:endParaRPr>
+          </a:p>
+          <a:p>
+            <a:pPr lvl="0" defTabSz="914400" eaLnBrk="0" fontAlgn="base" hangingPunct="0">
+              <a:spcBef>
+                <a:spcPct val="0"/>
+              </a:spcBef>
+              <a:spcAft>
+                <a:spcPct val="0"/>
+              </a:spcAft>
+            </a:pPr>
+            <a:r>
+              <a:rPr lang="ru-RU" altLang="ru-RU" dirty="0" err="1">
+                <a:solidFill>
+                  <a:srgbClr val="000000"/>
+                </a:solidFill>
+                <a:latin typeface="Times New Roman" panose="02020603050405020304" pitchFamily="18" charset="0"/>
+                <a:cs typeface="Times New Roman" panose="02020603050405020304" pitchFamily="18" charset="0"/>
+              </a:rPr>
+              <a:t>NavigationView</a:t>
+            </a:r>
+            <a:r>
+              <a:rPr lang="ru-RU" altLang="ru-RU" dirty="0">
+                <a:solidFill>
+                  <a:srgbClr val="000000"/>
+                </a:solidFill>
+                <a:latin typeface="Times New Roman" panose="02020603050405020304" pitchFamily="18" charset="0"/>
+                <a:cs typeface="Times New Roman" panose="02020603050405020304" pitchFamily="18" charset="0"/>
+              </a:rPr>
+              <a:t> </a:t>
+            </a:r>
+            <a:r>
+              <a:rPr lang="ru-RU" altLang="ru-RU" dirty="0" err="1">
+                <a:solidFill>
+                  <a:srgbClr val="000000"/>
+                </a:solidFill>
+                <a:latin typeface="Times New Roman" panose="02020603050405020304" pitchFamily="18" charset="0"/>
+                <a:cs typeface="Times New Roman" panose="02020603050405020304" pitchFamily="18" charset="0"/>
+              </a:rPr>
+              <a:t>navigationView</a:t>
+            </a:r>
+            <a:r>
+              <a:rPr lang="ru-RU" altLang="ru-RU" dirty="0">
+                <a:solidFill>
+                  <a:srgbClr val="000000"/>
+                </a:solidFill>
+                <a:latin typeface="Times New Roman" panose="02020603050405020304" pitchFamily="18" charset="0"/>
+                <a:cs typeface="Times New Roman" panose="02020603050405020304" pitchFamily="18" charset="0"/>
+              </a:rPr>
+              <a:t> </a:t>
+            </a:r>
+            <a:r>
+              <a:rPr lang="ru-RU" altLang="ru-RU" dirty="0">
+                <a:solidFill>
+                  <a:srgbClr val="080808"/>
+                </a:solidFill>
+                <a:latin typeface="Times New Roman" panose="02020603050405020304" pitchFamily="18" charset="0"/>
+                <a:cs typeface="Times New Roman" panose="02020603050405020304" pitchFamily="18" charset="0"/>
+              </a:rPr>
+              <a:t>= </a:t>
+            </a:r>
+            <a:r>
+              <a:rPr lang="ru-RU" altLang="ru-RU" dirty="0" err="1">
+                <a:solidFill>
+                  <a:srgbClr val="080808"/>
+                </a:solidFill>
+                <a:latin typeface="Times New Roman" panose="02020603050405020304" pitchFamily="18" charset="0"/>
+                <a:cs typeface="Times New Roman" panose="02020603050405020304" pitchFamily="18" charset="0"/>
+              </a:rPr>
+              <a:t>findViewById</a:t>
+            </a:r>
+            <a:r>
+              <a:rPr lang="ru-RU" altLang="ru-RU" dirty="0">
+                <a:solidFill>
+                  <a:srgbClr val="080808"/>
+                </a:solidFill>
+                <a:latin typeface="Times New Roman" panose="02020603050405020304" pitchFamily="18" charset="0"/>
+                <a:cs typeface="Times New Roman" panose="02020603050405020304" pitchFamily="18" charset="0"/>
+              </a:rPr>
+              <a:t>(</a:t>
+            </a:r>
+            <a:r>
+              <a:rPr lang="ru-RU" altLang="ru-RU" dirty="0" err="1">
+                <a:solidFill>
+                  <a:srgbClr val="000000"/>
+                </a:solidFill>
+                <a:latin typeface="Times New Roman" panose="02020603050405020304" pitchFamily="18" charset="0"/>
+                <a:cs typeface="Times New Roman" panose="02020603050405020304" pitchFamily="18" charset="0"/>
+              </a:rPr>
+              <a:t>R</a:t>
+            </a:r>
+            <a:r>
+              <a:rPr lang="ru-RU" altLang="ru-RU" dirty="0" err="1">
+                <a:solidFill>
+                  <a:srgbClr val="080808"/>
+                </a:solidFill>
+                <a:latin typeface="Times New Roman" panose="02020603050405020304" pitchFamily="18" charset="0"/>
+                <a:cs typeface="Times New Roman" panose="02020603050405020304" pitchFamily="18" charset="0"/>
+              </a:rPr>
+              <a:t>.</a:t>
+            </a:r>
+            <a:r>
+              <a:rPr lang="ru-RU" altLang="ru-RU" dirty="0" err="1">
+                <a:solidFill>
+                  <a:srgbClr val="000000"/>
+                </a:solidFill>
+                <a:latin typeface="Times New Roman" panose="02020603050405020304" pitchFamily="18" charset="0"/>
+                <a:cs typeface="Times New Roman" panose="02020603050405020304" pitchFamily="18" charset="0"/>
+              </a:rPr>
+              <a:t>id</a:t>
+            </a:r>
+            <a:r>
+              <a:rPr lang="ru-RU" altLang="ru-RU" dirty="0" err="1">
+                <a:solidFill>
+                  <a:srgbClr val="080808"/>
+                </a:solidFill>
+                <a:latin typeface="Times New Roman" panose="02020603050405020304" pitchFamily="18" charset="0"/>
+                <a:cs typeface="Times New Roman" panose="02020603050405020304" pitchFamily="18" charset="0"/>
+              </a:rPr>
+              <a:t>.</a:t>
+            </a:r>
+            <a:r>
+              <a:rPr lang="ru-RU" altLang="ru-RU" i="1" dirty="0" err="1">
+                <a:solidFill>
+                  <a:srgbClr val="871094"/>
+                </a:solidFill>
+                <a:latin typeface="Times New Roman" panose="02020603050405020304" pitchFamily="18" charset="0"/>
+                <a:cs typeface="Times New Roman" panose="02020603050405020304" pitchFamily="18" charset="0"/>
+              </a:rPr>
+              <a:t>nav_view</a:t>
+            </a:r>
+            <a:r>
+              <a:rPr lang="ru-RU" altLang="ru-RU" dirty="0">
+                <a:solidFill>
+                  <a:srgbClr val="080808"/>
+                </a:solidFill>
+                <a:latin typeface="Times New Roman" panose="02020603050405020304" pitchFamily="18" charset="0"/>
+                <a:cs typeface="Times New Roman" panose="02020603050405020304" pitchFamily="18" charset="0"/>
+              </a:rPr>
+              <a:t>);</a:t>
+            </a:r>
+            <a:br>
+              <a:rPr lang="ru-RU" altLang="ru-RU" dirty="0">
+                <a:solidFill>
+                  <a:srgbClr val="080808"/>
+                </a:solidFill>
+                <a:latin typeface="Times New Roman" panose="02020603050405020304" pitchFamily="18" charset="0"/>
+                <a:cs typeface="Times New Roman" panose="02020603050405020304" pitchFamily="18" charset="0"/>
+              </a:rPr>
+            </a:br>
+            <a:r>
+              <a:rPr lang="ru-RU" altLang="ru-RU" dirty="0" err="1">
+                <a:solidFill>
+                  <a:srgbClr val="000000"/>
+                </a:solidFill>
+                <a:latin typeface="Times New Roman" panose="02020603050405020304" pitchFamily="18" charset="0"/>
+                <a:cs typeface="Times New Roman" panose="02020603050405020304" pitchFamily="18" charset="0"/>
+              </a:rPr>
+              <a:t>DrawerLayout</a:t>
+            </a:r>
+            <a:r>
+              <a:rPr lang="ru-RU" altLang="ru-RU" dirty="0">
+                <a:solidFill>
+                  <a:srgbClr val="000000"/>
+                </a:solidFill>
+                <a:latin typeface="Times New Roman" panose="02020603050405020304" pitchFamily="18" charset="0"/>
+                <a:cs typeface="Times New Roman" panose="02020603050405020304" pitchFamily="18" charset="0"/>
+              </a:rPr>
+              <a:t> </a:t>
+            </a:r>
+            <a:r>
+              <a:rPr lang="ru-RU" altLang="ru-RU" dirty="0" err="1">
+                <a:solidFill>
+                  <a:srgbClr val="000000"/>
+                </a:solidFill>
+                <a:latin typeface="Times New Roman" panose="02020603050405020304" pitchFamily="18" charset="0"/>
+                <a:cs typeface="Times New Roman" panose="02020603050405020304" pitchFamily="18" charset="0"/>
+              </a:rPr>
+              <a:t>drawer</a:t>
+            </a:r>
+            <a:r>
+              <a:rPr lang="ru-RU" altLang="ru-RU" dirty="0">
+                <a:solidFill>
+                  <a:srgbClr val="000000"/>
+                </a:solidFill>
+                <a:latin typeface="Times New Roman" panose="02020603050405020304" pitchFamily="18" charset="0"/>
+                <a:cs typeface="Times New Roman" panose="02020603050405020304" pitchFamily="18" charset="0"/>
+              </a:rPr>
+              <a:t> </a:t>
+            </a:r>
+            <a:r>
+              <a:rPr lang="ru-RU" altLang="ru-RU" dirty="0">
+                <a:solidFill>
+                  <a:srgbClr val="080808"/>
+                </a:solidFill>
+                <a:latin typeface="Times New Roman" panose="02020603050405020304" pitchFamily="18" charset="0"/>
+                <a:cs typeface="Times New Roman" panose="02020603050405020304" pitchFamily="18" charset="0"/>
+              </a:rPr>
+              <a:t>= (</a:t>
+            </a:r>
+            <a:r>
+              <a:rPr lang="ru-RU" altLang="ru-RU" dirty="0" err="1">
+                <a:solidFill>
+                  <a:srgbClr val="000000"/>
+                </a:solidFill>
+                <a:latin typeface="Times New Roman" panose="02020603050405020304" pitchFamily="18" charset="0"/>
+                <a:cs typeface="Times New Roman" panose="02020603050405020304" pitchFamily="18" charset="0"/>
+              </a:rPr>
+              <a:t>DrawerLayout</a:t>
+            </a:r>
+            <a:r>
+              <a:rPr lang="ru-RU" altLang="ru-RU" dirty="0">
+                <a:solidFill>
+                  <a:srgbClr val="080808"/>
+                </a:solidFill>
+                <a:latin typeface="Times New Roman" panose="02020603050405020304" pitchFamily="18" charset="0"/>
+                <a:cs typeface="Times New Roman" panose="02020603050405020304" pitchFamily="18" charset="0"/>
+              </a:rPr>
+              <a:t>) </a:t>
+            </a:r>
+            <a:r>
+              <a:rPr lang="ru-RU" altLang="ru-RU" dirty="0" err="1">
+                <a:solidFill>
+                  <a:srgbClr val="080808"/>
+                </a:solidFill>
+                <a:latin typeface="Times New Roman" panose="02020603050405020304" pitchFamily="18" charset="0"/>
+                <a:cs typeface="Times New Roman" panose="02020603050405020304" pitchFamily="18" charset="0"/>
+              </a:rPr>
+              <a:t>findViewById</a:t>
+            </a:r>
+            <a:r>
+              <a:rPr lang="ru-RU" altLang="ru-RU" dirty="0">
+                <a:solidFill>
+                  <a:srgbClr val="080808"/>
+                </a:solidFill>
+                <a:latin typeface="Times New Roman" panose="02020603050405020304" pitchFamily="18" charset="0"/>
+                <a:cs typeface="Times New Roman" panose="02020603050405020304" pitchFamily="18" charset="0"/>
+              </a:rPr>
+              <a:t>(</a:t>
+            </a:r>
+            <a:r>
+              <a:rPr lang="ru-RU" altLang="ru-RU" dirty="0" err="1">
+                <a:solidFill>
+                  <a:srgbClr val="000000"/>
+                </a:solidFill>
+                <a:latin typeface="Times New Roman" panose="02020603050405020304" pitchFamily="18" charset="0"/>
+                <a:cs typeface="Times New Roman" panose="02020603050405020304" pitchFamily="18" charset="0"/>
+              </a:rPr>
+              <a:t>R</a:t>
+            </a:r>
+            <a:r>
+              <a:rPr lang="ru-RU" altLang="ru-RU" dirty="0" err="1">
+                <a:solidFill>
+                  <a:srgbClr val="080808"/>
+                </a:solidFill>
+                <a:latin typeface="Times New Roman" panose="02020603050405020304" pitchFamily="18" charset="0"/>
+                <a:cs typeface="Times New Roman" panose="02020603050405020304" pitchFamily="18" charset="0"/>
+              </a:rPr>
+              <a:t>.</a:t>
+            </a:r>
+            <a:r>
+              <a:rPr lang="ru-RU" altLang="ru-RU" dirty="0" err="1">
+                <a:solidFill>
+                  <a:srgbClr val="000000"/>
+                </a:solidFill>
+                <a:latin typeface="Times New Roman" panose="02020603050405020304" pitchFamily="18" charset="0"/>
+                <a:cs typeface="Times New Roman" panose="02020603050405020304" pitchFamily="18" charset="0"/>
+              </a:rPr>
+              <a:t>id</a:t>
+            </a:r>
+            <a:r>
+              <a:rPr lang="ru-RU" altLang="ru-RU" dirty="0" err="1">
+                <a:solidFill>
+                  <a:srgbClr val="080808"/>
+                </a:solidFill>
+                <a:latin typeface="Times New Roman" panose="02020603050405020304" pitchFamily="18" charset="0"/>
+                <a:cs typeface="Times New Roman" panose="02020603050405020304" pitchFamily="18" charset="0"/>
+              </a:rPr>
+              <a:t>.</a:t>
+            </a:r>
+            <a:r>
+              <a:rPr lang="ru-RU" altLang="ru-RU" i="1" dirty="0" err="1">
+                <a:solidFill>
+                  <a:srgbClr val="871094"/>
+                </a:solidFill>
+                <a:latin typeface="Times New Roman" panose="02020603050405020304" pitchFamily="18" charset="0"/>
+                <a:cs typeface="Times New Roman" panose="02020603050405020304" pitchFamily="18" charset="0"/>
+              </a:rPr>
+              <a:t>drawer_layout</a:t>
+            </a:r>
+            <a:r>
+              <a:rPr lang="ru-RU" altLang="ru-RU" dirty="0">
+                <a:solidFill>
+                  <a:srgbClr val="080808"/>
+                </a:solidFill>
+                <a:latin typeface="Times New Roman" panose="02020603050405020304" pitchFamily="18" charset="0"/>
+                <a:cs typeface="Times New Roman" panose="02020603050405020304" pitchFamily="18" charset="0"/>
+              </a:rPr>
+              <a:t>);</a:t>
+            </a:r>
+            <a:br>
+              <a:rPr lang="ru-RU" altLang="ru-RU" dirty="0">
+                <a:solidFill>
+                  <a:srgbClr val="080808"/>
+                </a:solidFill>
+                <a:latin typeface="Times New Roman" panose="02020603050405020304" pitchFamily="18" charset="0"/>
+                <a:cs typeface="Times New Roman" panose="02020603050405020304" pitchFamily="18" charset="0"/>
+              </a:rPr>
+            </a:br>
+            <a:endParaRPr lang="ru-RU" altLang="ru-RU" dirty="0">
+              <a:solidFill>
+                <a:srgbClr val="080808"/>
+              </a:solidFill>
+              <a:latin typeface="Times New Roman" panose="02020603050405020304" pitchFamily="18" charset="0"/>
+              <a:cs typeface="Times New Roman" panose="02020603050405020304" pitchFamily="18" charset="0"/>
+            </a:endParaRPr>
+          </a:p>
+          <a:p>
+            <a:pPr defTabSz="914400" eaLnBrk="0" fontAlgn="base" hangingPunct="0">
+              <a:spcBef>
+                <a:spcPct val="0"/>
+              </a:spcBef>
+              <a:spcAft>
+                <a:spcPct val="0"/>
+              </a:spcAft>
+            </a:pPr>
+            <a:r>
+              <a:rPr lang="ru-RU" altLang="ru-RU" b="1" dirty="0">
+                <a:solidFill>
+                  <a:schemeClr val="accent1">
+                    <a:lumMod val="50000"/>
+                  </a:schemeClr>
+                </a:solidFill>
+                <a:latin typeface="Times New Roman" panose="02020603050405020304" pitchFamily="18" charset="0"/>
+                <a:cs typeface="Times New Roman" panose="02020603050405020304" pitchFamily="18" charset="0"/>
+              </a:rPr>
+              <a:t>//</a:t>
+            </a:r>
+            <a:r>
+              <a:rPr lang="az-Cyrl-AZ" altLang="ru-RU" b="1" dirty="0">
+                <a:solidFill>
+                  <a:schemeClr val="accent1">
+                    <a:lumMod val="50000"/>
+                  </a:schemeClr>
+                </a:solidFill>
+                <a:latin typeface="Times New Roman" panose="02020603050405020304" pitchFamily="18" charset="0"/>
+                <a:cs typeface="Times New Roman" panose="02020603050405020304" pitchFamily="18" charset="0"/>
+              </a:rPr>
+              <a:t>Устанавливаем слушателя</a:t>
+            </a:r>
+            <a:endParaRPr lang="ru-RU" altLang="ru-RU" b="1" dirty="0">
+              <a:solidFill>
+                <a:schemeClr val="accent1">
+                  <a:lumMod val="50000"/>
+                </a:schemeClr>
+              </a:solidFill>
+              <a:latin typeface="Times New Roman" panose="02020603050405020304" pitchFamily="18" charset="0"/>
+              <a:cs typeface="Times New Roman" panose="02020603050405020304" pitchFamily="18" charset="0"/>
+            </a:endParaRPr>
+          </a:p>
+          <a:p>
+            <a:pPr lvl="0" defTabSz="914400" eaLnBrk="0" fontAlgn="base" hangingPunct="0">
+              <a:spcBef>
+                <a:spcPct val="0"/>
+              </a:spcBef>
+              <a:spcAft>
+                <a:spcPct val="0"/>
+              </a:spcAft>
+            </a:pPr>
+            <a:r>
+              <a:rPr lang="ru-RU" altLang="ru-RU" dirty="0" err="1">
+                <a:solidFill>
+                  <a:srgbClr val="000000"/>
+                </a:solidFill>
+                <a:latin typeface="Times New Roman" panose="02020603050405020304" pitchFamily="18" charset="0"/>
+                <a:cs typeface="Times New Roman" panose="02020603050405020304" pitchFamily="18" charset="0"/>
+              </a:rPr>
+              <a:t>navigationView</a:t>
+            </a:r>
+            <a:r>
+              <a:rPr lang="ru-RU" altLang="ru-RU" dirty="0" err="1">
+                <a:solidFill>
+                  <a:srgbClr val="080808"/>
+                </a:solidFill>
+                <a:latin typeface="Times New Roman" panose="02020603050405020304" pitchFamily="18" charset="0"/>
+                <a:cs typeface="Times New Roman" panose="02020603050405020304" pitchFamily="18" charset="0"/>
+              </a:rPr>
+              <a:t>.setNavigationItemSelectedListener</a:t>
+            </a:r>
+            <a:r>
+              <a:rPr lang="ru-RU" altLang="ru-RU" dirty="0">
+                <a:solidFill>
+                  <a:srgbClr val="080808"/>
+                </a:solidFill>
+                <a:latin typeface="Times New Roman" panose="02020603050405020304" pitchFamily="18" charset="0"/>
+                <a:cs typeface="Times New Roman" panose="02020603050405020304" pitchFamily="18" charset="0"/>
+              </a:rPr>
+              <a:t>(</a:t>
+            </a:r>
+          </a:p>
+          <a:p>
+            <a:pPr lvl="0" defTabSz="914400" eaLnBrk="0" fontAlgn="base" hangingPunct="0">
+              <a:spcBef>
+                <a:spcPct val="0"/>
+              </a:spcBef>
+              <a:spcAft>
+                <a:spcPct val="0"/>
+              </a:spcAft>
+            </a:pPr>
+            <a:r>
+              <a:rPr lang="ru-RU" altLang="ru-RU" dirty="0">
+                <a:solidFill>
+                  <a:srgbClr val="080808"/>
+                </a:solidFill>
+                <a:latin typeface="Times New Roman" panose="02020603050405020304" pitchFamily="18" charset="0"/>
+                <a:cs typeface="Times New Roman" panose="02020603050405020304" pitchFamily="18" charset="0"/>
+              </a:rPr>
+              <a:t>    </a:t>
+            </a:r>
+            <a:r>
+              <a:rPr lang="ru-RU" altLang="ru-RU" dirty="0" err="1">
+                <a:solidFill>
+                  <a:srgbClr val="0033B3"/>
+                </a:solidFill>
+                <a:latin typeface="Times New Roman" panose="02020603050405020304" pitchFamily="18" charset="0"/>
+                <a:cs typeface="Times New Roman" panose="02020603050405020304" pitchFamily="18" charset="0"/>
+              </a:rPr>
+              <a:t>new</a:t>
+            </a:r>
+            <a:r>
+              <a:rPr lang="ru-RU" altLang="ru-RU" dirty="0">
+                <a:solidFill>
+                  <a:srgbClr val="0033B3"/>
+                </a:solidFill>
+                <a:latin typeface="Times New Roman" panose="02020603050405020304" pitchFamily="18" charset="0"/>
+                <a:cs typeface="Times New Roman" panose="02020603050405020304" pitchFamily="18" charset="0"/>
+              </a:rPr>
+              <a:t> </a:t>
+            </a:r>
+            <a:r>
+              <a:rPr lang="ru-RU" altLang="ru-RU" dirty="0" err="1">
+                <a:solidFill>
+                  <a:srgbClr val="000000"/>
+                </a:solidFill>
+                <a:latin typeface="Times New Roman" panose="02020603050405020304" pitchFamily="18" charset="0"/>
+                <a:cs typeface="Times New Roman" panose="02020603050405020304" pitchFamily="18" charset="0"/>
+              </a:rPr>
+              <a:t>NavigationView</a:t>
+            </a:r>
+            <a:r>
+              <a:rPr lang="ru-RU" altLang="ru-RU" dirty="0" err="1">
+                <a:solidFill>
+                  <a:srgbClr val="080808"/>
+                </a:solidFill>
+                <a:latin typeface="Times New Roman" panose="02020603050405020304" pitchFamily="18" charset="0"/>
+                <a:cs typeface="Times New Roman" panose="02020603050405020304" pitchFamily="18" charset="0"/>
+              </a:rPr>
+              <a:t>.</a:t>
+            </a:r>
+            <a:r>
+              <a:rPr lang="ru-RU" altLang="ru-RU" dirty="0" err="1">
+                <a:solidFill>
+                  <a:srgbClr val="000000"/>
+                </a:solidFill>
+                <a:latin typeface="Times New Roman" panose="02020603050405020304" pitchFamily="18" charset="0"/>
+                <a:cs typeface="Times New Roman" panose="02020603050405020304" pitchFamily="18" charset="0"/>
+              </a:rPr>
+              <a:t>OnNavigationItemSelectedListener</a:t>
+            </a:r>
+            <a:r>
+              <a:rPr lang="ru-RU" altLang="ru-RU" dirty="0">
+                <a:solidFill>
+                  <a:srgbClr val="080808"/>
+                </a:solidFill>
+                <a:latin typeface="Times New Roman" panose="02020603050405020304" pitchFamily="18" charset="0"/>
+                <a:cs typeface="Times New Roman" panose="02020603050405020304" pitchFamily="18" charset="0"/>
+              </a:rPr>
+              <a:t>() {</a:t>
+            </a:r>
+            <a:br>
+              <a:rPr lang="ru-RU" altLang="ru-RU" dirty="0">
+                <a:solidFill>
+                  <a:srgbClr val="080808"/>
+                </a:solidFill>
+                <a:latin typeface="Times New Roman" panose="02020603050405020304" pitchFamily="18" charset="0"/>
+                <a:cs typeface="Times New Roman" panose="02020603050405020304" pitchFamily="18" charset="0"/>
+              </a:rPr>
+            </a:br>
+            <a:r>
+              <a:rPr lang="ru-RU" altLang="ru-RU" dirty="0">
+                <a:solidFill>
+                  <a:srgbClr val="080808"/>
+                </a:solidFill>
+                <a:latin typeface="Times New Roman" panose="02020603050405020304" pitchFamily="18" charset="0"/>
+                <a:cs typeface="Times New Roman" panose="02020603050405020304" pitchFamily="18" charset="0"/>
+              </a:rPr>
+              <a:t>    </a:t>
+            </a:r>
+            <a:r>
+              <a:rPr lang="ru-RU" altLang="ru-RU" dirty="0">
+                <a:solidFill>
+                  <a:srgbClr val="9E880D"/>
+                </a:solidFill>
+                <a:latin typeface="Times New Roman" panose="02020603050405020304" pitchFamily="18" charset="0"/>
+                <a:cs typeface="Times New Roman" panose="02020603050405020304" pitchFamily="18" charset="0"/>
+              </a:rPr>
+              <a:t>@</a:t>
+            </a:r>
+            <a:r>
+              <a:rPr lang="ru-RU" altLang="ru-RU" dirty="0" err="1">
+                <a:solidFill>
+                  <a:srgbClr val="9E880D"/>
+                </a:solidFill>
+                <a:latin typeface="Times New Roman" panose="02020603050405020304" pitchFamily="18" charset="0"/>
+                <a:cs typeface="Times New Roman" panose="02020603050405020304" pitchFamily="18" charset="0"/>
+              </a:rPr>
+              <a:t>Override</a:t>
+            </a:r>
+            <a:br>
+              <a:rPr lang="ru-RU" altLang="ru-RU" dirty="0">
+                <a:solidFill>
+                  <a:srgbClr val="9E880D"/>
+                </a:solidFill>
+                <a:latin typeface="Times New Roman" panose="02020603050405020304" pitchFamily="18" charset="0"/>
+                <a:cs typeface="Times New Roman" panose="02020603050405020304" pitchFamily="18" charset="0"/>
+              </a:rPr>
+            </a:br>
+            <a:r>
+              <a:rPr lang="ru-RU" altLang="ru-RU" dirty="0">
+                <a:solidFill>
+                  <a:srgbClr val="9E880D"/>
+                </a:solidFill>
+                <a:latin typeface="Times New Roman" panose="02020603050405020304" pitchFamily="18" charset="0"/>
+                <a:cs typeface="Times New Roman" panose="02020603050405020304" pitchFamily="18" charset="0"/>
+              </a:rPr>
+              <a:t>    </a:t>
+            </a:r>
+            <a:r>
+              <a:rPr lang="ru-RU" altLang="ru-RU" dirty="0" err="1">
+                <a:solidFill>
+                  <a:srgbClr val="0033B3"/>
+                </a:solidFill>
+                <a:latin typeface="Times New Roman" panose="02020603050405020304" pitchFamily="18" charset="0"/>
+                <a:cs typeface="Times New Roman" panose="02020603050405020304" pitchFamily="18" charset="0"/>
+              </a:rPr>
+              <a:t>public</a:t>
+            </a:r>
+            <a:r>
+              <a:rPr lang="ru-RU" altLang="ru-RU" dirty="0">
+                <a:solidFill>
+                  <a:srgbClr val="0033B3"/>
+                </a:solidFill>
+                <a:latin typeface="Times New Roman" panose="02020603050405020304" pitchFamily="18" charset="0"/>
+                <a:cs typeface="Times New Roman" panose="02020603050405020304" pitchFamily="18" charset="0"/>
+              </a:rPr>
+              <a:t> </a:t>
+            </a:r>
+            <a:r>
+              <a:rPr lang="ru-RU" altLang="ru-RU" dirty="0" err="1">
+                <a:solidFill>
+                  <a:srgbClr val="0033B3"/>
+                </a:solidFill>
+                <a:latin typeface="Times New Roman" panose="02020603050405020304" pitchFamily="18" charset="0"/>
+                <a:cs typeface="Times New Roman" panose="02020603050405020304" pitchFamily="18" charset="0"/>
+              </a:rPr>
+              <a:t>boolean</a:t>
+            </a:r>
+            <a:r>
+              <a:rPr lang="ru-RU" altLang="ru-RU" dirty="0">
+                <a:solidFill>
+                  <a:srgbClr val="0033B3"/>
+                </a:solidFill>
+                <a:latin typeface="Times New Roman" panose="02020603050405020304" pitchFamily="18" charset="0"/>
+                <a:cs typeface="Times New Roman" panose="02020603050405020304" pitchFamily="18" charset="0"/>
+              </a:rPr>
+              <a:t> </a:t>
+            </a:r>
+            <a:r>
+              <a:rPr lang="ru-RU" altLang="ru-RU" dirty="0" err="1">
+                <a:solidFill>
+                  <a:srgbClr val="00627A"/>
+                </a:solidFill>
+                <a:latin typeface="Times New Roman" panose="02020603050405020304" pitchFamily="18" charset="0"/>
+                <a:cs typeface="Times New Roman" panose="02020603050405020304" pitchFamily="18" charset="0"/>
+              </a:rPr>
+              <a:t>onNavigationItemSelected</a:t>
+            </a:r>
+            <a:r>
+              <a:rPr lang="ru-RU" altLang="ru-RU" dirty="0">
+                <a:solidFill>
+                  <a:srgbClr val="080808"/>
+                </a:solidFill>
+                <a:latin typeface="Times New Roman" panose="02020603050405020304" pitchFamily="18" charset="0"/>
+                <a:cs typeface="Times New Roman" panose="02020603050405020304" pitchFamily="18" charset="0"/>
+              </a:rPr>
+              <a:t>(</a:t>
+            </a:r>
+            <a:r>
+              <a:rPr lang="ru-RU" altLang="ru-RU" dirty="0">
+                <a:solidFill>
+                  <a:srgbClr val="9E880D"/>
+                </a:solidFill>
+                <a:latin typeface="Times New Roman" panose="02020603050405020304" pitchFamily="18" charset="0"/>
+                <a:cs typeface="Times New Roman" panose="02020603050405020304" pitchFamily="18" charset="0"/>
+              </a:rPr>
+              <a:t>@</a:t>
+            </a:r>
+            <a:r>
+              <a:rPr lang="ru-RU" altLang="ru-RU" dirty="0" err="1">
+                <a:solidFill>
+                  <a:srgbClr val="9E880D"/>
+                </a:solidFill>
+                <a:latin typeface="Times New Roman" panose="02020603050405020304" pitchFamily="18" charset="0"/>
+                <a:cs typeface="Times New Roman" panose="02020603050405020304" pitchFamily="18" charset="0"/>
+              </a:rPr>
+              <a:t>NonNull</a:t>
+            </a:r>
+            <a:r>
+              <a:rPr lang="ru-RU" altLang="ru-RU" dirty="0">
+                <a:solidFill>
+                  <a:srgbClr val="9E880D"/>
+                </a:solidFill>
+                <a:latin typeface="Times New Roman" panose="02020603050405020304" pitchFamily="18" charset="0"/>
+                <a:cs typeface="Times New Roman" panose="02020603050405020304" pitchFamily="18" charset="0"/>
+              </a:rPr>
+              <a:t> </a:t>
+            </a:r>
+            <a:r>
+              <a:rPr lang="ru-RU" altLang="ru-RU" dirty="0" err="1">
+                <a:solidFill>
+                  <a:srgbClr val="000000"/>
+                </a:solidFill>
+                <a:latin typeface="Times New Roman" panose="02020603050405020304" pitchFamily="18" charset="0"/>
+                <a:cs typeface="Times New Roman" panose="02020603050405020304" pitchFamily="18" charset="0"/>
+              </a:rPr>
+              <a:t>MenuItem</a:t>
+            </a:r>
+            <a:r>
+              <a:rPr lang="ru-RU" altLang="ru-RU" dirty="0">
+                <a:solidFill>
+                  <a:srgbClr val="000000"/>
+                </a:solidFill>
+                <a:latin typeface="Times New Roman" panose="02020603050405020304" pitchFamily="18" charset="0"/>
+                <a:cs typeface="Times New Roman" panose="02020603050405020304" pitchFamily="18" charset="0"/>
+              </a:rPr>
+              <a:t> </a:t>
+            </a:r>
+            <a:r>
+              <a:rPr lang="ru-RU" altLang="ru-RU" dirty="0" err="1">
+                <a:solidFill>
+                  <a:srgbClr val="080808"/>
+                </a:solidFill>
+                <a:latin typeface="Times New Roman" panose="02020603050405020304" pitchFamily="18" charset="0"/>
+                <a:cs typeface="Times New Roman" panose="02020603050405020304" pitchFamily="18" charset="0"/>
+              </a:rPr>
+              <a:t>item</a:t>
+            </a:r>
+            <a:r>
+              <a:rPr lang="ru-RU" altLang="ru-RU" dirty="0">
+                <a:solidFill>
+                  <a:srgbClr val="080808"/>
+                </a:solidFill>
+                <a:latin typeface="Times New Roman" panose="02020603050405020304" pitchFamily="18" charset="0"/>
+                <a:cs typeface="Times New Roman" panose="02020603050405020304" pitchFamily="18" charset="0"/>
+              </a:rPr>
+              <a:t>) {</a:t>
+            </a:r>
+            <a:br>
+              <a:rPr lang="ru-RU" altLang="ru-RU" dirty="0">
+                <a:solidFill>
+                  <a:srgbClr val="080808"/>
+                </a:solidFill>
+                <a:latin typeface="Times New Roman" panose="02020603050405020304" pitchFamily="18" charset="0"/>
+                <a:cs typeface="Times New Roman" panose="02020603050405020304" pitchFamily="18" charset="0"/>
+              </a:rPr>
+            </a:br>
+            <a:r>
+              <a:rPr lang="ru-RU" altLang="ru-RU" dirty="0">
+                <a:solidFill>
+                  <a:srgbClr val="080808"/>
+                </a:solidFill>
+                <a:latin typeface="Times New Roman" panose="02020603050405020304" pitchFamily="18" charset="0"/>
+                <a:cs typeface="Times New Roman" panose="02020603050405020304" pitchFamily="18" charset="0"/>
+              </a:rPr>
+              <a:t>        </a:t>
+            </a:r>
+            <a:r>
+              <a:rPr lang="ru-RU" altLang="ru-RU" dirty="0" err="1">
+                <a:solidFill>
+                  <a:srgbClr val="000000"/>
+                </a:solidFill>
+                <a:latin typeface="Times New Roman" panose="02020603050405020304" pitchFamily="18" charset="0"/>
+                <a:cs typeface="Times New Roman" panose="02020603050405020304" pitchFamily="18" charset="0"/>
+              </a:rPr>
+              <a:t>Toast</a:t>
+            </a:r>
+            <a:r>
+              <a:rPr lang="ru-RU" altLang="ru-RU" dirty="0" err="1">
+                <a:solidFill>
+                  <a:srgbClr val="080808"/>
+                </a:solidFill>
+                <a:latin typeface="Times New Roman" panose="02020603050405020304" pitchFamily="18" charset="0"/>
+                <a:cs typeface="Times New Roman" panose="02020603050405020304" pitchFamily="18" charset="0"/>
+              </a:rPr>
+              <a:t>.</a:t>
+            </a:r>
+            <a:r>
+              <a:rPr lang="ru-RU" altLang="ru-RU" i="1" dirty="0" err="1">
+                <a:solidFill>
+                  <a:srgbClr val="080808"/>
+                </a:solidFill>
+                <a:latin typeface="Times New Roman" panose="02020603050405020304" pitchFamily="18" charset="0"/>
+                <a:cs typeface="Times New Roman" panose="02020603050405020304" pitchFamily="18" charset="0"/>
+              </a:rPr>
+              <a:t>makeText</a:t>
+            </a:r>
+            <a:r>
+              <a:rPr lang="ru-RU" altLang="ru-RU" dirty="0">
+                <a:solidFill>
+                  <a:srgbClr val="080808"/>
+                </a:solidFill>
+                <a:latin typeface="Times New Roman" panose="02020603050405020304" pitchFamily="18" charset="0"/>
+                <a:cs typeface="Times New Roman" panose="02020603050405020304" pitchFamily="18" charset="0"/>
+              </a:rPr>
+              <a:t>(</a:t>
+            </a:r>
+            <a:r>
+              <a:rPr lang="ru-RU" altLang="ru-RU" dirty="0" err="1">
+                <a:solidFill>
+                  <a:srgbClr val="080808"/>
+                </a:solidFill>
+                <a:latin typeface="Times New Roman" panose="02020603050405020304" pitchFamily="18" charset="0"/>
+                <a:cs typeface="Times New Roman" panose="02020603050405020304" pitchFamily="18" charset="0"/>
+              </a:rPr>
+              <a:t>getApplicationContext</a:t>
+            </a:r>
+            <a:r>
+              <a:rPr lang="ru-RU" altLang="ru-RU" dirty="0">
+                <a:solidFill>
+                  <a:srgbClr val="080808"/>
+                </a:solidFill>
+                <a:latin typeface="Times New Roman" panose="02020603050405020304" pitchFamily="18" charset="0"/>
+                <a:cs typeface="Times New Roman" panose="02020603050405020304" pitchFamily="18" charset="0"/>
+              </a:rPr>
+              <a:t>(), </a:t>
+            </a:r>
+            <a:r>
+              <a:rPr lang="ru-RU" altLang="ru-RU" dirty="0" err="1">
+                <a:solidFill>
+                  <a:srgbClr val="080808"/>
+                </a:solidFill>
+                <a:latin typeface="Times New Roman" panose="02020603050405020304" pitchFamily="18" charset="0"/>
+                <a:cs typeface="Times New Roman" panose="02020603050405020304" pitchFamily="18" charset="0"/>
+              </a:rPr>
+              <a:t>item.getTitle</a:t>
+            </a:r>
+            <a:r>
+              <a:rPr lang="ru-RU" altLang="ru-RU" dirty="0">
+                <a:solidFill>
+                  <a:srgbClr val="080808"/>
+                </a:solidFill>
+                <a:latin typeface="Times New Roman" panose="02020603050405020304" pitchFamily="18" charset="0"/>
+                <a:cs typeface="Times New Roman" panose="02020603050405020304" pitchFamily="18" charset="0"/>
+              </a:rPr>
+              <a:t>(), </a:t>
+            </a:r>
+            <a:r>
+              <a:rPr lang="ru-RU" altLang="ru-RU" dirty="0" err="1">
+                <a:solidFill>
+                  <a:srgbClr val="000000"/>
+                </a:solidFill>
+                <a:latin typeface="Times New Roman" panose="02020603050405020304" pitchFamily="18" charset="0"/>
+                <a:cs typeface="Times New Roman" panose="02020603050405020304" pitchFamily="18" charset="0"/>
+              </a:rPr>
+              <a:t>Toast</a:t>
+            </a:r>
+            <a:r>
+              <a:rPr lang="ru-RU" altLang="ru-RU" dirty="0" err="1">
+                <a:solidFill>
+                  <a:srgbClr val="080808"/>
+                </a:solidFill>
+                <a:latin typeface="Times New Roman" panose="02020603050405020304" pitchFamily="18" charset="0"/>
+                <a:cs typeface="Times New Roman" panose="02020603050405020304" pitchFamily="18" charset="0"/>
+              </a:rPr>
+              <a:t>.</a:t>
+            </a:r>
+            <a:r>
+              <a:rPr lang="ru-RU" altLang="ru-RU" i="1" dirty="0" err="1">
+                <a:solidFill>
+                  <a:srgbClr val="871094"/>
+                </a:solidFill>
+                <a:latin typeface="Times New Roman" panose="02020603050405020304" pitchFamily="18" charset="0"/>
+                <a:cs typeface="Times New Roman" panose="02020603050405020304" pitchFamily="18" charset="0"/>
+              </a:rPr>
+              <a:t>LENGTH_LONG</a:t>
+            </a:r>
+            <a:r>
+              <a:rPr lang="ru-RU" altLang="ru-RU" dirty="0">
+                <a:solidFill>
+                  <a:srgbClr val="080808"/>
+                </a:solidFill>
+                <a:latin typeface="Times New Roman" panose="02020603050405020304" pitchFamily="18" charset="0"/>
+                <a:cs typeface="Times New Roman" panose="02020603050405020304" pitchFamily="18" charset="0"/>
+              </a:rPr>
+              <a:t>).</a:t>
+            </a:r>
+            <a:r>
+              <a:rPr lang="ru-RU" altLang="ru-RU" dirty="0" err="1">
+                <a:solidFill>
+                  <a:srgbClr val="080808"/>
+                </a:solidFill>
+                <a:latin typeface="Times New Roman" panose="02020603050405020304" pitchFamily="18" charset="0"/>
+                <a:cs typeface="Times New Roman" panose="02020603050405020304" pitchFamily="18" charset="0"/>
+              </a:rPr>
+              <a:t>show</a:t>
+            </a:r>
+            <a:r>
+              <a:rPr lang="ru-RU" altLang="ru-RU" dirty="0">
+                <a:solidFill>
+                  <a:srgbClr val="080808"/>
+                </a:solidFill>
+                <a:latin typeface="Times New Roman" panose="02020603050405020304" pitchFamily="18" charset="0"/>
+                <a:cs typeface="Times New Roman" panose="02020603050405020304" pitchFamily="18" charset="0"/>
+              </a:rPr>
+              <a:t>();</a:t>
+            </a:r>
+            <a:br>
+              <a:rPr lang="ru-RU" altLang="ru-RU" dirty="0">
+                <a:solidFill>
+                  <a:srgbClr val="080808"/>
+                </a:solidFill>
+                <a:latin typeface="Times New Roman" panose="02020603050405020304" pitchFamily="18" charset="0"/>
+                <a:cs typeface="Times New Roman" panose="02020603050405020304" pitchFamily="18" charset="0"/>
+              </a:rPr>
+            </a:br>
+            <a:r>
+              <a:rPr lang="ru-RU" altLang="ru-RU" dirty="0">
+                <a:solidFill>
+                  <a:srgbClr val="080808"/>
+                </a:solidFill>
+                <a:latin typeface="Times New Roman" panose="02020603050405020304" pitchFamily="18" charset="0"/>
+                <a:cs typeface="Times New Roman" panose="02020603050405020304" pitchFamily="18" charset="0"/>
+              </a:rPr>
+              <a:t>        </a:t>
+            </a:r>
+            <a:r>
+              <a:rPr lang="ru-RU" altLang="ru-RU" dirty="0" err="1">
+                <a:solidFill>
+                  <a:srgbClr val="851691"/>
+                </a:solidFill>
+                <a:latin typeface="Times New Roman" panose="02020603050405020304" pitchFamily="18" charset="0"/>
+                <a:cs typeface="Times New Roman" panose="02020603050405020304" pitchFamily="18" charset="0"/>
+              </a:rPr>
+              <a:t>drawer</a:t>
+            </a:r>
+            <a:r>
+              <a:rPr lang="ru-RU" altLang="ru-RU" dirty="0" err="1">
+                <a:solidFill>
+                  <a:srgbClr val="080808"/>
+                </a:solidFill>
+                <a:latin typeface="Times New Roman" panose="02020603050405020304" pitchFamily="18" charset="0"/>
+                <a:cs typeface="Times New Roman" panose="02020603050405020304" pitchFamily="18" charset="0"/>
+              </a:rPr>
+              <a:t>.closeDrawer</a:t>
+            </a:r>
+            <a:r>
+              <a:rPr lang="ru-RU" altLang="ru-RU" dirty="0">
+                <a:solidFill>
+                  <a:srgbClr val="080808"/>
+                </a:solidFill>
+                <a:latin typeface="Times New Roman" panose="02020603050405020304" pitchFamily="18" charset="0"/>
+                <a:cs typeface="Times New Roman" panose="02020603050405020304" pitchFamily="18" charset="0"/>
+              </a:rPr>
+              <a:t>(</a:t>
+            </a:r>
+            <a:r>
+              <a:rPr lang="ru-RU" altLang="ru-RU" dirty="0" err="1">
+                <a:solidFill>
+                  <a:srgbClr val="000000"/>
+                </a:solidFill>
+                <a:latin typeface="Times New Roman" panose="02020603050405020304" pitchFamily="18" charset="0"/>
+                <a:cs typeface="Times New Roman" panose="02020603050405020304" pitchFamily="18" charset="0"/>
+              </a:rPr>
+              <a:t>GravityCompat</a:t>
+            </a:r>
+            <a:r>
+              <a:rPr lang="ru-RU" altLang="ru-RU" dirty="0" err="1">
+                <a:solidFill>
+                  <a:srgbClr val="080808"/>
+                </a:solidFill>
+                <a:latin typeface="Times New Roman" panose="02020603050405020304" pitchFamily="18" charset="0"/>
+                <a:cs typeface="Times New Roman" panose="02020603050405020304" pitchFamily="18" charset="0"/>
+              </a:rPr>
+              <a:t>.</a:t>
+            </a:r>
+            <a:r>
+              <a:rPr lang="ru-RU" altLang="ru-RU" i="1" dirty="0" err="1">
+                <a:solidFill>
+                  <a:srgbClr val="871094"/>
+                </a:solidFill>
+                <a:latin typeface="Times New Roman" panose="02020603050405020304" pitchFamily="18" charset="0"/>
+                <a:cs typeface="Times New Roman" panose="02020603050405020304" pitchFamily="18" charset="0"/>
+              </a:rPr>
+              <a:t>START</a:t>
+            </a:r>
+            <a:r>
+              <a:rPr lang="ru-RU" altLang="ru-RU" dirty="0">
+                <a:solidFill>
+                  <a:srgbClr val="080808"/>
+                </a:solidFill>
+                <a:latin typeface="Times New Roman" panose="02020603050405020304" pitchFamily="18" charset="0"/>
+                <a:cs typeface="Times New Roman" panose="02020603050405020304" pitchFamily="18" charset="0"/>
+              </a:rPr>
+              <a:t>);</a:t>
+            </a:r>
+            <a:br>
+              <a:rPr lang="ru-RU" altLang="ru-RU" dirty="0">
+                <a:solidFill>
+                  <a:srgbClr val="080808"/>
+                </a:solidFill>
+                <a:latin typeface="Times New Roman" panose="02020603050405020304" pitchFamily="18" charset="0"/>
+                <a:cs typeface="Times New Roman" panose="02020603050405020304" pitchFamily="18" charset="0"/>
+              </a:rPr>
+            </a:br>
+            <a:r>
+              <a:rPr lang="ru-RU" altLang="ru-RU" dirty="0">
+                <a:solidFill>
+                  <a:srgbClr val="080808"/>
+                </a:solidFill>
+                <a:latin typeface="Times New Roman" panose="02020603050405020304" pitchFamily="18" charset="0"/>
+                <a:cs typeface="Times New Roman" panose="02020603050405020304" pitchFamily="18" charset="0"/>
+              </a:rPr>
+              <a:t>        </a:t>
+            </a:r>
+            <a:r>
+              <a:rPr lang="ru-RU" altLang="ru-RU" dirty="0" err="1">
+                <a:solidFill>
+                  <a:srgbClr val="0033B3"/>
+                </a:solidFill>
+                <a:latin typeface="Times New Roman" panose="02020603050405020304" pitchFamily="18" charset="0"/>
+                <a:cs typeface="Times New Roman" panose="02020603050405020304" pitchFamily="18" charset="0"/>
+              </a:rPr>
+              <a:t>return</a:t>
+            </a:r>
+            <a:r>
+              <a:rPr lang="ru-RU" altLang="ru-RU" dirty="0">
+                <a:solidFill>
+                  <a:srgbClr val="0033B3"/>
+                </a:solidFill>
+                <a:latin typeface="Times New Roman" panose="02020603050405020304" pitchFamily="18" charset="0"/>
+                <a:cs typeface="Times New Roman" panose="02020603050405020304" pitchFamily="18" charset="0"/>
+              </a:rPr>
+              <a:t> </a:t>
+            </a:r>
+            <a:r>
+              <a:rPr lang="ru-RU" altLang="ru-RU" dirty="0" err="1">
+                <a:solidFill>
+                  <a:srgbClr val="0033B3"/>
+                </a:solidFill>
+                <a:latin typeface="Times New Roman" panose="02020603050405020304" pitchFamily="18" charset="0"/>
+                <a:cs typeface="Times New Roman" panose="02020603050405020304" pitchFamily="18" charset="0"/>
+              </a:rPr>
+              <a:t>true</a:t>
+            </a:r>
+            <a:r>
+              <a:rPr lang="ru-RU" altLang="ru-RU" dirty="0">
+                <a:solidFill>
+                  <a:srgbClr val="080808"/>
+                </a:solidFill>
+                <a:latin typeface="Times New Roman" panose="02020603050405020304" pitchFamily="18" charset="0"/>
+                <a:cs typeface="Times New Roman" panose="02020603050405020304" pitchFamily="18" charset="0"/>
+              </a:rPr>
+              <a:t>;</a:t>
+            </a:r>
+            <a:br>
+              <a:rPr lang="ru-RU" altLang="ru-RU" dirty="0">
+                <a:solidFill>
+                  <a:srgbClr val="080808"/>
+                </a:solidFill>
+                <a:latin typeface="Times New Roman" panose="02020603050405020304" pitchFamily="18" charset="0"/>
+                <a:cs typeface="Times New Roman" panose="02020603050405020304" pitchFamily="18" charset="0"/>
+              </a:rPr>
+            </a:br>
+            <a:r>
+              <a:rPr lang="ru-RU" altLang="ru-RU" dirty="0">
+                <a:solidFill>
+                  <a:srgbClr val="080808"/>
+                </a:solidFill>
+                <a:latin typeface="Times New Roman" panose="02020603050405020304" pitchFamily="18" charset="0"/>
+                <a:cs typeface="Times New Roman" panose="02020603050405020304" pitchFamily="18" charset="0"/>
+              </a:rPr>
+              <a:t>    }</a:t>
+            </a:r>
+            <a:br>
+              <a:rPr lang="ru-RU" altLang="ru-RU" dirty="0">
+                <a:solidFill>
+                  <a:srgbClr val="080808"/>
+                </a:solidFill>
+                <a:latin typeface="Times New Roman" panose="02020603050405020304" pitchFamily="18" charset="0"/>
+                <a:cs typeface="Times New Roman" panose="02020603050405020304" pitchFamily="18" charset="0"/>
+              </a:rPr>
+            </a:br>
+            <a:r>
+              <a:rPr lang="ru-RU" altLang="ru-RU" dirty="0">
+                <a:solidFill>
+                  <a:srgbClr val="080808"/>
+                </a:solidFill>
+                <a:latin typeface="Times New Roman" panose="02020603050405020304" pitchFamily="18" charset="0"/>
+                <a:cs typeface="Times New Roman" panose="02020603050405020304" pitchFamily="18" charset="0"/>
+              </a:rPr>
+              <a:t>});</a:t>
+            </a:r>
+            <a:endParaRPr lang="ru-RU" altLang="ru-RU" dirty="0">
+              <a:latin typeface="Times New Roman" panose="02020603050405020304" pitchFamily="18" charset="0"/>
+              <a:cs typeface="Times New Roman" panose="02020603050405020304" pitchFamily="18" charset="0"/>
+            </a:endParaRPr>
+          </a:p>
+        </p:txBody>
+      </p:sp>
+    </p:spTree>
+    <p:extLst>
+      <p:ext uri="{BB962C8B-B14F-4D97-AF65-F5344CB8AC3E}">
+        <p14:creationId xmlns:p14="http://schemas.microsoft.com/office/powerpoint/2010/main" val="4117403795"/>
+      </p:ext>
+    </p:extLst>
+  </p:cSld>
+  <p:clrMapOvr>
+    <a:masterClrMapping/>
+  </p:clrMapOvr>
+</p:sld>
+</file>
+
 <file path=ppt/slides/slide2.xml><?xml version="1.0" encoding="utf-8"?>
 <p:sld xmlns:a="http://schemas.openxmlformats.org/drawingml/2006/main" xmlns:r="http://schemas.openxmlformats.org/officeDocument/2006/relationships" xmlns:p="http://schemas.openxmlformats.org/presentationml/2006/main">
   <p:cSld>
@@ -5309,10 +9624,632 @@
       </p:grpSpPr>
       <p:sp useBgFill="1">
         <p:nvSpPr>
-          <p:cNvPr id="199" name="Rectangle 198">
+          <p:cNvPr id="1032" name="Rectangle 77">
             <a:extLst>
               <a:ext uri="{FF2B5EF4-FFF2-40B4-BE49-F238E27FC236}">
-                <a16:creationId xmlns:a16="http://schemas.microsoft.com/office/drawing/2014/main" id="{B5DC95B7-2A72-483B-BA19-2BE751205541}"/>
+                <a16:creationId xmlns:a16="http://schemas.microsoft.com/office/drawing/2014/main" id="{47BA6B54-FD0C-4B20-816F-3B6BEEA1D65C}"/>
+              </a:ext>
+              <a:ext uri="{C183D7F6-B498-43B3-948B-1728B52AA6E4}">
+                <adec:decorative xmlns:adec="http://schemas.microsoft.com/office/drawing/2017/decorative" val="1"/>
+              </a:ext>
+            </a:extLst>
+          </p:cNvPr>
+          <p:cNvSpPr>
+            <a:spLocks noGrp="1" noRot="1" noChangeAspect="1" noMove="1" noResize="1" noEditPoints="1" noAdjustHandles="1" noChangeArrowheads="1" noChangeShapeType="1" noTextEdit="1"/>
+          </p:cNvSpPr>
+          <p:nvPr>
+            <p:extLst>
+              <p:ext uri="{386F3935-93C4-4BCD-93E2-E3B085C9AB24}">
+                <p16:designElem xmlns:p16="http://schemas.microsoft.com/office/powerpoint/2015/main" val="1"/>
+              </p:ext>
+            </p:extLst>
+          </p:nvPr>
+        </p:nvSpPr>
+        <p:spPr>
+          <a:xfrm>
+            <a:off x="0" y="0"/>
+            <a:ext cx="12191999" cy="6858000"/>
+          </a:xfrm>
+          <a:prstGeom prst="rect">
+            <a:avLst/>
+          </a:prstGeom>
+          <a:ln>
+            <a:noFill/>
+          </a:ln>
+        </p:spPr>
+        <p:style>
+          <a:lnRef idx="2">
+            <a:schemeClr val="accent1">
+              <a:shade val="50000"/>
+            </a:schemeClr>
+          </a:lnRef>
+          <a:fillRef idx="1">
+            <a:schemeClr val="accent1"/>
+          </a:fillRef>
+          <a:effectRef idx="0">
+            <a:schemeClr val="accent1"/>
+          </a:effectRef>
+          <a:fontRef idx="minor">
+            <a:schemeClr val="lt1"/>
+          </a:fontRef>
+        </p:style>
+        <p:txBody>
+          <a:bodyPr rtlCol="0" anchor="ctr"/>
+          <a:lstStyle/>
+          <a:p>
+            <a:pPr algn="ctr"/>
+            <a:endParaRPr lang="en-US"/>
+          </a:p>
+        </p:txBody>
+      </p:sp>
+      <p:sp>
+        <p:nvSpPr>
+          <p:cNvPr id="1033" name="Rectangle 79">
+            <a:extLst>
+              <a:ext uri="{FF2B5EF4-FFF2-40B4-BE49-F238E27FC236}">
+                <a16:creationId xmlns:a16="http://schemas.microsoft.com/office/drawing/2014/main" id="{CE90C7AB-40E9-481F-980A-EDD19EFF359D}"/>
+              </a:ext>
+              <a:ext uri="{C183D7F6-B498-43B3-948B-1728B52AA6E4}">
+                <adec:decorative xmlns:adec="http://schemas.microsoft.com/office/drawing/2017/decorative" val="1"/>
+              </a:ext>
+            </a:extLst>
+          </p:cNvPr>
+          <p:cNvSpPr>
+            <a:spLocks noGrp="1" noRot="1" noChangeAspect="1" noMove="1" noResize="1" noEditPoints="1" noAdjustHandles="1" noChangeArrowheads="1" noChangeShapeType="1" noTextEdit="1"/>
+          </p:cNvSpPr>
+          <p:nvPr>
+            <p:extLst>
+              <p:ext uri="{386F3935-93C4-4BCD-93E2-E3B085C9AB24}">
+                <p16:designElem xmlns:p16="http://schemas.microsoft.com/office/powerpoint/2015/main" val="1"/>
+              </p:ext>
+            </p:extLst>
+          </p:nvPr>
+        </p:nvSpPr>
+        <p:spPr>
+          <a:xfrm>
+            <a:off x="0" y="761999"/>
+            <a:ext cx="5608255" cy="5334001"/>
+          </a:xfrm>
+          <a:prstGeom prst="rect">
+            <a:avLst/>
+          </a:prstGeom>
+          <a:solidFill>
+            <a:schemeClr val="accent1"/>
+          </a:solidFill>
+          <a:ln>
+            <a:noFill/>
+          </a:ln>
+        </p:spPr>
+        <p:style>
+          <a:lnRef idx="2">
+            <a:schemeClr val="accent1">
+              <a:shade val="50000"/>
+            </a:schemeClr>
+          </a:lnRef>
+          <a:fillRef idx="1">
+            <a:schemeClr val="accent1"/>
+          </a:fillRef>
+          <a:effectRef idx="0">
+            <a:schemeClr val="accent1"/>
+          </a:effectRef>
+          <a:fontRef idx="minor">
+            <a:schemeClr val="lt1"/>
+          </a:fontRef>
+        </p:style>
+      </p:sp>
+      <p:sp>
+        <p:nvSpPr>
+          <p:cNvPr id="1030" name="Content Placeholder 1029">
+            <a:extLst>
+              <a:ext uri="{FF2B5EF4-FFF2-40B4-BE49-F238E27FC236}">
+                <a16:creationId xmlns:a16="http://schemas.microsoft.com/office/drawing/2014/main" id="{6B850C18-2FCB-4A2C-B8BE-915BD9E63334}"/>
+              </a:ext>
+            </a:extLst>
+          </p:cNvPr>
+          <p:cNvSpPr>
+            <a:spLocks noGrp="1"/>
+          </p:cNvSpPr>
+          <p:nvPr>
+            <p:ph idx="1"/>
+          </p:nvPr>
+        </p:nvSpPr>
+        <p:spPr>
+          <a:xfrm>
+            <a:off x="289249" y="2510395"/>
+            <a:ext cx="4998962" cy="3274586"/>
+          </a:xfrm>
+        </p:spPr>
+        <p:txBody>
+          <a:bodyPr anchor="t">
+            <a:normAutofit/>
+          </a:bodyPr>
+          <a:lstStyle/>
+          <a:p>
+            <a:pPr marL="0" indent="0">
+              <a:buNone/>
+            </a:pPr>
+            <a:r>
+              <a:rPr lang="az-Cyrl-AZ" sz="4000" b="1" dirty="0">
+                <a:solidFill>
+                  <a:srgbClr val="FFFFFF"/>
+                </a:solidFill>
+              </a:rPr>
+              <a:t>Пример приложения</a:t>
+            </a:r>
+            <a:endParaRPr lang="en-US" sz="4000" b="1" dirty="0">
+              <a:solidFill>
+                <a:srgbClr val="FFFFFF"/>
+              </a:solidFill>
+            </a:endParaRPr>
+          </a:p>
+        </p:txBody>
+      </p:sp>
+      <p:sp>
+        <p:nvSpPr>
+          <p:cNvPr id="82" name="Rectangle 81">
+            <a:extLst>
+              <a:ext uri="{FF2B5EF4-FFF2-40B4-BE49-F238E27FC236}">
+                <a16:creationId xmlns:a16="http://schemas.microsoft.com/office/drawing/2014/main" id="{23ADD3AA-6CC0-4B1A-B4A3-98AD78A1EACC}"/>
+              </a:ext>
+              <a:ext uri="{C183D7F6-B498-43B3-948B-1728B52AA6E4}">
+                <adec:decorative xmlns:adec="http://schemas.microsoft.com/office/drawing/2017/decorative" val="1"/>
+              </a:ext>
+            </a:extLst>
+          </p:cNvPr>
+          <p:cNvSpPr>
+            <a:spLocks noGrp="1" noRot="1" noChangeAspect="1" noMove="1" noResize="1" noEditPoints="1" noAdjustHandles="1" noChangeArrowheads="1" noChangeShapeType="1" noTextEdit="1"/>
+          </p:cNvSpPr>
+          <p:nvPr>
+            <p:extLst>
+              <p:ext uri="{386F3935-93C4-4BCD-93E2-E3B085C9AB24}">
+                <p16:designElem xmlns:p16="http://schemas.microsoft.com/office/powerpoint/2015/main" val="1"/>
+              </p:ext>
+            </p:extLst>
+          </p:nvPr>
+        </p:nvSpPr>
+        <p:spPr>
+          <a:xfrm>
+            <a:off x="6125497" y="758952"/>
+            <a:ext cx="2842930" cy="3191490"/>
+          </a:xfrm>
+          <a:prstGeom prst="rect">
+            <a:avLst/>
+          </a:prstGeom>
+          <a:solidFill>
+            <a:srgbClr val="FFFFFF"/>
+          </a:solidFill>
+          <a:ln w="66675" cmpd="sng">
+            <a:solidFill>
+              <a:schemeClr val="bg2"/>
+            </a:solidFill>
+            <a:miter lim="800000"/>
+          </a:ln>
+        </p:spPr>
+        <p:style>
+          <a:lnRef idx="2">
+            <a:schemeClr val="accent1">
+              <a:shade val="50000"/>
+            </a:schemeClr>
+          </a:lnRef>
+          <a:fillRef idx="1">
+            <a:schemeClr val="accent1"/>
+          </a:fillRef>
+          <a:effectRef idx="0">
+            <a:schemeClr val="accent1"/>
+          </a:effectRef>
+          <a:fontRef idx="minor">
+            <a:schemeClr val="lt1"/>
+          </a:fontRef>
+        </p:style>
+        <p:txBody>
+          <a:bodyPr rtlCol="0" anchor="ctr"/>
+          <a:lstStyle/>
+          <a:p>
+            <a:pPr algn="ctr"/>
+            <a:endParaRPr lang="en-US"/>
+          </a:p>
+        </p:txBody>
+      </p:sp>
+      <p:pic>
+        <p:nvPicPr>
+          <p:cNvPr id="5" name="Рисунок 4">
+            <a:extLst>
+              <a:ext uri="{FF2B5EF4-FFF2-40B4-BE49-F238E27FC236}">
+                <a16:creationId xmlns:a16="http://schemas.microsoft.com/office/drawing/2014/main" id="{6A548991-1D92-4357-8468-CA199C0CCC4C}"/>
+              </a:ext>
+            </a:extLst>
+          </p:cNvPr>
+          <p:cNvPicPr>
+            <a:picLocks noChangeAspect="1"/>
+          </p:cNvPicPr>
+          <p:nvPr/>
+        </p:nvPicPr>
+        <p:blipFill rotWithShape="1">
+          <a:blip r:embed="rId2"/>
+          <a:srcRect l="2212" r="2247"/>
+          <a:stretch/>
+        </p:blipFill>
+        <p:spPr>
+          <a:xfrm>
+            <a:off x="6866767" y="923661"/>
+            <a:ext cx="1360390" cy="2862072"/>
+          </a:xfrm>
+          <a:prstGeom prst="rect">
+            <a:avLst/>
+          </a:prstGeom>
+        </p:spPr>
+      </p:pic>
+      <p:sp>
+        <p:nvSpPr>
+          <p:cNvPr id="84" name="Rectangle 83">
+            <a:extLst>
+              <a:ext uri="{FF2B5EF4-FFF2-40B4-BE49-F238E27FC236}">
+                <a16:creationId xmlns:a16="http://schemas.microsoft.com/office/drawing/2014/main" id="{A73D5959-733D-49EB-9C7B-0B65AD3B981A}"/>
+              </a:ext>
+              <a:ext uri="{C183D7F6-B498-43B3-948B-1728B52AA6E4}">
+                <adec:decorative xmlns:adec="http://schemas.microsoft.com/office/drawing/2017/decorative" val="1"/>
+              </a:ext>
+            </a:extLst>
+          </p:cNvPr>
+          <p:cNvSpPr>
+            <a:spLocks noGrp="1" noRot="1" noChangeAspect="1" noMove="1" noResize="1" noEditPoints="1" noAdjustHandles="1" noChangeArrowheads="1" noChangeShapeType="1" noTextEdit="1"/>
+          </p:cNvSpPr>
+          <p:nvPr>
+            <p:extLst>
+              <p:ext uri="{386F3935-93C4-4BCD-93E2-E3B085C9AB24}">
+                <p16:designElem xmlns:p16="http://schemas.microsoft.com/office/powerpoint/2015/main" val="1"/>
+              </p:ext>
+            </p:extLst>
+          </p:nvPr>
+        </p:nvSpPr>
+        <p:spPr>
+          <a:xfrm>
+            <a:off x="9091252" y="758952"/>
+            <a:ext cx="2396659" cy="1830905"/>
+          </a:xfrm>
+          <a:prstGeom prst="rect">
+            <a:avLst/>
+          </a:prstGeom>
+          <a:solidFill>
+            <a:schemeClr val="accent1"/>
+          </a:solidFill>
+          <a:ln>
+            <a:noFill/>
+          </a:ln>
+        </p:spPr>
+        <p:style>
+          <a:lnRef idx="2">
+            <a:schemeClr val="accent1">
+              <a:shade val="50000"/>
+            </a:schemeClr>
+          </a:lnRef>
+          <a:fillRef idx="1">
+            <a:schemeClr val="accent1"/>
+          </a:fillRef>
+          <a:effectRef idx="0">
+            <a:schemeClr val="accent1"/>
+          </a:effectRef>
+          <a:fontRef idx="minor">
+            <a:schemeClr val="lt1"/>
+          </a:fontRef>
+        </p:style>
+        <p:txBody>
+          <a:bodyPr rtlCol="0" anchor="ctr"/>
+          <a:lstStyle/>
+          <a:p>
+            <a:pPr algn="ctr"/>
+            <a:endParaRPr lang="en-US"/>
+          </a:p>
+        </p:txBody>
+      </p:sp>
+      <p:sp>
+        <p:nvSpPr>
+          <p:cNvPr id="86" name="Rectangle 85">
+            <a:extLst>
+              <a:ext uri="{FF2B5EF4-FFF2-40B4-BE49-F238E27FC236}">
+                <a16:creationId xmlns:a16="http://schemas.microsoft.com/office/drawing/2014/main" id="{670FE657-E905-4F80-9A98-9FAC75EAC29D}"/>
+              </a:ext>
+              <a:ext uri="{C183D7F6-B498-43B3-948B-1728B52AA6E4}">
+                <adec:decorative xmlns:adec="http://schemas.microsoft.com/office/drawing/2017/decorative" val="1"/>
+              </a:ext>
+            </a:extLst>
+          </p:cNvPr>
+          <p:cNvSpPr>
+            <a:spLocks noGrp="1" noRot="1" noChangeAspect="1" noMove="1" noResize="1" noEditPoints="1" noAdjustHandles="1" noChangeArrowheads="1" noChangeShapeType="1" noTextEdit="1"/>
+          </p:cNvSpPr>
+          <p:nvPr>
+            <p:extLst>
+              <p:ext uri="{386F3935-93C4-4BCD-93E2-E3B085C9AB24}">
+                <p16:designElem xmlns:p16="http://schemas.microsoft.com/office/powerpoint/2015/main" val="1"/>
+              </p:ext>
+            </p:extLst>
+          </p:nvPr>
+        </p:nvSpPr>
+        <p:spPr>
+          <a:xfrm>
+            <a:off x="6132153" y="4090151"/>
+            <a:ext cx="2836274" cy="1999753"/>
+          </a:xfrm>
+          <a:prstGeom prst="rect">
+            <a:avLst/>
+          </a:prstGeom>
+          <a:solidFill>
+            <a:schemeClr val="accent1"/>
+          </a:solidFill>
+          <a:ln>
+            <a:noFill/>
+          </a:ln>
+        </p:spPr>
+        <p:style>
+          <a:lnRef idx="2">
+            <a:schemeClr val="accent1">
+              <a:shade val="50000"/>
+            </a:schemeClr>
+          </a:lnRef>
+          <a:fillRef idx="1">
+            <a:schemeClr val="accent1"/>
+          </a:fillRef>
+          <a:effectRef idx="0">
+            <a:schemeClr val="accent1"/>
+          </a:effectRef>
+          <a:fontRef idx="minor">
+            <a:schemeClr val="lt1"/>
+          </a:fontRef>
+        </p:style>
+        <p:txBody>
+          <a:bodyPr rtlCol="0" anchor="ctr"/>
+          <a:lstStyle/>
+          <a:p>
+            <a:pPr algn="ctr"/>
+            <a:endParaRPr lang="en-US"/>
+          </a:p>
+        </p:txBody>
+      </p:sp>
+      <p:sp>
+        <p:nvSpPr>
+          <p:cNvPr id="88" name="Rectangle 87">
+            <a:extLst>
+              <a:ext uri="{FF2B5EF4-FFF2-40B4-BE49-F238E27FC236}">
+                <a16:creationId xmlns:a16="http://schemas.microsoft.com/office/drawing/2014/main" id="{5296173E-160F-42EA-B0C9-8E2804C9A375}"/>
+              </a:ext>
+              <a:ext uri="{C183D7F6-B498-43B3-948B-1728B52AA6E4}">
+                <adec:decorative xmlns:adec="http://schemas.microsoft.com/office/drawing/2017/decorative" val="1"/>
+              </a:ext>
+            </a:extLst>
+          </p:cNvPr>
+          <p:cNvSpPr>
+            <a:spLocks noGrp="1" noRot="1" noChangeAspect="1" noMove="1" noResize="1" noEditPoints="1" noAdjustHandles="1" noChangeArrowheads="1" noChangeShapeType="1" noTextEdit="1"/>
+          </p:cNvSpPr>
+          <p:nvPr>
+            <p:extLst>
+              <p:ext uri="{386F3935-93C4-4BCD-93E2-E3B085C9AB24}">
+                <p16:designElem xmlns:p16="http://schemas.microsoft.com/office/powerpoint/2015/main" val="1"/>
+              </p:ext>
+            </p:extLst>
+          </p:nvPr>
+        </p:nvSpPr>
+        <p:spPr>
+          <a:xfrm>
+            <a:off x="9091252" y="2722807"/>
+            <a:ext cx="2396659" cy="3367097"/>
+          </a:xfrm>
+          <a:prstGeom prst="rect">
+            <a:avLst/>
+          </a:prstGeom>
+          <a:solidFill>
+            <a:srgbClr val="FFFFFF"/>
+          </a:solidFill>
+          <a:ln w="66675" cmpd="sng">
+            <a:solidFill>
+              <a:schemeClr val="bg2"/>
+            </a:solidFill>
+            <a:miter lim="800000"/>
+          </a:ln>
+        </p:spPr>
+        <p:style>
+          <a:lnRef idx="2">
+            <a:schemeClr val="accent1">
+              <a:shade val="50000"/>
+            </a:schemeClr>
+          </a:lnRef>
+          <a:fillRef idx="1">
+            <a:schemeClr val="accent1"/>
+          </a:fillRef>
+          <a:effectRef idx="0">
+            <a:schemeClr val="accent1"/>
+          </a:effectRef>
+          <a:fontRef idx="minor">
+            <a:schemeClr val="lt1"/>
+          </a:fontRef>
+        </p:style>
+        <p:txBody>
+          <a:bodyPr rtlCol="0" anchor="ctr"/>
+          <a:lstStyle/>
+          <a:p>
+            <a:pPr algn="ctr"/>
+            <a:endParaRPr lang="en-US"/>
+          </a:p>
+        </p:txBody>
+      </p:sp>
+      <p:pic>
+        <p:nvPicPr>
+          <p:cNvPr id="4" name="Рисунок 3">
+            <a:extLst>
+              <a:ext uri="{FF2B5EF4-FFF2-40B4-BE49-F238E27FC236}">
+                <a16:creationId xmlns:a16="http://schemas.microsoft.com/office/drawing/2014/main" id="{8336C273-CF4D-4156-A89E-AB822E32443F}"/>
+              </a:ext>
+            </a:extLst>
+          </p:cNvPr>
+          <p:cNvPicPr>
+            <a:picLocks noChangeAspect="1"/>
+          </p:cNvPicPr>
+          <p:nvPr/>
+        </p:nvPicPr>
+        <p:blipFill rotWithShape="1">
+          <a:blip r:embed="rId3"/>
+          <a:srcRect l="1870" t="1083" r="2361" b="1"/>
+          <a:stretch/>
+        </p:blipFill>
+        <p:spPr>
+          <a:xfrm>
+            <a:off x="9562124" y="2888451"/>
+            <a:ext cx="1454915" cy="3035808"/>
+          </a:xfrm>
+          <a:prstGeom prst="rect">
+            <a:avLst/>
+          </a:prstGeom>
+        </p:spPr>
+      </p:pic>
+      <p:sp>
+        <p:nvSpPr>
+          <p:cNvPr id="90" name="Rectangle 89">
+            <a:extLst>
+              <a:ext uri="{FF2B5EF4-FFF2-40B4-BE49-F238E27FC236}">
+                <a16:creationId xmlns:a16="http://schemas.microsoft.com/office/drawing/2014/main" id="{85FD8413-571F-456D-BB62-4C204826EBA7}"/>
+              </a:ext>
+              <a:ext uri="{C183D7F6-B498-43B3-948B-1728B52AA6E4}">
+                <adec:decorative xmlns:adec="http://schemas.microsoft.com/office/drawing/2017/decorative" val="1"/>
+              </a:ext>
+            </a:extLst>
+          </p:cNvPr>
+          <p:cNvSpPr>
+            <a:spLocks noGrp="1" noRot="1" noChangeAspect="1" noMove="1" noResize="1" noEditPoints="1" noAdjustHandles="1" noChangeArrowheads="1" noChangeShapeType="1" noTextEdit="1"/>
+          </p:cNvSpPr>
+          <p:nvPr>
+            <p:extLst>
+              <p:ext uri="{386F3935-93C4-4BCD-93E2-E3B085C9AB24}">
+                <p16:designElem xmlns:p16="http://schemas.microsoft.com/office/powerpoint/2015/main" val="1"/>
+              </p:ext>
+            </p:extLst>
+          </p:nvPr>
+        </p:nvSpPr>
+        <p:spPr>
+          <a:xfrm>
+            <a:off x="11815864" y="758952"/>
+            <a:ext cx="384048" cy="5330952"/>
+          </a:xfrm>
+          <a:prstGeom prst="rect">
+            <a:avLst/>
+          </a:prstGeom>
+          <a:solidFill>
+            <a:srgbClr val="C8C8C8">
+              <a:alpha val="49804"/>
+            </a:srgbClr>
+          </a:solidFill>
+          <a:ln>
+            <a:noFill/>
+          </a:ln>
+        </p:spPr>
+        <p:style>
+          <a:lnRef idx="2">
+            <a:schemeClr val="accent1">
+              <a:shade val="50000"/>
+            </a:schemeClr>
+          </a:lnRef>
+          <a:fillRef idx="1">
+            <a:schemeClr val="accent1"/>
+          </a:fillRef>
+          <a:effectRef idx="0">
+            <a:schemeClr val="accent1"/>
+          </a:effectRef>
+          <a:fontRef idx="minor">
+            <a:schemeClr val="lt1"/>
+          </a:fontRef>
+        </p:style>
+      </p:sp>
+      <p:sp>
+        <p:nvSpPr>
+          <p:cNvPr id="2" name="Прямоугольник 1">
+            <a:extLst>
+              <a:ext uri="{FF2B5EF4-FFF2-40B4-BE49-F238E27FC236}">
+                <a16:creationId xmlns:a16="http://schemas.microsoft.com/office/drawing/2014/main" id="{A4C78B92-9362-46F4-9E94-7D5F2D069594}"/>
+              </a:ext>
+            </a:extLst>
+          </p:cNvPr>
+          <p:cNvSpPr/>
+          <p:nvPr/>
+        </p:nvSpPr>
+        <p:spPr>
+          <a:xfrm>
+            <a:off x="1290644" y="3950442"/>
+            <a:ext cx="2406428" cy="754694"/>
+          </a:xfrm>
+          <a:prstGeom prst="rect">
+            <a:avLst/>
+          </a:prstGeom>
+        </p:spPr>
+        <p:txBody>
+          <a:bodyPr wrap="none">
+            <a:spAutoFit/>
+          </a:bodyPr>
+          <a:lstStyle/>
+          <a:p>
+            <a:pPr>
+              <a:lnSpc>
+                <a:spcPct val="150000"/>
+              </a:lnSpc>
+              <a:spcAft>
+                <a:spcPts val="600"/>
+              </a:spcAft>
+            </a:pPr>
+            <a:r>
+              <a:rPr lang="en-US" sz="3200" b="1" dirty="0">
+                <a:latin typeface="Times New Roman" panose="02020603050405020304" pitchFamily="18" charset="0"/>
+                <a:cs typeface="Times New Roman" panose="02020603050405020304" pitchFamily="18" charset="0"/>
+              </a:rPr>
+              <a:t>goo.su/3Uv0</a:t>
+            </a:r>
+            <a:endParaRPr lang="ru-RU" sz="3200" b="1" dirty="0">
+              <a:latin typeface="Times New Roman" panose="02020603050405020304" pitchFamily="18" charset="0"/>
+              <a:cs typeface="Times New Roman" panose="02020603050405020304" pitchFamily="18" charset="0"/>
+            </a:endParaRPr>
+          </a:p>
+        </p:txBody>
+      </p:sp>
+    </p:spTree>
+    <p:extLst>
+      <p:ext uri="{BB962C8B-B14F-4D97-AF65-F5344CB8AC3E}">
+        <p14:creationId xmlns:p14="http://schemas.microsoft.com/office/powerpoint/2010/main" val="1663689034"/>
+      </p:ext>
+    </p:extLst>
+  </p:cSld>
+  <p:clrMapOvr>
+    <a:masterClrMapping/>
+  </p:clrMapOvr>
+</p:sld>
+</file>
+
+<file path=ppt/slides/slide9.xml><?xml version="1.0" encoding="utf-8"?>
+<p:sld xmlns:a="http://schemas.openxmlformats.org/drawingml/2006/main" xmlns:r="http://schemas.openxmlformats.org/officeDocument/2006/relationships" xmlns:p="http://schemas.openxmlformats.org/presentationml/2006/main">
+  <p:cSld>
+    <p:bg>
+      <p:bgPr>
+        <a:solidFill>
+          <a:schemeClr val="bg1"/>
+        </a:solidFill>
+        <a:effectLst/>
+      </p:bgPr>
+    </p:bg>
+    <p:spTree>
+      <p:nvGrpSpPr>
+        <p:cNvPr id="1" name=""/>
+        <p:cNvGrpSpPr/>
+        <p:nvPr/>
+      </p:nvGrpSpPr>
+      <p:grpSpPr>
+        <a:xfrm>
+          <a:off x="0" y="0"/>
+          <a:ext cx="0" cy="0"/>
+          <a:chOff x="0" y="0"/>
+          <a:chExt cx="0" cy="0"/>
+        </a:xfrm>
+      </p:grpSpPr>
+      <p:sp useBgFill="1">
+        <p:nvSpPr>
+          <p:cNvPr id="78" name="Rectangle 77">
+            <a:extLst>
+              <a:ext uri="{FF2B5EF4-FFF2-40B4-BE49-F238E27FC236}">
+                <a16:creationId xmlns:a16="http://schemas.microsoft.com/office/drawing/2014/main" id="{A35CBD63-8F8F-47DC-9CE7-159E6161D872}"/>
               </a:ext>
               <a:ext uri="{C183D7F6-B498-43B3-948B-1728B52AA6E4}">
                 <adec:decorative xmlns:adec="http://schemas.microsoft.com/office/drawing/2017/decorative" val="1"/>
@@ -5369,10 +10306,10 @@
       </p:sp>
       <p:sp>
         <p:nvSpPr>
-          <p:cNvPr id="201" name="Rectangle 200">
+          <p:cNvPr id="80" name="Rectangle 79">
             <a:extLst>
               <a:ext uri="{FF2B5EF4-FFF2-40B4-BE49-F238E27FC236}">
-                <a16:creationId xmlns:a16="http://schemas.microsoft.com/office/drawing/2014/main" id="{1C822AFE-7E96-4A51-9E55-FCAEACD21357}"/>
+                <a16:creationId xmlns:a16="http://schemas.microsoft.com/office/drawing/2014/main" id="{CA0E3486-FD49-4921-B4F4-E5BB5C88AC79}"/>
               </a:ext>
               <a:ext uri="{C183D7F6-B498-43B3-948B-1728B52AA6E4}">
                 <adec:decorative xmlns:adec="http://schemas.microsoft.com/office/drawing/2017/decorative" val="1"/>
@@ -5392,8 +10329,8 @@
         </p:nvSpPr>
         <p:spPr>
           <a:xfrm>
-            <a:off x="864516" y="4212709"/>
-            <a:ext cx="10764932" cy="1873941"/>
+            <a:off x="-1" y="758953"/>
+            <a:ext cx="3577575" cy="5330952"/>
           </a:xfrm>
           <a:prstGeom prst="rect">
             <a:avLst/>
@@ -5421,21 +10358,84 @@
             <a:schemeClr val="lt1"/>
           </a:fontRef>
         </p:style>
-        <p:txBody>
-          <a:bodyPr rtlCol="0" anchor="ctr"/>
-          <a:lstStyle/>
-          <a:p>
-            <a:pPr algn="ctr"/>
-            <a:endParaRPr lang="en-US"/>
-          </a:p>
-        </p:txBody>
-      </p:sp>
-      <p:sp>
-        <p:nvSpPr>
-          <p:cNvPr id="203" name="Rectangle 202">
+      </p:sp>
+      <p:sp>
+        <p:nvSpPr>
+          <p:cNvPr id="1030" name="Content Placeholder 1029">
             <a:extLst>
               <a:ext uri="{FF2B5EF4-FFF2-40B4-BE49-F238E27FC236}">
-                <a16:creationId xmlns:a16="http://schemas.microsoft.com/office/drawing/2014/main" id="{9169EA61-C175-4B7E-807B-58199DEA7FB3}"/>
+                <a16:creationId xmlns:a16="http://schemas.microsoft.com/office/drawing/2014/main" id="{6B850C18-2FCB-4A2C-B8BE-915BD9E63334}"/>
+              </a:ext>
+            </a:extLst>
+          </p:cNvPr>
+          <p:cNvSpPr>
+            <a:spLocks noGrp="1"/>
+          </p:cNvSpPr>
+          <p:nvPr>
+            <p:ph idx="1"/>
+          </p:nvPr>
+        </p:nvSpPr>
+        <p:spPr>
+          <a:xfrm>
+            <a:off x="252920" y="2162014"/>
+            <a:ext cx="3236004" cy="3744264"/>
+          </a:xfrm>
+        </p:spPr>
+        <p:txBody>
+          <a:bodyPr anchor="t">
+            <a:normAutofit/>
+          </a:bodyPr>
+          <a:lstStyle/>
+          <a:p>
+            <a:pPr marL="0" indent="0">
+              <a:buNone/>
+            </a:pPr>
+            <a:r>
+              <a:rPr lang="en-US" sz="4000" b="1" dirty="0">
+                <a:solidFill>
+                  <a:srgbClr val="FFFFFF"/>
+                </a:solidFill>
+              </a:rPr>
+              <a:t>Navigation Architecture Component</a:t>
+            </a:r>
+          </a:p>
+        </p:txBody>
+      </p:sp>
+      <p:pic>
+        <p:nvPicPr>
+          <p:cNvPr id="5" name="Рисунок 4">
+            <a:extLst>
+              <a:ext uri="{FF2B5EF4-FFF2-40B4-BE49-F238E27FC236}">
+                <a16:creationId xmlns:a16="http://schemas.microsoft.com/office/drawing/2014/main" id="{752B5FCC-FDEA-438D-843C-92A304C99A2E}"/>
+              </a:ext>
+            </a:extLst>
+          </p:cNvPr>
+          <p:cNvPicPr>
+            <a:picLocks noChangeAspect="1"/>
+          </p:cNvPicPr>
+          <p:nvPr/>
+        </p:nvPicPr>
+        <p:blipFill rotWithShape="1">
+          <a:blip r:embed="rId2"/>
+          <a:srcRect l="27266" t="25277" r="14817" b="16257"/>
+          <a:stretch/>
+        </p:blipFill>
+        <p:spPr>
+          <a:xfrm>
+            <a:off x="4059935" y="1293601"/>
+            <a:ext cx="7491363" cy="4253833"/>
+          </a:xfrm>
+          <a:prstGeom prst="rect">
+            <a:avLst/>
+          </a:prstGeom>
+        </p:spPr>
+      </p:pic>
+      <p:sp>
+        <p:nvSpPr>
+          <p:cNvPr id="82" name="Rectangle 81">
+            <a:extLst>
+              <a:ext uri="{FF2B5EF4-FFF2-40B4-BE49-F238E27FC236}">
+                <a16:creationId xmlns:a16="http://schemas.microsoft.com/office/drawing/2014/main" id="{83B4A72C-2924-4CE2-8674-7E02E182ED6D}"/>
               </a:ext>
               <a:ext uri="{C183D7F6-B498-43B3-948B-1728B52AA6E4}">
                 <adec:decorative xmlns:adec="http://schemas.microsoft.com/office/drawing/2017/decorative" val="1"/>
@@ -5455,7 +10455,7 @@
         </p:nvSpPr>
         <p:spPr>
           <a:xfrm>
-            <a:off x="0" y="758952"/>
+            <a:off x="11815864" y="758952"/>
             <a:ext cx="384048" cy="5330952"/>
           </a:xfrm>
           <a:prstGeom prst="rect">
@@ -5489,57 +10489,10 @@
       </p:sp>
       <p:sp>
         <p:nvSpPr>
-          <p:cNvPr id="1030" name="Content Placeholder 1029">
+          <p:cNvPr id="4" name="Прямоугольник 3">
             <a:extLst>
               <a:ext uri="{FF2B5EF4-FFF2-40B4-BE49-F238E27FC236}">
-                <a16:creationId xmlns:a16="http://schemas.microsoft.com/office/drawing/2014/main" id="{6B850C18-2FCB-4A2C-B8BE-915BD9E63334}"/>
-              </a:ext>
-            </a:extLst>
-          </p:cNvPr>
-          <p:cNvSpPr>
-            <a:spLocks noGrp="1"/>
-          </p:cNvSpPr>
-          <p:nvPr>
-            <p:ph idx="1"/>
-          </p:nvPr>
-        </p:nvSpPr>
-        <p:spPr>
-          <a:xfrm>
-            <a:off x="1189608" y="4386720"/>
-            <a:ext cx="10240392" cy="1526582"/>
-          </a:xfrm>
-        </p:spPr>
-        <p:txBody>
-          <a:bodyPr anchor="ctr">
-            <a:normAutofit/>
-          </a:bodyPr>
-          <a:lstStyle/>
-          <a:p>
-            <a:pPr marL="0" indent="0">
-              <a:buNone/>
-            </a:pPr>
-            <a:r>
-              <a:rPr lang="az-Cyrl-AZ" sz="4000" b="1" dirty="0">
-                <a:solidFill>
-                  <a:srgbClr val="FFFFFF"/>
-                </a:solidFill>
-              </a:rPr>
-              <a:t>Пример приложения</a:t>
-            </a:r>
-            <a:endParaRPr lang="en-US" sz="4000" b="1" dirty="0">
-              <a:solidFill>
-                <a:srgbClr val="FFFFFF"/>
-              </a:solidFill>
-            </a:endParaRPr>
-          </a:p>
-        </p:txBody>
-      </p:sp>
-      <p:sp>
-        <p:nvSpPr>
-          <p:cNvPr id="2" name="Прямоугольник 1">
-            <a:extLst>
-              <a:ext uri="{FF2B5EF4-FFF2-40B4-BE49-F238E27FC236}">
-                <a16:creationId xmlns:a16="http://schemas.microsoft.com/office/drawing/2014/main" id="{A4C78B92-9362-46F4-9E94-7D5F2D069594}"/>
+                <a16:creationId xmlns:a16="http://schemas.microsoft.com/office/drawing/2014/main" id="{0DF6BCC3-DD82-44BA-9019-62EE63675299}"/>
               </a:ext>
             </a:extLst>
           </p:cNvPr>
@@ -5548,8 +10501,8 @@
         </p:nvSpPr>
         <p:spPr>
           <a:xfrm>
-            <a:off x="864516" y="567351"/>
-            <a:ext cx="2406428" cy="754694"/>
+            <a:off x="8804339" y="478962"/>
+            <a:ext cx="2408032" cy="584775"/>
           </a:xfrm>
           <a:prstGeom prst="rect">
             <a:avLst/>
@@ -5562,18 +10515,18 @@
           <a:lstStyle/>
           <a:p>
             <a:pPr>
-              <a:lnSpc>
-                <a:spcPct val="150000"/>
-              </a:lnSpc>
+              <a:spcAft>
+                <a:spcPts val="600"/>
+              </a:spcAft>
             </a:pPr>
             <a:r>
-              <a:rPr lang="en-US" sz="3200" b="1" dirty="0">
-                <a:latin typeface="Times New Roman" panose="02020603050405020304" pitchFamily="18" charset="0"/>
-                <a:cs typeface="Times New Roman" panose="02020603050405020304" pitchFamily="18" charset="0"/>
-              </a:rPr>
-              <a:t>goo.su/3Uv0</a:t>
-            </a:r>
-            <a:endParaRPr lang="ru-RU" sz="3200" b="1" dirty="0">
+              <a:rPr lang="ru-RU" sz="3200" b="1" dirty="0">
+                <a:latin typeface="Times New Roman" panose="02020603050405020304" pitchFamily="18" charset="0"/>
+                <a:cs typeface="Times New Roman" panose="02020603050405020304" pitchFamily="18" charset="0"/>
+              </a:rPr>
+              <a:t>goo.su/3VR4</a:t>
+            </a:r>
+            <a:endParaRPr lang="ru-RU" sz="3200" b="1">
               <a:latin typeface="Times New Roman" panose="02020603050405020304" pitchFamily="18" charset="0"/>
               <a:cs typeface="Times New Roman" panose="02020603050405020304" pitchFamily="18" charset="0"/>
             </a:endParaRPr>
@@ -5583,7 +10536,7 @@
     </p:spTree>
     <p:extLst>
       <p:ext uri="{BB962C8B-B14F-4D97-AF65-F5344CB8AC3E}">
-        <p14:creationId xmlns:p14="http://schemas.microsoft.com/office/powerpoint/2010/main" val="1663689034"/>
+        <p14:creationId xmlns:p14="http://schemas.microsoft.com/office/powerpoint/2010/main" val="4099047521"/>
       </p:ext>
     </p:extLst>
   </p:cSld>
